--- a/Dart.pptx
+++ b/Dart.pptx
@@ -530,7 +530,7 @@
                   <a:schemeClr val="tx2"/>
                 </a:solidFill>
               </a:rPr>
-              <a:t>05.10.2022</a:t>
+              <a:t>01.03.2023</a:t>
             </a:fld>
             <a:endParaRPr lang="de-DE">
               <a:solidFill>
@@ -880,7 +880,7 @@
             <a:fld id="{B4113CCE-1A1A-46DB-884A-AE560F65C3AF}" type="datetimeFigureOut">
               <a:rPr lang="de-DE" smtClean="0"/>
               <a:pPr/>
-              <a:t>05.10.2022</a:t>
+              <a:t>01.03.2023</a:t>
             </a:fld>
             <a:endParaRPr lang="de-DE"/>
           </a:p>
@@ -9357,7 +9357,7 @@
           <a:p>
             <a:fld id="{4E6DF7AA-8899-480A-AE8B-97B651237939}" type="datetime1">
               <a:rPr lang="de-DE" smtClean="0"/>
-              <a:t>05.10.2022</a:t>
+              <a:t>01.03.2023</a:t>
             </a:fld>
             <a:endParaRPr lang="de-DE"/>
           </a:p>
@@ -9562,7 +9562,7 @@
           <a:p>
             <a:fld id="{A1082C62-1968-4D03-BE49-CB116A4D6814}" type="datetime1">
               <a:rPr lang="de-DE" smtClean="0"/>
-              <a:t>05.10.2022</a:t>
+              <a:t>01.03.2023</a:t>
             </a:fld>
             <a:endParaRPr lang="de-DE"/>
           </a:p>
@@ -9716,7 +9716,7 @@
           <a:p>
             <a:fld id="{C0E04462-FF80-4281-98D0-2AB88E65DA84}" type="datetime1">
               <a:rPr lang="de-DE" smtClean="0"/>
-              <a:t>05.10.2022</a:t>
+              <a:t>01.03.2023</a:t>
             </a:fld>
             <a:endParaRPr lang="de-DE"/>
           </a:p>
@@ -9953,7 +9953,7 @@
           <a:p>
             <a:fld id="{1FAA5A7F-2A4E-40D6-9FFE-960B13817A2C}" type="datetime1">
               <a:rPr lang="de-DE" smtClean="0"/>
-              <a:t>05.10.2022</a:t>
+              <a:t>01.03.2023</a:t>
             </a:fld>
             <a:endParaRPr lang="de-DE"/>
           </a:p>
@@ -10129,7 +10129,7 @@
           <a:p>
             <a:fld id="{382DDC3E-10C9-4B92-B2FB-A8167FB6AB1D}" type="datetime1">
               <a:rPr lang="de-DE" smtClean="0"/>
-              <a:t>05.10.2022</a:t>
+              <a:t>01.03.2023</a:t>
             </a:fld>
             <a:endParaRPr lang="de-DE"/>
           </a:p>
@@ -10305,7 +10305,7 @@
           <a:p>
             <a:fld id="{8159FE7A-07D2-4D3F-9855-29B7F3DF1D43}" type="datetime1">
               <a:rPr lang="de-DE" smtClean="0"/>
-              <a:t>05.10.2022</a:t>
+              <a:t>01.03.2023</a:t>
             </a:fld>
             <a:endParaRPr lang="de-DE"/>
           </a:p>
@@ -10455,7 +10455,7 @@
           <a:p>
             <a:fld id="{7CF1A54B-9CB9-49D3-BA48-5A7ECDBA0943}" type="datetime1">
               <a:rPr lang="de-DE" smtClean="0"/>
-              <a:t>05.10.2022</a:t>
+              <a:t>01.03.2023</a:t>
             </a:fld>
             <a:endParaRPr lang="de-DE"/>
           </a:p>
@@ -10553,7 +10553,7 @@
           <a:p>
             <a:fld id="{5621DBFA-780B-465A-97B9-CC4792E01430}" type="datetime1">
               <a:rPr lang="de-DE" smtClean="0"/>
-              <a:t>05.10.2022</a:t>
+              <a:t>01.03.2023</a:t>
             </a:fld>
             <a:endParaRPr lang="de-DE"/>
           </a:p>
@@ -10677,7 +10677,7 @@
           <a:p>
             <a:fld id="{13ADA68E-BD65-4999-8C0B-CC0F110C2BD3}" type="datetime1">
               <a:rPr lang="de-DE" smtClean="0"/>
-              <a:t>05.10.2022</a:t>
+              <a:t>01.03.2023</a:t>
             </a:fld>
             <a:endParaRPr lang="de-DE"/>
           </a:p>
@@ -10861,7 +10861,7 @@
           <a:p>
             <a:fld id="{93B55C80-8AAA-4242-8442-4A53184707C3}" type="datetime1">
               <a:rPr lang="de-DE" smtClean="0"/>
-              <a:t>05.10.2022</a:t>
+              <a:t>01.03.2023</a:t>
             </a:fld>
             <a:endParaRPr lang="de-DE"/>
           </a:p>
@@ -11066,7 +11066,7 @@
           <a:p>
             <a:fld id="{4485BB24-7FA9-422A-BF70-F9FA49C1D9F8}" type="datetime1">
               <a:rPr lang="de-DE" smtClean="0"/>
-              <a:t>05.10.2022</a:t>
+              <a:t>01.03.2023</a:t>
             </a:fld>
             <a:endParaRPr lang="de-DE"/>
           </a:p>
@@ -11424,7 +11424,7 @@
           <a:p>
             <a:fld id="{3CD93E9C-CF59-4162-A977-F7642EDBB23A}" type="datetime1">
               <a:rPr lang="de-DE" smtClean="0"/>
-              <a:t>05.10.2022</a:t>
+              <a:t>01.03.2023</a:t>
             </a:fld>
             <a:endParaRPr lang="de-DE" dirty="0"/>
           </a:p>
@@ -12065,7 +12065,7 @@
           <a:p>
             <a:fld id="{6FE8A2CE-6D32-4716-A090-EDD7EE0B4140}" type="datetime1">
               <a:rPr lang="de-DE" smtClean="0"/>
-              <a:t>05.10.2022</a:t>
+              <a:t>01.03.2023</a:t>
             </a:fld>
             <a:endParaRPr lang="de-DE" dirty="0"/>
           </a:p>
@@ -12737,7 +12737,7 @@
           <a:p>
             <a:fld id="{603113A9-B1ED-4EC0-A094-9858FCF2D0C8}" type="datetime1">
               <a:rPr lang="de-DE" smtClean="0"/>
-              <a:t>05.10.2022</a:t>
+              <a:t>01.03.2023</a:t>
             </a:fld>
             <a:endParaRPr lang="de-DE"/>
           </a:p>
@@ -12899,7 +12899,7 @@
           <a:p>
             <a:fld id="{D4664C08-255D-43EF-A97B-FABF96999946}" type="datetime1">
               <a:rPr lang="de-DE" smtClean="0"/>
-              <a:t>05.10.2022</a:t>
+              <a:t>01.03.2023</a:t>
             </a:fld>
             <a:endParaRPr lang="de-DE"/>
           </a:p>
@@ -13206,7 +13206,7 @@
           <a:p>
             <a:fld id="{3F431DAA-9B38-40B6-A989-743F7941179E}" type="datetime1">
               <a:rPr lang="de-DE" smtClean="0"/>
-              <a:t>05.10.2022</a:t>
+              <a:t>01.03.2023</a:t>
             </a:fld>
             <a:endParaRPr lang="de-DE"/>
           </a:p>
@@ -13353,6 +13353,33 @@
               <a:t> </a:t>
             </a:r>
           </a:p>
+          <a:p>
+            <a:endParaRPr lang="de-DE" dirty="0"/>
+          </a:p>
+          <a:p>
+            <a:endParaRPr lang="de-DE" dirty="0"/>
+          </a:p>
+          <a:p>
+            <a:endParaRPr lang="de-DE" dirty="0"/>
+          </a:p>
+          <a:p>
+            <a:r>
+              <a:rPr lang="de-DE" dirty="0"/>
+              <a:t>Zip-Datei entpacken</a:t>
+            </a:r>
+          </a:p>
+          <a:p>
+            <a:r>
+              <a:rPr lang="de-DE" dirty="0">
+                <a:latin typeface="Consolas" panose="020B0609020204030204" pitchFamily="49" charset="0"/>
+              </a:rPr>
+              <a:t>de_neu.dic</a:t>
+            </a:r>
+            <a:r>
+              <a:rPr lang="de-DE" dirty="0"/>
+              <a:t> nach X:\flutter verschieben</a:t>
+            </a:r>
+          </a:p>
         </p:txBody>
       </p:sp>
       <p:sp>
@@ -13378,7 +13405,7 @@
           <a:p>
             <a:fld id="{90FC750D-92E1-43D8-A4A2-8761C4AC9C9C}" type="datetime1">
               <a:rPr lang="de-DE" smtClean="0"/>
-              <a:t>05.10.2022</a:t>
+              <a:t>01.03.2023</a:t>
             </a:fld>
             <a:endParaRPr lang="de-DE"/>
           </a:p>
@@ -13609,7 +13636,7 @@
           <a:p>
             <a:fld id="{67B86D56-690E-44D4-B025-B41069787D15}" type="datetime1">
               <a:rPr lang="de-DE" smtClean="0"/>
-              <a:t>05.10.2022</a:t>
+              <a:t>01.03.2023</a:t>
             </a:fld>
             <a:endParaRPr lang="de-DE"/>
           </a:p>
@@ -13674,10 +13701,10 @@
       </p:sp>
       <p:pic>
         <p:nvPicPr>
-          <p:cNvPr id="10" name="Grafik 9">
-            <a:extLst>
-              <a:ext uri="{FF2B5EF4-FFF2-40B4-BE49-F238E27FC236}">
-                <a16:creationId xmlns:a16="http://schemas.microsoft.com/office/drawing/2014/main" id="{C4E74ACF-7DE2-4CFE-A566-18E491AD615E}"/>
+          <p:cNvPr id="12" name="Picture 11">
+            <a:extLst>
+              <a:ext uri="{FF2B5EF4-FFF2-40B4-BE49-F238E27FC236}">
+                <a16:creationId xmlns:a16="http://schemas.microsoft.com/office/drawing/2014/main" id="{DA126E7B-1956-52E4-88C9-A89FCE71B43D}"/>
               </a:ext>
             </a:extLst>
           </p:cNvPr>
@@ -13694,8 +13721,8 @@
         </p:blipFill>
         <p:spPr>
           <a:xfrm>
-            <a:off x="1180446" y="3123383"/>
-            <a:ext cx="5884031" cy="2953975"/>
+            <a:off x="1180447" y="3121425"/>
+            <a:ext cx="4788940" cy="2953975"/>
           </a:xfrm>
           <a:prstGeom prst="rect">
             <a:avLst/>
@@ -13716,7 +13743,7 @@
         </p:nvSpPr>
         <p:spPr>
           <a:xfrm>
-            <a:off x="2608397" y="4365471"/>
+            <a:off x="2739028" y="4049788"/>
             <a:ext cx="274913" cy="249647"/>
           </a:xfrm>
           <a:prstGeom prst="rect">
@@ -13863,7 +13890,7 @@
           <a:p>
             <a:fld id="{252C698B-F0B1-44D7-8F7D-9D6299D534F0}" type="datetime1">
               <a:rPr lang="de-DE" smtClean="0"/>
-              <a:t>05.10.2022</a:t>
+              <a:t>01.03.2023</a:t>
             </a:fld>
             <a:endParaRPr lang="de-DE"/>
           </a:p>
@@ -14366,7 +14393,7 @@
           <a:p>
             <a:fld id="{A952138C-0142-4C6B-A620-863AA96BBBE1}" type="datetime1">
               <a:rPr lang="de-DE" smtClean="0"/>
-              <a:t>05.10.2022</a:t>
+              <a:t>01.03.2023</a:t>
             </a:fld>
             <a:endParaRPr lang="de-DE"/>
           </a:p>
@@ -14602,7 +14629,7 @@
           <a:p>
             <a:fld id="{7127E464-1A99-4532-A297-E1D7378D9E61}" type="datetime1">
               <a:rPr lang="de-DE" smtClean="0"/>
-              <a:t>05.10.2022</a:t>
+              <a:t>01.03.2023</a:t>
             </a:fld>
             <a:endParaRPr lang="de-DE"/>
           </a:p>
@@ -14983,7 +15010,7 @@
           <a:p>
             <a:fld id="{77B5C711-A7A8-40A0-AEA6-3F77D4628817}" type="datetime1">
               <a:rPr lang="de-DE" smtClean="0"/>
-              <a:t>05.10.2022</a:t>
+              <a:t>01.03.2023</a:t>
             </a:fld>
             <a:endParaRPr lang="de-DE"/>
           </a:p>
@@ -15362,7 +15389,7 @@
           <a:p>
             <a:fld id="{27A2010A-1149-4F23-80A2-1B4570F18F3A}" type="datetime1">
               <a:rPr lang="de-DE" smtClean="0"/>
-              <a:t>05.10.2022</a:t>
+              <a:t>01.03.2023</a:t>
             </a:fld>
             <a:endParaRPr lang="de-DE"/>
           </a:p>
@@ -15619,7 +15646,7 @@
           <a:p>
             <a:fld id="{B70EBCA3-FB0B-48D9-A2E5-56DBD5624AFE}" type="datetime1">
               <a:rPr lang="de-DE" smtClean="0"/>
-              <a:t>05.10.2022</a:t>
+              <a:t>01.03.2023</a:t>
             </a:fld>
             <a:endParaRPr lang="de-DE"/>
           </a:p>
@@ -15933,7 +15960,7 @@
           <a:p>
             <a:fld id="{AAEBEB04-CBF0-4835-872C-2565D4E2EBF1}" type="datetime1">
               <a:rPr lang="de-DE" smtClean="0"/>
-              <a:t>05.10.2022</a:t>
+              <a:t>01.03.2023</a:t>
             </a:fld>
             <a:endParaRPr lang="de-DE"/>
           </a:p>
@@ -16236,7 +16263,7 @@
           <a:p>
             <a:fld id="{92A047F3-1820-4570-AC17-C8DA167C5F14}" type="datetime1">
               <a:rPr lang="de-DE" smtClean="0"/>
-              <a:t>05.10.2022</a:t>
+              <a:t>01.03.2023</a:t>
             </a:fld>
             <a:endParaRPr lang="de-DE"/>
           </a:p>
@@ -16705,7 +16732,7 @@
           <a:p>
             <a:fld id="{8F663D0B-A90A-4472-ADF1-2D4D5E0E002A}" type="datetime1">
               <a:rPr lang="de-DE" smtClean="0"/>
-              <a:t>05.10.2022</a:t>
+              <a:t>01.03.2023</a:t>
             </a:fld>
             <a:endParaRPr lang="de-DE"/>
           </a:p>
@@ -16895,7 +16922,7 @@
           <a:p>
             <a:fld id="{59577B53-2C7E-4EC5-B9C8-6C04D3456AA1}" type="datetime1">
               <a:rPr lang="de-DE" smtClean="0"/>
-              <a:t>05.10.2022</a:t>
+              <a:t>01.03.2023</a:t>
             </a:fld>
             <a:endParaRPr lang="de-DE"/>
           </a:p>
@@ -17457,7 +17484,7 @@
           <a:p>
             <a:fld id="{C3460205-A5AE-420E-9AB9-04AA7C4205FA}" type="datetime1">
               <a:rPr lang="de-DE" smtClean="0"/>
-              <a:t>05.10.2022</a:t>
+              <a:t>01.03.2023</a:t>
             </a:fld>
             <a:endParaRPr lang="de-DE"/>
           </a:p>
@@ -17954,7 +17981,7 @@
           <a:p>
             <a:fld id="{C81998FD-B568-4E47-AA9F-CE36B3FEB5BA}" type="datetime1">
               <a:rPr lang="de-DE" smtClean="0"/>
-              <a:t>05.10.2022</a:t>
+              <a:t>01.03.2023</a:t>
             </a:fld>
             <a:endParaRPr lang="de-DE"/>
           </a:p>
@@ -18310,7 +18337,7 @@
           <a:p>
             <a:fld id="{0A4F56F1-7827-4042-A276-DAF40AC0B000}" type="datetime1">
               <a:rPr lang="de-DE" smtClean="0"/>
-              <a:t>05.10.2022</a:t>
+              <a:t>01.03.2023</a:t>
             </a:fld>
             <a:endParaRPr lang="de-DE"/>
           </a:p>
@@ -18608,7 +18635,7 @@
           <a:p>
             <a:fld id="{DAB02174-66FA-41E9-A997-DF7D3619438B}" type="datetime1">
               <a:rPr lang="de-DE" smtClean="0"/>
-              <a:t>05.10.2022</a:t>
+              <a:t>01.03.2023</a:t>
             </a:fld>
             <a:endParaRPr lang="de-DE"/>
           </a:p>
@@ -18989,7 +19016,7 @@
           <a:p>
             <a:fld id="{BDFFDF87-2C7B-4FBB-B7F3-0EB8FC88FA6F}" type="datetime1">
               <a:rPr lang="de-DE" smtClean="0"/>
-              <a:t>05.10.2022</a:t>
+              <a:t>01.03.2023</a:t>
             </a:fld>
             <a:endParaRPr lang="de-DE"/>
           </a:p>
@@ -19322,7 +19349,7 @@
           <a:p>
             <a:fld id="{4AEAFF43-79D1-488F-88E5-AECF0C52E4F6}" type="datetime1">
               <a:rPr lang="de-DE" smtClean="0"/>
-              <a:t>05.10.2022</a:t>
+              <a:t>01.03.2023</a:t>
             </a:fld>
             <a:endParaRPr lang="de-DE"/>
           </a:p>
@@ -19600,7 +19627,7 @@
           <a:p>
             <a:fld id="{F3624D99-4580-4939-A184-6854C4D65CB3}" type="datetime1">
               <a:rPr lang="de-DE" smtClean="0"/>
-              <a:t>05.10.2022</a:t>
+              <a:t>01.03.2023</a:t>
             </a:fld>
             <a:endParaRPr lang="de-DE"/>
           </a:p>
@@ -19796,7 +19823,7 @@
           <a:p>
             <a:fld id="{642CBE49-AABD-4678-8D76-A8610D6E4D30}" type="datetime1">
               <a:rPr lang="de-DE" smtClean="0"/>
-              <a:t>05.10.2022</a:t>
+              <a:t>01.03.2023</a:t>
             </a:fld>
             <a:endParaRPr lang="de-DE"/>
           </a:p>
@@ -19861,10 +19888,10 @@
       </p:sp>
       <p:pic>
         <p:nvPicPr>
-          <p:cNvPr id="11" name="Grafik 10">
-            <a:extLst>
-              <a:ext uri="{FF2B5EF4-FFF2-40B4-BE49-F238E27FC236}">
-                <a16:creationId xmlns:a16="http://schemas.microsoft.com/office/drawing/2014/main" id="{EB9227D5-8D8E-4007-9206-E9F3D1D37801}"/>
+          <p:cNvPr id="8" name="Picture 7">
+            <a:extLst>
+              <a:ext uri="{FF2B5EF4-FFF2-40B4-BE49-F238E27FC236}">
+                <a16:creationId xmlns:a16="http://schemas.microsoft.com/office/drawing/2014/main" id="{BF6CB45E-1DD9-0C1A-9CEA-2F97DC49A048}"/>
               </a:ext>
             </a:extLst>
           </p:cNvPr>
@@ -19882,7 +19909,7 @@
         <p:spPr>
           <a:xfrm>
             <a:off x="4937898" y="2122539"/>
-            <a:ext cx="6687483" cy="3705742"/>
+            <a:ext cx="6687483" cy="3523578"/>
           </a:xfrm>
           <a:prstGeom prst="rect">
             <a:avLst/>
@@ -20063,7 +20090,7 @@
           <a:p>
             <a:fld id="{2E581C20-4FEA-4BDB-99ED-7F7C03D2ECE0}" type="datetime1">
               <a:rPr lang="de-DE" smtClean="0"/>
-              <a:t>05.10.2022</a:t>
+              <a:t>01.03.2023</a:t>
             </a:fld>
             <a:endParaRPr lang="de-DE"/>
           </a:p>
@@ -20497,7 +20524,7 @@
           <a:p>
             <a:fld id="{9C5032AF-412C-4954-8799-22E9C987B64F}" type="datetime1">
               <a:rPr lang="de-DE" smtClean="0"/>
-              <a:t>05.10.2022</a:t>
+              <a:t>01.03.2023</a:t>
             </a:fld>
             <a:endParaRPr lang="de-DE"/>
           </a:p>
@@ -21075,7 +21102,7 @@
           <a:p>
             <a:fld id="{F2FEDD9D-5594-473A-899D-C0AD9514F726}" type="datetime1">
               <a:rPr lang="de-DE" smtClean="0"/>
-              <a:t>05.10.2022</a:t>
+              <a:t>01.03.2023</a:t>
             </a:fld>
             <a:endParaRPr lang="de-DE"/>
           </a:p>
@@ -21337,7 +21364,7 @@
           <a:p>
             <a:fld id="{95C3B550-B314-4EBE-B643-25AC9427FA8B}" type="datetime1">
               <a:rPr lang="de-DE" smtClean="0"/>
-              <a:t>05.10.2022</a:t>
+              <a:t>01.03.2023</a:t>
             </a:fld>
             <a:endParaRPr lang="de-DE"/>
           </a:p>
@@ -21683,7 +21710,7 @@
           <a:p>
             <a:fld id="{767B626B-00B4-4CEC-8206-7F4851B03FEF}" type="datetime1">
               <a:rPr lang="de-DE" smtClean="0"/>
-              <a:t>05.10.2022</a:t>
+              <a:t>01.03.2023</a:t>
             </a:fld>
             <a:endParaRPr lang="de-DE"/>
           </a:p>
@@ -21995,7 +22022,7 @@
           <a:p>
             <a:fld id="{102EEC64-5E38-4CDE-986C-4F454B58738A}" type="datetime1">
               <a:rPr lang="de-DE" smtClean="0"/>
-              <a:t>05.10.2022</a:t>
+              <a:t>01.03.2023</a:t>
             </a:fld>
             <a:endParaRPr lang="de-DE"/>
           </a:p>
@@ -22228,7 +22255,7 @@
           <a:p>
             <a:fld id="{8B9E1184-3E8E-4927-B70E-FCD133F545CF}" type="datetime1">
               <a:rPr lang="de-DE" smtClean="0"/>
-              <a:t>05.10.2022</a:t>
+              <a:t>01.03.2023</a:t>
             </a:fld>
             <a:endParaRPr lang="de-DE"/>
           </a:p>
@@ -22656,7 +22683,7 @@
           <a:p>
             <a:fld id="{372285A9-CAD1-4F8C-A320-59D4C92876C5}" type="datetime1">
               <a:rPr lang="de-DE" smtClean="0"/>
-              <a:t>05.10.2022</a:t>
+              <a:t>01.03.2023</a:t>
             </a:fld>
             <a:endParaRPr lang="de-DE"/>
           </a:p>
@@ -22869,7 +22896,7 @@
           <a:p>
             <a:fld id="{2F8DC1E6-2D30-4DE7-9C9D-5217FE18022E}" type="datetime1">
               <a:rPr lang="de-DE" smtClean="0"/>
-              <a:t>05.10.2022</a:t>
+              <a:t>01.03.2023</a:t>
             </a:fld>
             <a:endParaRPr lang="de-DE"/>
           </a:p>
@@ -23013,7 +23040,7 @@
           <a:p>
             <a:fld id="{893F816E-7DC2-4064-87AA-D097DF435DB9}" type="datetime1">
               <a:rPr lang="de-DE" smtClean="0"/>
-              <a:t>05.10.2022</a:t>
+              <a:t>01.03.2023</a:t>
             </a:fld>
             <a:endParaRPr lang="de-DE"/>
           </a:p>
@@ -23250,7 +23277,7 @@
           <a:p>
             <a:fld id="{637BE197-E414-48F3-B656-784E07538695}" type="datetime1">
               <a:rPr lang="de-DE" smtClean="0"/>
-              <a:t>05.10.2022</a:t>
+              <a:t>01.03.2023</a:t>
             </a:fld>
             <a:endParaRPr lang="de-DE"/>
           </a:p>
@@ -23546,7 +23573,7 @@
           <a:p>
             <a:fld id="{AC9925A1-4637-41D7-AEAC-8AA9FDFB7140}" type="datetime1">
               <a:rPr lang="de-DE" smtClean="0"/>
-              <a:t>05.10.2022</a:t>
+              <a:t>01.03.2023</a:t>
             </a:fld>
             <a:endParaRPr lang="de-DE"/>
           </a:p>
@@ -24129,7 +24156,7 @@
           <a:p>
             <a:fld id="{BC048919-3C08-48F6-A0CD-915EC777362A}" type="datetime1">
               <a:rPr lang="de-DE" smtClean="0"/>
-              <a:t>05.10.2022</a:t>
+              <a:t>01.03.2023</a:t>
             </a:fld>
             <a:endParaRPr lang="de-DE"/>
           </a:p>
@@ -24382,7 +24409,7 @@
           <a:p>
             <a:fld id="{94C91350-6869-4C72-8675-ECEAAAF05F8D}" type="datetime1">
               <a:rPr lang="de-DE" smtClean="0"/>
-              <a:t>05.10.2022</a:t>
+              <a:t>01.03.2023</a:t>
             </a:fld>
             <a:endParaRPr lang="de-DE"/>
           </a:p>
@@ -24724,7 +24751,7 @@
           <a:p>
             <a:fld id="{ACA1733B-6687-4EEA-9A6B-2EF228C82457}" type="datetime1">
               <a:rPr lang="de-DE" smtClean="0"/>
-              <a:t>05.10.2022</a:t>
+              <a:t>01.03.2023</a:t>
             </a:fld>
             <a:endParaRPr lang="de-DE"/>
           </a:p>
@@ -25057,7 +25084,7 @@
           <a:p>
             <a:fld id="{2BBD85E3-27A5-4125-9DB2-C537C85BBE8A}" type="datetime1">
               <a:rPr lang="de-DE" smtClean="0"/>
-              <a:t>05.10.2022</a:t>
+              <a:t>01.03.2023</a:t>
             </a:fld>
             <a:endParaRPr lang="de-DE"/>
           </a:p>
@@ -25232,7 +25259,7 @@
           <a:p>
             <a:fld id="{115AC75E-72B2-486D-BEF5-A13F9B218F2F}" type="datetime1">
               <a:rPr lang="de-DE" smtClean="0"/>
-              <a:t>05.10.2022</a:t>
+              <a:t>01.03.2023</a:t>
             </a:fld>
             <a:endParaRPr lang="de-DE"/>
           </a:p>
@@ -25632,7 +25659,7 @@
           <a:p>
             <a:fld id="{B8ECF4B1-F230-4767-9D40-08A350DFB7D7}" type="datetime1">
               <a:rPr lang="de-DE" smtClean="0"/>
-              <a:t>05.10.2022</a:t>
+              <a:t>01.03.2023</a:t>
             </a:fld>
             <a:endParaRPr lang="de-DE"/>
           </a:p>
@@ -25968,7 +25995,7 @@
           <a:p>
             <a:fld id="{DFEB386C-A89C-4E71-8C7A-EB57A1CCB74F}" type="datetime1">
               <a:rPr lang="de-DE" smtClean="0"/>
-              <a:t>05.10.2022</a:t>
+              <a:t>01.03.2023</a:t>
             </a:fld>
             <a:endParaRPr lang="de-DE"/>
           </a:p>
@@ -26313,7 +26340,7 @@
           <a:p>
             <a:fld id="{E3A6C6BD-3868-452A-A2BD-92328FD8B4E8}" type="datetime1">
               <a:rPr lang="de-DE" smtClean="0"/>
-              <a:t>05.10.2022</a:t>
+              <a:t>01.03.2023</a:t>
             </a:fld>
             <a:endParaRPr lang="de-DE"/>
           </a:p>
@@ -26532,7 +26559,7 @@
           <a:p>
             <a:fld id="{B60FD287-29C3-4567-A3C8-1214880B52D5}" type="datetime1">
               <a:rPr lang="de-DE" smtClean="0"/>
-              <a:t>05.10.2022</a:t>
+              <a:t>01.03.2023</a:t>
             </a:fld>
             <a:endParaRPr lang="de-DE"/>
           </a:p>
@@ -26927,7 +26954,7 @@
           <a:p>
             <a:fld id="{172E1AE1-643D-418C-ACE4-F2637FAE5286}" type="datetime1">
               <a:rPr lang="de-DE" smtClean="0"/>
-              <a:t>05.10.2022</a:t>
+              <a:t>01.03.2023</a:t>
             </a:fld>
             <a:endParaRPr lang="de-DE"/>
           </a:p>
@@ -27240,7 +27267,7 @@
           <a:p>
             <a:fld id="{C74E5831-6EC7-46CD-950B-539BB31CC002}" type="datetime1">
               <a:rPr lang="de-DE" smtClean="0"/>
-              <a:t>05.10.2022</a:t>
+              <a:t>01.03.2023</a:t>
             </a:fld>
             <a:endParaRPr lang="de-DE"/>
           </a:p>
@@ -27869,7 +27896,7 @@
           <a:p>
             <a:fld id="{0C2E1D0D-BBB0-4269-8DC7-C28B8DA8D26F}" type="datetime1">
               <a:rPr lang="de-DE" smtClean="0"/>
-              <a:t>05.10.2022</a:t>
+              <a:t>01.03.2023</a:t>
             </a:fld>
             <a:endParaRPr lang="de-DE"/>
           </a:p>
@@ -28177,7 +28204,7 @@
           <a:p>
             <a:fld id="{509B9FD4-6125-48DF-AAFB-8A90591F704C}" type="datetime1">
               <a:rPr lang="de-DE" smtClean="0"/>
-              <a:t>05.10.2022</a:t>
+              <a:t>01.03.2023</a:t>
             </a:fld>
             <a:endParaRPr lang="de-DE"/>
           </a:p>
@@ -28453,7 +28480,7 @@
           <a:p>
             <a:fld id="{5E005D36-C238-4437-9368-75EE1209248D}" type="datetime1">
               <a:rPr lang="de-DE" smtClean="0"/>
-              <a:t>05.10.2022</a:t>
+              <a:t>01.03.2023</a:t>
             </a:fld>
             <a:endParaRPr lang="de-DE"/>
           </a:p>
@@ -28633,7 +28660,7 @@
           <a:p>
             <a:fld id="{21A4D148-919D-4643-B21F-50F1B7EF8BA2}" type="datetime1">
               <a:rPr lang="de-DE" smtClean="0"/>
-              <a:t>05.10.2022</a:t>
+              <a:t>01.03.2023</a:t>
             </a:fld>
             <a:endParaRPr lang="de-DE"/>
           </a:p>
@@ -29038,7 +29065,7 @@
           <a:p>
             <a:fld id="{A3D84A41-9102-4FAF-BB9B-7AD126A78344}" type="datetime1">
               <a:rPr lang="de-DE" smtClean="0"/>
-              <a:t>05.10.2022</a:t>
+              <a:t>01.03.2023</a:t>
             </a:fld>
             <a:endParaRPr lang="de-DE"/>
           </a:p>
@@ -29648,7 +29675,7 @@
           <a:p>
             <a:fld id="{81CA66B2-419B-4A00-B550-DA1493185108}" type="datetime1">
               <a:rPr lang="de-DE" smtClean="0"/>
-              <a:t>05.10.2022</a:t>
+              <a:t>01.03.2023</a:t>
             </a:fld>
             <a:endParaRPr lang="de-DE"/>
           </a:p>
@@ -30477,7 +30504,7 @@
           <a:p>
             <a:fld id="{374AF400-B2B3-4498-869C-65158B84F62E}" type="datetime1">
               <a:rPr lang="de-DE" smtClean="0"/>
-              <a:t>05.10.2022</a:t>
+              <a:t>01.03.2023</a:t>
             </a:fld>
             <a:endParaRPr lang="de-DE"/>
           </a:p>
@@ -30687,7 +30714,7 @@
           <a:p>
             <a:fld id="{EECFBCB7-6E51-47D1-88C0-70C111ACD504}" type="datetime1">
               <a:rPr lang="de-DE" smtClean="0"/>
-              <a:t>05.10.2022</a:t>
+              <a:t>01.03.2023</a:t>
             </a:fld>
             <a:endParaRPr lang="de-DE"/>
           </a:p>
@@ -31125,7 +31152,7 @@
           <a:p>
             <a:fld id="{284F0D45-833B-4CA2-95DA-AFDB6EDAE49B}" type="datetime1">
               <a:rPr lang="de-DE" smtClean="0"/>
-              <a:t>05.10.2022</a:t>
+              <a:t>01.03.2023</a:t>
             </a:fld>
             <a:endParaRPr lang="de-DE"/>
           </a:p>
@@ -31425,7 +31452,7 @@
           <a:p>
             <a:fld id="{F8D4647A-5A37-41ED-945E-4016D17F713F}" type="datetime1">
               <a:rPr lang="de-DE" smtClean="0"/>
-              <a:t>05.10.2022</a:t>
+              <a:t>01.03.2023</a:t>
             </a:fld>
             <a:endParaRPr lang="de-DE"/>
           </a:p>
@@ -31667,7 +31694,7 @@
           <a:p>
             <a:fld id="{040A1E27-A9C0-4EC9-BE62-C00CB62B7D24}" type="datetime1">
               <a:rPr lang="de-DE" smtClean="0"/>
-              <a:t>05.10.2022</a:t>
+              <a:t>01.03.2023</a:t>
             </a:fld>
             <a:endParaRPr lang="de-DE"/>
           </a:p>
@@ -31878,7 +31905,7 @@
           <a:p>
             <a:fld id="{8159FE7A-07D2-4D3F-9855-29B7F3DF1D43}" type="datetime1">
               <a:rPr lang="de-DE" smtClean="0"/>
-              <a:t>05.10.2022</a:t>
+              <a:t>01.03.2023</a:t>
             </a:fld>
             <a:endParaRPr lang="de-DE"/>
           </a:p>
@@ -32844,7 +32871,7 @@
           <a:p>
             <a:fld id="{8159FE7A-07D2-4D3F-9855-29B7F3DF1D43}" type="datetime1">
               <a:rPr lang="de-DE" smtClean="0"/>
-              <a:t>05.10.2022</a:t>
+              <a:t>01.03.2023</a:t>
             </a:fld>
             <a:endParaRPr lang="de-DE"/>
           </a:p>
@@ -33623,7 +33650,7 @@
           <a:p>
             <a:fld id="{8159FE7A-07D2-4D3F-9855-29B7F3DF1D43}" type="datetime1">
               <a:rPr lang="de-DE" smtClean="0"/>
-              <a:t>05.10.2022</a:t>
+              <a:t>01.03.2023</a:t>
             </a:fld>
             <a:endParaRPr lang="de-DE"/>
           </a:p>
@@ -34373,7 +34400,7 @@
           <a:p>
             <a:fld id="{8159FE7A-07D2-4D3F-9855-29B7F3DF1D43}" type="datetime1">
               <a:rPr lang="de-DE" smtClean="0"/>
-              <a:t>05.10.2022</a:t>
+              <a:t>01.03.2023</a:t>
             </a:fld>
             <a:endParaRPr lang="de-DE"/>
           </a:p>
@@ -34634,7 +34661,7 @@
           <a:p>
             <a:fld id="{BC1A8AC8-5070-4C02-8E82-DE4FD3F8497A}" type="datetime1">
               <a:rPr lang="de-DE" smtClean="0"/>
-              <a:t>05.10.2022</a:t>
+              <a:t>01.03.2023</a:t>
             </a:fld>
             <a:endParaRPr lang="de-DE"/>
           </a:p>
@@ -34947,7 +34974,7 @@
           <a:p>
             <a:fld id="{AF1CB7BF-E60D-47C9-99CD-43B03711F834}" type="datetime1">
               <a:rPr lang="de-DE" smtClean="0"/>
-              <a:t>05.10.2022</a:t>
+              <a:t>01.03.2023</a:t>
             </a:fld>
             <a:endParaRPr lang="de-DE"/>
           </a:p>
@@ -35156,7 +35183,7 @@
           <a:p>
             <a:fld id="{B9053FEB-F038-4EB7-B9DC-77977117EA33}" type="datetime1">
               <a:rPr lang="de-DE" smtClean="0"/>
-              <a:t>05.10.2022</a:t>
+              <a:t>01.03.2023</a:t>
             </a:fld>
             <a:endParaRPr lang="de-DE"/>
           </a:p>
@@ -35716,7 +35743,7 @@
           <a:p>
             <a:fld id="{0B399FA5-2F01-416C-865E-705C1E0C03C8}" type="datetime1">
               <a:rPr lang="de-DE" smtClean="0"/>
-              <a:t>05.10.2022</a:t>
+              <a:t>01.03.2023</a:t>
             </a:fld>
             <a:endParaRPr lang="de-DE"/>
           </a:p>
@@ -36199,7 +36226,7 @@
           <a:p>
             <a:fld id="{D7CFAA5B-8ED2-4D87-B5CD-876772B506EB}" type="datetime1">
               <a:rPr lang="de-DE" smtClean="0"/>
-              <a:t>05.10.2022</a:t>
+              <a:t>01.03.2023</a:t>
             </a:fld>
             <a:endParaRPr lang="de-DE"/>
           </a:p>
@@ -36673,7 +36700,7 @@
           <a:p>
             <a:fld id="{706CFF74-9D82-4823-AFE2-CBE8D2D808FC}" type="datetime1">
               <a:rPr lang="de-DE" smtClean="0"/>
-              <a:t>05.10.2022</a:t>
+              <a:t>01.03.2023</a:t>
             </a:fld>
             <a:endParaRPr lang="de-DE"/>
           </a:p>
@@ -36944,7 +36971,7 @@
           <a:p>
             <a:fld id="{5C03BAA7-20D5-4E1B-8CB5-A2ED8F9EFD7F}" type="datetime1">
               <a:rPr lang="de-DE" smtClean="0"/>
-              <a:t>05.10.2022</a:t>
+              <a:t>01.03.2023</a:t>
             </a:fld>
             <a:endParaRPr lang="de-DE"/>
           </a:p>
@@ -37143,7 +37170,7 @@
           <a:p>
             <a:fld id="{DF7C2B1F-6E2C-496E-BFF9-7CD4B274FE9C}" type="datetime1">
               <a:rPr lang="de-DE" smtClean="0"/>
-              <a:t>05.10.2022</a:t>
+              <a:t>01.03.2023</a:t>
             </a:fld>
             <a:endParaRPr lang="de-DE"/>
           </a:p>
@@ -37383,7 +37410,7 @@
           <a:p>
             <a:fld id="{8159FE7A-07D2-4D3F-9855-29B7F3DF1D43}" type="datetime1">
               <a:rPr lang="de-DE" smtClean="0"/>
-              <a:t>05.10.2022</a:t>
+              <a:t>01.03.2023</a:t>
             </a:fld>
             <a:endParaRPr lang="de-DE"/>
           </a:p>
@@ -37877,7 +37904,7 @@
           <a:p>
             <a:fld id="{8159FE7A-07D2-4D3F-9855-29B7F3DF1D43}" type="datetime1">
               <a:rPr lang="de-DE" smtClean="0"/>
-              <a:t>05.10.2022</a:t>
+              <a:t>01.03.2023</a:t>
             </a:fld>
             <a:endParaRPr lang="de-DE"/>
           </a:p>
@@ -38268,7 +38295,7 @@
           <a:p>
             <a:fld id="{8159FE7A-07D2-4D3F-9855-29B7F3DF1D43}" type="datetime1">
               <a:rPr lang="de-DE" smtClean="0"/>
-              <a:t>05.10.2022</a:t>
+              <a:t>01.03.2023</a:t>
             </a:fld>
             <a:endParaRPr lang="de-DE"/>
           </a:p>
@@ -38686,7 +38713,7 @@
           <a:p>
             <a:fld id="{8159FE7A-07D2-4D3F-9855-29B7F3DF1D43}" type="datetime1">
               <a:rPr lang="de-DE" smtClean="0"/>
-              <a:t>05.10.2022</a:t>
+              <a:t>01.03.2023</a:t>
             </a:fld>
             <a:endParaRPr lang="de-DE"/>
           </a:p>
@@ -39645,7 +39672,7 @@
           <a:p>
             <a:fld id="{8159FE7A-07D2-4D3F-9855-29B7F3DF1D43}" type="datetime1">
               <a:rPr lang="de-DE" smtClean="0"/>
-              <a:t>05.10.2022</a:t>
+              <a:t>01.03.2023</a:t>
             </a:fld>
             <a:endParaRPr lang="de-DE"/>
           </a:p>
@@ -39959,7 +39986,7 @@
           <a:p>
             <a:fld id="{8159FE7A-07D2-4D3F-9855-29B7F3DF1D43}" type="datetime1">
               <a:rPr lang="de-DE" smtClean="0"/>
-              <a:t>05.10.2022</a:t>
+              <a:t>01.03.2023</a:t>
             </a:fld>
             <a:endParaRPr lang="de-DE"/>
           </a:p>
@@ -40278,7 +40305,7 @@
           <a:p>
             <a:fld id="{B1DC90A9-3629-4532-90FF-C4E33F6085C7}" type="datetime1">
               <a:rPr lang="de-DE" smtClean="0"/>
-              <a:t>05.10.2022</a:t>
+              <a:t>01.03.2023</a:t>
             </a:fld>
             <a:endParaRPr lang="de-DE"/>
           </a:p>
@@ -40878,7 +40905,7 @@
           <a:p>
             <a:fld id="{23613DF9-A7E5-45FC-950B-BCC0B949EAE8}" type="datetime1">
               <a:rPr lang="de-DE" smtClean="0"/>
-              <a:t>05.10.2022</a:t>
+              <a:t>01.03.2023</a:t>
             </a:fld>
             <a:endParaRPr lang="de-DE"/>
           </a:p>
@@ -41061,7 +41088,7 @@
           <a:p>
             <a:fld id="{52EDD6C4-E3A8-4042-BB5D-CDA1A571A185}" type="datetime1">
               <a:rPr lang="de-DE" smtClean="0"/>
-              <a:t>05.10.2022</a:t>
+              <a:t>01.03.2023</a:t>
             </a:fld>
             <a:endParaRPr lang="de-DE"/>
           </a:p>
@@ -41602,7 +41629,7 @@
           <a:p>
             <a:fld id="{DDF7F67B-F411-40A4-BFC4-67CF6BB150A8}" type="datetime1">
               <a:rPr lang="de-DE" smtClean="0"/>
-              <a:t>05.10.2022</a:t>
+              <a:t>01.03.2023</a:t>
             </a:fld>
             <a:endParaRPr lang="de-DE"/>
           </a:p>
@@ -41946,7 +41973,7 @@
           <a:p>
             <a:fld id="{0A4B30BD-3EA6-4E11-8FCF-965C309E549A}" type="datetime1">
               <a:rPr lang="de-DE" smtClean="0"/>
-              <a:t>05.10.2022</a:t>
+              <a:t>01.03.2023</a:t>
             </a:fld>
             <a:endParaRPr lang="de-DE"/>
           </a:p>
@@ -42151,7 +42178,7 @@
           <a:p>
             <a:fld id="{DC040C72-25B9-466A-8F50-EBEC34934428}" type="datetime1">
               <a:rPr lang="de-DE" smtClean="0"/>
-              <a:t>05.10.2022</a:t>
+              <a:t>01.03.2023</a:t>
             </a:fld>
             <a:endParaRPr lang="de-DE"/>
           </a:p>
@@ -42632,7 +42659,7 @@
           <a:p>
             <a:fld id="{D285A436-1444-4657-AC1F-E488FE3B222B}" type="datetime1">
               <a:rPr lang="de-DE" smtClean="0"/>
-              <a:t>05.10.2022</a:t>
+              <a:t>01.03.2023</a:t>
             </a:fld>
             <a:endParaRPr lang="de-DE"/>
           </a:p>
@@ -42931,7 +42958,7 @@
           <a:p>
             <a:fld id="{93D272A3-5ACD-4745-88C6-1454260DA419}" type="datetime1">
               <a:rPr lang="de-DE" smtClean="0"/>
-              <a:t>05.10.2022</a:t>
+              <a:t>01.03.2023</a:t>
             </a:fld>
             <a:endParaRPr lang="de-DE"/>
           </a:p>
@@ -44080,7 +44107,7 @@
           <a:p>
             <a:fld id="{40518CB0-8C60-4E9D-9D73-72C22CA560A6}" type="datetime1">
               <a:rPr lang="de-DE" smtClean="0"/>
-              <a:t>05.10.2022</a:t>
+              <a:t>01.03.2023</a:t>
             </a:fld>
             <a:endParaRPr lang="de-DE"/>
           </a:p>
@@ -44403,7 +44430,7 @@
           <a:p>
             <a:fld id="{CC68D73E-E1AC-4A78-BFE5-D11401939CB4}" type="datetime1">
               <a:rPr lang="de-DE" smtClean="0"/>
-              <a:t>05.10.2022</a:t>
+              <a:t>01.03.2023</a:t>
             </a:fld>
             <a:endParaRPr lang="de-DE"/>
           </a:p>
@@ -45485,7 +45512,7 @@
           <a:p>
             <a:fld id="{6F2D9553-3793-4073-884D-343164046EA8}" type="datetime1">
               <a:rPr lang="de-DE" smtClean="0"/>
-              <a:t>05.10.2022</a:t>
+              <a:t>01.03.2023</a:t>
             </a:fld>
             <a:endParaRPr lang="de-DE"/>
           </a:p>
@@ -45960,7 +45987,7 @@
           <a:p>
             <a:fld id="{B5791953-A376-4A7E-8677-AAB812D71689}" type="datetime1">
               <a:rPr lang="de-DE" smtClean="0"/>
-              <a:t>05.10.2022</a:t>
+              <a:t>01.03.2023</a:t>
             </a:fld>
             <a:endParaRPr lang="de-DE"/>
           </a:p>
@@ -46167,7 +46194,7 @@
           <a:p>
             <a:fld id="{5B795128-38A1-4494-B687-FA4BAF969426}" type="datetime1">
               <a:rPr lang="de-DE" smtClean="0"/>
-              <a:t>05.10.2022</a:t>
+              <a:t>01.03.2023</a:t>
             </a:fld>
             <a:endParaRPr lang="de-DE"/>
           </a:p>
@@ -46361,7 +46388,7 @@
           <a:p>
             <a:fld id="{5F4637E3-489C-402C-9745-FC1C6A002798}" type="datetime1">
               <a:rPr lang="de-DE" smtClean="0"/>
-              <a:t>05.10.2022</a:t>
+              <a:t>01.03.2023</a:t>
             </a:fld>
             <a:endParaRPr lang="de-DE"/>
           </a:p>
@@ -46600,7 +46627,7 @@
           <a:p>
             <a:fld id="{96C0D114-F0DB-443F-9337-40D84E177FDC}" type="datetime1">
               <a:rPr lang="de-DE" smtClean="0"/>
-              <a:t>05.10.2022</a:t>
+              <a:t>01.03.2023</a:t>
             </a:fld>
             <a:endParaRPr lang="de-DE"/>
           </a:p>
@@ -46798,7 +46825,7 @@
           <a:p>
             <a:fld id="{DC9D7DCD-D634-4B62-9FA2-4E9A76968B39}" type="datetime1">
               <a:rPr lang="de-DE" smtClean="0"/>
-              <a:t>05.10.2022</a:t>
+              <a:t>01.03.2023</a:t>
             </a:fld>
             <a:endParaRPr lang="de-DE"/>
           </a:p>
@@ -47303,7 +47330,7 @@
           <a:p>
             <a:fld id="{3665ADD3-A45B-4AFB-ADB5-8849ACC19EEF}" type="datetime1">
               <a:rPr lang="de-DE" smtClean="0"/>
-              <a:t>05.10.2022</a:t>
+              <a:t>01.03.2023</a:t>
             </a:fld>
             <a:endParaRPr lang="de-DE"/>
           </a:p>
@@ -47651,7 +47678,7 @@
           <a:p>
             <a:fld id="{DD8B8171-21DA-4907-A9C5-6774B32408EF}" type="datetime1">
               <a:rPr lang="de-DE" smtClean="0"/>
-              <a:t>05.10.2022</a:t>
+              <a:t>01.03.2023</a:t>
             </a:fld>
             <a:endParaRPr lang="de-DE"/>
           </a:p>
@@ -48144,7 +48171,7 @@
           <a:p>
             <a:fld id="{1B9B7D4F-084D-4938-987D-2F1AC790542C}" type="datetime1">
               <a:rPr lang="de-DE" smtClean="0"/>
-              <a:t>05.10.2022</a:t>
+              <a:t>01.03.2023</a:t>
             </a:fld>
             <a:endParaRPr lang="de-DE"/>
           </a:p>
@@ -48525,7 +48552,7 @@
           <a:p>
             <a:fld id="{9B861850-1CC1-4EA2-B13E-5F4984DD6765}" type="datetime1">
               <a:rPr lang="de-DE" smtClean="0"/>
-              <a:t>05.10.2022</a:t>
+              <a:t>01.03.2023</a:t>
             </a:fld>
             <a:endParaRPr lang="de-DE"/>
           </a:p>
@@ -48751,7 +48778,7 @@
           <a:p>
             <a:fld id="{889CA5D6-219F-4100-8B22-6093808BA88C}" type="datetime1">
               <a:rPr lang="de-DE" smtClean="0"/>
-              <a:t>05.10.2022</a:t>
+              <a:t>01.03.2023</a:t>
             </a:fld>
             <a:endParaRPr lang="de-DE"/>
           </a:p>
@@ -48947,7 +48974,7 @@
           <a:p>
             <a:fld id="{E3EA1E44-3556-4DD6-B627-361E1D69BC25}" type="datetime1">
               <a:rPr lang="de-DE" smtClean="0"/>
-              <a:t>05.10.2022</a:t>
+              <a:t>01.03.2023</a:t>
             </a:fld>
             <a:endParaRPr lang="de-DE"/>
           </a:p>
@@ -49110,7 +49137,7 @@
           <a:p>
             <a:fld id="{1540C555-F8A4-4422-9B93-FA0C3929592C}" type="datetime1">
               <a:rPr lang="de-DE" smtClean="0"/>
-              <a:t>05.10.2022</a:t>
+              <a:t>01.03.2023</a:t>
             </a:fld>
             <a:endParaRPr lang="de-DE"/>
           </a:p>
@@ -49946,7 +49973,7 @@
           <a:p>
             <a:fld id="{5B67CC1C-91AE-4741-BE88-3E8933D29597}" type="datetime1">
               <a:rPr lang="de-DE" smtClean="0"/>
-              <a:t>05.10.2022</a:t>
+              <a:t>01.03.2023</a:t>
             </a:fld>
             <a:endParaRPr lang="de-DE"/>
           </a:p>
@@ -50579,7 +50606,7 @@
           <a:p>
             <a:fld id="{3466B08E-FC5F-4F44-9AE8-540AFED46B32}" type="datetime1">
               <a:rPr lang="de-DE" smtClean="0"/>
-              <a:t>05.10.2022</a:t>
+              <a:t>01.03.2023</a:t>
             </a:fld>
             <a:endParaRPr lang="de-DE"/>
           </a:p>

--- a/Dart.pptx
+++ b/Dart.pptx
@@ -530,7 +530,7 @@
                   <a:schemeClr val="tx2"/>
                 </a:solidFill>
               </a:rPr>
-              <a:t>01.03.2023</a:t>
+              <a:t>15.03.2023</a:t>
             </a:fld>
             <a:endParaRPr lang="de-DE">
               <a:solidFill>
@@ -880,7 +880,7 @@
             <a:fld id="{B4113CCE-1A1A-46DB-884A-AE560F65C3AF}" type="datetimeFigureOut">
               <a:rPr lang="de-DE" smtClean="0"/>
               <a:pPr/>
-              <a:t>01.03.2023</a:t>
+              <a:t>15.03.2023</a:t>
             </a:fld>
             <a:endParaRPr lang="de-DE"/>
           </a:p>
@@ -3623,7 +3623,7 @@
       </p:grpSpPr>
       <p:sp>
         <p:nvSpPr>
-          <p:cNvPr id="2" name="Folienbildplatzhalter 1"/>
+          <p:cNvPr id="2" name="Slide Image Placeholder 1"/>
           <p:cNvSpPr>
             <a:spLocks noGrp="1" noRot="1" noChangeAspect="1"/>
           </p:cNvSpPr>
@@ -3640,7 +3640,7 @@
       </p:sp>
       <p:sp>
         <p:nvSpPr>
-          <p:cNvPr id="3" name="Notizenplatzhalter 2"/>
+          <p:cNvPr id="3" name="Notes Placeholder 2"/>
           <p:cNvSpPr>
             <a:spLocks noGrp="1"/>
           </p:cNvSpPr>
@@ -3654,21 +3654,15 @@
           <a:lstStyle/>
           <a:p>
             <a:r>
-              <a:rPr lang="de-DE" dirty="0"/>
-              <a:t>Welche Lösung gefällt Euch besser?</a:t>
-            </a:r>
-          </a:p>
-          <a:p>
-            <a:r>
-              <a:rPr lang="de-DE" dirty="0"/>
-              <a:t>Warum?</a:t>
-            </a:r>
-          </a:p>
-        </p:txBody>
-      </p:sp>
-      <p:sp>
-        <p:nvSpPr>
-          <p:cNvPr id="4" name="Foliennummernplatzhalter 3"/>
+              <a:rPr lang="de-DE"/>
+              <a:t>Lösung: 252</a:t>
+            </a:r>
+          </a:p>
+        </p:txBody>
+      </p:sp>
+      <p:sp>
+        <p:nvSpPr>
+          <p:cNvPr id="4" name="Slide Number Placeholder 3"/>
           <p:cNvSpPr>
             <a:spLocks noGrp="1"/>
           </p:cNvSpPr>
@@ -3684,7 +3678,7 @@
             <a:fld id="{927DBD90-B360-417B-B4B3-F05A4AFC1996}" type="slidenum">
               <a:rPr lang="de-DE" smtClean="0"/>
               <a:pPr/>
-              <a:t>38</a:t>
+              <a:t>37</a:t>
             </a:fld>
             <a:endParaRPr lang="de-DE"/>
           </a:p>
@@ -3693,7 +3687,7 @@
     </p:spTree>
     <p:extLst>
       <p:ext uri="{BB962C8B-B14F-4D97-AF65-F5344CB8AC3E}">
-        <p14:creationId xmlns:p14="http://schemas.microsoft.com/office/powerpoint/2010/main" val="166577975"/>
+        <p14:creationId xmlns:p14="http://schemas.microsoft.com/office/powerpoint/2010/main" val="3483794097"/>
       </p:ext>
     </p:extLst>
   </p:cSld>
@@ -3754,53 +3748,13 @@
           <a:p>
             <a:r>
               <a:rPr lang="de-DE" dirty="0"/>
-              <a:t>Datum ist die Einzahl von Daten.</a:t>
-            </a:r>
-          </a:p>
-          <a:p>
-            <a:pPr marL="0" marR="0" lvl="0" indent="0" algn="l" defTabSz="914400" rtl="0" eaLnBrk="1" fontAlgn="auto" latinLnBrk="0" hangingPunct="1">
-              <a:lnSpc>
-                <a:spcPct val="100000"/>
-              </a:lnSpc>
-              <a:spcBef>
-                <a:spcPts val="0"/>
-              </a:spcBef>
-              <a:spcAft>
-                <a:spcPts val="0"/>
-              </a:spcAft>
-              <a:buClrTx/>
-              <a:buSzTx/>
-              <a:buFontTx/>
-              <a:buNone/>
-              <a:tabLst/>
-              <a:defRPr/>
-            </a:pPr>
-            <a:r>
-              <a:rPr lang="de-DE" dirty="0"/>
-              <a:t>Quizfrage: Um was für Zahlen handelt es sich hier?</a:t>
-            </a:r>
-          </a:p>
-          <a:p>
-            <a:pPr marL="0" marR="0" lvl="0" indent="0" algn="l" defTabSz="914400" rtl="0" eaLnBrk="1" fontAlgn="auto" latinLnBrk="0" hangingPunct="1">
-              <a:lnSpc>
-                <a:spcPct val="100000"/>
-              </a:lnSpc>
-              <a:spcBef>
-                <a:spcPts val="0"/>
-              </a:spcBef>
-              <a:spcAft>
-                <a:spcPts val="0"/>
-              </a:spcAft>
-              <a:buClrTx/>
-              <a:buSzTx/>
-              <a:buFontTx/>
-              <a:buNone/>
-              <a:tabLst/>
-              <a:defRPr/>
-            </a:pPr>
-            <a:r>
-              <a:rPr lang="de-DE" dirty="0"/>
-              <a:t>Das sind die ersten Primzahlen.</a:t>
+              <a:t>Welche Lösung gefällt Euch besser?</a:t>
+            </a:r>
+          </a:p>
+          <a:p>
+            <a:r>
+              <a:rPr lang="de-DE" dirty="0"/>
+              <a:t>Warum?</a:t>
             </a:r>
           </a:p>
         </p:txBody>
@@ -3823,7 +3777,7 @@
             <a:fld id="{927DBD90-B360-417B-B4B3-F05A4AFC1996}" type="slidenum">
               <a:rPr lang="de-DE" smtClean="0"/>
               <a:pPr/>
-              <a:t>39</a:t>
+              <a:t>38</a:t>
             </a:fld>
             <a:endParaRPr lang="de-DE"/>
           </a:p>
@@ -3832,7 +3786,7 @@
     </p:spTree>
     <p:extLst>
       <p:ext uri="{BB962C8B-B14F-4D97-AF65-F5344CB8AC3E}">
-        <p14:creationId xmlns:p14="http://schemas.microsoft.com/office/powerpoint/2010/main" val="1156331582"/>
+        <p14:creationId xmlns:p14="http://schemas.microsoft.com/office/powerpoint/2010/main" val="166577975"/>
       </p:ext>
     </p:extLst>
   </p:cSld>
@@ -4003,7 +3957,56 @@
           <a:bodyPr/>
           <a:lstStyle/>
           <a:p>
-            <a:endParaRPr lang="de-DE" dirty="0"/>
+            <a:r>
+              <a:rPr lang="de-DE" dirty="0"/>
+              <a:t>Datum ist die Einzahl von Daten.</a:t>
+            </a:r>
+          </a:p>
+          <a:p>
+            <a:pPr marL="0" marR="0" lvl="0" indent="0" algn="l" defTabSz="914400" rtl="0" eaLnBrk="1" fontAlgn="auto" latinLnBrk="0" hangingPunct="1">
+              <a:lnSpc>
+                <a:spcPct val="100000"/>
+              </a:lnSpc>
+              <a:spcBef>
+                <a:spcPts val="0"/>
+              </a:spcBef>
+              <a:spcAft>
+                <a:spcPts val="0"/>
+              </a:spcAft>
+              <a:buClrTx/>
+              <a:buSzTx/>
+              <a:buFontTx/>
+              <a:buNone/>
+              <a:tabLst/>
+              <a:defRPr/>
+            </a:pPr>
+            <a:r>
+              <a:rPr lang="de-DE" dirty="0"/>
+              <a:t>Quizfrage: Um was für Zahlen handelt es sich hier?</a:t>
+            </a:r>
+          </a:p>
+          <a:p>
+            <a:pPr marL="0" marR="0" lvl="0" indent="0" algn="l" defTabSz="914400" rtl="0" eaLnBrk="1" fontAlgn="auto" latinLnBrk="0" hangingPunct="1">
+              <a:lnSpc>
+                <a:spcPct val="100000"/>
+              </a:lnSpc>
+              <a:spcBef>
+                <a:spcPts val="0"/>
+              </a:spcBef>
+              <a:spcAft>
+                <a:spcPts val="0"/>
+              </a:spcAft>
+              <a:buClrTx/>
+              <a:buSzTx/>
+              <a:buFontTx/>
+              <a:buNone/>
+              <a:tabLst/>
+              <a:defRPr/>
+            </a:pPr>
+            <a:r>
+              <a:rPr lang="de-DE" dirty="0"/>
+              <a:t>Das sind die ersten Primzahlen.</a:t>
+            </a:r>
           </a:p>
         </p:txBody>
       </p:sp>
@@ -4025,7 +4028,7 @@
             <a:fld id="{927DBD90-B360-417B-B4B3-F05A4AFC1996}" type="slidenum">
               <a:rPr lang="de-DE" smtClean="0"/>
               <a:pPr/>
-              <a:t>40</a:t>
+              <a:t>39</a:t>
             </a:fld>
             <a:endParaRPr lang="de-DE"/>
           </a:p>
@@ -4034,7 +4037,7 @@
     </p:spTree>
     <p:extLst>
       <p:ext uri="{BB962C8B-B14F-4D97-AF65-F5344CB8AC3E}">
-        <p14:creationId xmlns:p14="http://schemas.microsoft.com/office/powerpoint/2010/main" val="2272935812"/>
+        <p14:creationId xmlns:p14="http://schemas.microsoft.com/office/powerpoint/2010/main" val="1156331582"/>
       </p:ext>
     </p:extLst>
   </p:cSld>
@@ -4093,10 +4096,7 @@
           <a:bodyPr/>
           <a:lstStyle/>
           <a:p>
-            <a:r>
-              <a:rPr lang="de-DE" dirty="0"/>
-              <a:t>Die Liste enthält ein paar Zahlen der Zweierpotenzen.</a:t>
-            </a:r>
+            <a:endParaRPr lang="de-DE" dirty="0"/>
           </a:p>
         </p:txBody>
       </p:sp>
@@ -4118,7 +4118,7 @@
             <a:fld id="{927DBD90-B360-417B-B4B3-F05A4AFC1996}" type="slidenum">
               <a:rPr lang="de-DE" smtClean="0"/>
               <a:pPr/>
-              <a:t>43</a:t>
+              <a:t>40</a:t>
             </a:fld>
             <a:endParaRPr lang="de-DE"/>
           </a:p>
@@ -4127,7 +4127,7 @@
     </p:spTree>
     <p:extLst>
       <p:ext uri="{BB962C8B-B14F-4D97-AF65-F5344CB8AC3E}">
-        <p14:creationId xmlns:p14="http://schemas.microsoft.com/office/powerpoint/2010/main" val="4147465160"/>
+        <p14:creationId xmlns:p14="http://schemas.microsoft.com/office/powerpoint/2010/main" val="2272935812"/>
       </p:ext>
     </p:extLst>
   </p:cSld>
@@ -4188,21 +4188,7 @@
           <a:p>
             <a:r>
               <a:rPr lang="de-DE" dirty="0"/>
-              <a:t>Quizfrage: um was für Zahlen handelt es sich hier?</a:t>
-            </a:r>
-          </a:p>
-          <a:p>
-            <a:r>
-              <a:rPr lang="de-DE" dirty="0"/>
-              <a:t>Die Liste enthält die ersten Zahlen der </a:t>
-            </a:r>
-            <a:r>
-              <a:rPr lang="de-DE" dirty="0" err="1"/>
-              <a:t>Fibunacci</a:t>
-            </a:r>
-            <a:r>
-              <a:rPr lang="de-DE" dirty="0"/>
-              <a:t>-Folge.</a:t>
+              <a:t>Die Liste enthält ein paar Zahlen der Zweierpotenzen.</a:t>
             </a:r>
           </a:p>
         </p:txBody>
@@ -4225,7 +4211,7 @@
             <a:fld id="{927DBD90-B360-417B-B4B3-F05A4AFC1996}" type="slidenum">
               <a:rPr lang="de-DE" smtClean="0"/>
               <a:pPr/>
-              <a:t>44</a:t>
+              <a:t>43</a:t>
             </a:fld>
             <a:endParaRPr lang="de-DE"/>
           </a:p>
@@ -4234,7 +4220,7 @@
     </p:spTree>
     <p:extLst>
       <p:ext uri="{BB962C8B-B14F-4D97-AF65-F5344CB8AC3E}">
-        <p14:creationId xmlns:p14="http://schemas.microsoft.com/office/powerpoint/2010/main" val="326313081"/>
+        <p14:creationId xmlns:p14="http://schemas.microsoft.com/office/powerpoint/2010/main" val="4147465160"/>
       </p:ext>
     </p:extLst>
   </p:cSld>
@@ -4294,24 +4280,23 @@
           <a:lstStyle/>
           <a:p>
             <a:r>
+              <a:rPr lang="de-DE" dirty="0"/>
+              <a:t>Quizfrage: um was für Zahlen handelt es sich hier?</a:t>
+            </a:r>
+          </a:p>
+          <a:p>
+            <a:r>
+              <a:rPr lang="de-DE" dirty="0"/>
+              <a:t>Die Liste enthält die ersten Zahlen der </a:t>
+            </a:r>
+            <a:r>
               <a:rPr lang="de-DE" dirty="0" err="1"/>
-              <a:t>Map</a:t>
-            </a:r>
-            <a:r>
-              <a:rPr lang="de-DE" dirty="0"/>
-              <a:t> ≠ Karte, sondern </a:t>
-            </a:r>
-            <a:r>
-              <a:rPr lang="de-DE" dirty="0" err="1"/>
-              <a:t>Map</a:t>
-            </a:r>
-            <a:r>
-              <a:rPr lang="de-DE" dirty="0"/>
-              <a:t> = Abbild</a:t>
-            </a:r>
-          </a:p>
-          <a:p>
-            <a:endParaRPr lang="de-DE" dirty="0"/>
+              <a:t>Fibunacci</a:t>
+            </a:r>
+            <a:r>
+              <a:rPr lang="de-DE" dirty="0"/>
+              <a:t>-Folge.</a:t>
+            </a:r>
           </a:p>
         </p:txBody>
       </p:sp>
@@ -4333,7 +4318,7 @@
             <a:fld id="{927DBD90-B360-417B-B4B3-F05A4AFC1996}" type="slidenum">
               <a:rPr lang="de-DE" smtClean="0"/>
               <a:pPr/>
-              <a:t>45</a:t>
+              <a:t>44</a:t>
             </a:fld>
             <a:endParaRPr lang="de-DE"/>
           </a:p>
@@ -4342,7 +4327,7 @@
     </p:spTree>
     <p:extLst>
       <p:ext uri="{BB962C8B-B14F-4D97-AF65-F5344CB8AC3E}">
-        <p14:creationId xmlns:p14="http://schemas.microsoft.com/office/powerpoint/2010/main" val="2557453124"/>
+        <p14:creationId xmlns:p14="http://schemas.microsoft.com/office/powerpoint/2010/main" val="326313081"/>
       </p:ext>
     </p:extLst>
   </p:cSld>
@@ -4402,76 +4387,24 @@
           <a:lstStyle/>
           <a:p>
             <a:r>
-              <a:rPr lang="de-DE" dirty="0"/>
-              <a:t>Was wir bisher schon immer hatten, </a:t>
-            </a:r>
-            <a:r>
               <a:rPr lang="de-DE" dirty="0" err="1"/>
-              <a:t>void</a:t>
-            </a:r>
-            <a:r>
-              <a:rPr lang="de-DE" dirty="0"/>
-              <a:t> </a:t>
+              <a:t>Map</a:t>
+            </a:r>
+            <a:r>
+              <a:rPr lang="de-DE" dirty="0"/>
+              <a:t> ≠ Karte, sondern </a:t>
             </a:r>
             <a:r>
               <a:rPr lang="de-DE" dirty="0" err="1"/>
-              <a:t>main</a:t>
-            </a:r>
-            <a:r>
-              <a:rPr lang="de-DE" dirty="0"/>
-              <a:t>() {…} ist auch eine Methode.</a:t>
-            </a:r>
-          </a:p>
-          <a:p>
-            <a:r>
-              <a:rPr lang="de-DE" dirty="0"/>
-              <a:t>Diese Methode ist speziell, weil sie beim Start der Datei ausgeführt wird.</a:t>
+              <a:t>Map</a:t>
+            </a:r>
+            <a:r>
+              <a:rPr lang="de-DE" dirty="0"/>
+              <a:t> = Abbild</a:t>
             </a:r>
           </a:p>
           <a:p>
             <a:endParaRPr lang="de-DE" dirty="0"/>
-          </a:p>
-          <a:p>
-            <a:r>
-              <a:rPr lang="de-DE" dirty="0"/>
-              <a:t>Hinweis für erfahrene Entwickler:</a:t>
-            </a:r>
-          </a:p>
-          <a:p>
-            <a:r>
-              <a:rPr lang="de-DE" dirty="0"/>
-              <a:t>Es ist empfohlen "</a:t>
-            </a:r>
-            <a:r>
-              <a:rPr lang="de-DE" dirty="0" err="1"/>
-              <a:t>void</a:t>
-            </a:r>
-            <a:r>
-              <a:rPr lang="de-DE" dirty="0"/>
-              <a:t>" zu verwenden, auch wenn der Code ohne "</a:t>
-            </a:r>
-            <a:r>
-              <a:rPr lang="de-DE" dirty="0" err="1"/>
-              <a:t>void</a:t>
-            </a:r>
-            <a:r>
-              <a:rPr lang="de-DE" dirty="0"/>
-              <a:t>" funktionieren würde.</a:t>
-            </a:r>
-          </a:p>
-          <a:p>
-            <a:r>
-              <a:rPr lang="de-DE" dirty="0"/>
-              <a:t>Mit dem Schlüsselwort "</a:t>
-            </a:r>
-            <a:r>
-              <a:rPr lang="de-DE" dirty="0" err="1"/>
-              <a:t>void</a:t>
-            </a:r>
-            <a:r>
-              <a:rPr lang="de-DE" dirty="0"/>
-              <a:t>" erhält man aber zusätzliche Prüfungen, z.B. ob versucht wird, den nicht vorhandenen Rückgabewert zuzuweisen.</a:t>
-            </a:r>
           </a:p>
         </p:txBody>
       </p:sp>
@@ -4493,7 +4426,7 @@
             <a:fld id="{927DBD90-B360-417B-B4B3-F05A4AFC1996}" type="slidenum">
               <a:rPr lang="de-DE" smtClean="0"/>
               <a:pPr/>
-              <a:t>47</a:t>
+              <a:t>45</a:t>
             </a:fld>
             <a:endParaRPr lang="de-DE"/>
           </a:p>
@@ -4502,7 +4435,7 @@
     </p:spTree>
     <p:extLst>
       <p:ext uri="{BB962C8B-B14F-4D97-AF65-F5344CB8AC3E}">
-        <p14:creationId xmlns:p14="http://schemas.microsoft.com/office/powerpoint/2010/main" val="188613444"/>
+        <p14:creationId xmlns:p14="http://schemas.microsoft.com/office/powerpoint/2010/main" val="2557453124"/>
       </p:ext>
     </p:extLst>
   </p:cSld>
@@ -4563,17 +4496,75 @@
           <a:p>
             <a:r>
               <a:rPr lang="de-DE" dirty="0"/>
-              <a:t>In der Programmierumgebung wird kein Fehler angezeigt.</a:t>
-            </a:r>
-          </a:p>
-          <a:p>
-            <a:r>
-              <a:rPr lang="de-DE" dirty="0"/>
-              <a:t>Beim Ausführen tritt aber ein Fehler auf.</a:t>
+              <a:t>Was wir bisher schon immer hatten, </a:t>
+            </a:r>
+            <a:r>
+              <a:rPr lang="de-DE" dirty="0" err="1"/>
+              <a:t>void</a:t>
+            </a:r>
+            <a:r>
+              <a:rPr lang="de-DE" dirty="0"/>
+              <a:t> </a:t>
+            </a:r>
+            <a:r>
+              <a:rPr lang="de-DE" dirty="0" err="1"/>
+              <a:t>main</a:t>
+            </a:r>
+            <a:r>
+              <a:rPr lang="de-DE" dirty="0"/>
+              <a:t>() {…} ist auch eine Methode.</a:t>
+            </a:r>
+          </a:p>
+          <a:p>
+            <a:r>
+              <a:rPr lang="de-DE" dirty="0"/>
+              <a:t>Diese Methode ist speziell, weil sie beim Start der Datei ausgeführt wird.</a:t>
             </a:r>
           </a:p>
           <a:p>
             <a:endParaRPr lang="de-DE" dirty="0"/>
+          </a:p>
+          <a:p>
+            <a:r>
+              <a:rPr lang="de-DE" dirty="0"/>
+              <a:t>Hinweis für erfahrene Entwickler:</a:t>
+            </a:r>
+          </a:p>
+          <a:p>
+            <a:r>
+              <a:rPr lang="de-DE" dirty="0"/>
+              <a:t>Es ist empfohlen "</a:t>
+            </a:r>
+            <a:r>
+              <a:rPr lang="de-DE" dirty="0" err="1"/>
+              <a:t>void</a:t>
+            </a:r>
+            <a:r>
+              <a:rPr lang="de-DE" dirty="0"/>
+              <a:t>" zu verwenden, auch wenn der Code ohne "</a:t>
+            </a:r>
+            <a:r>
+              <a:rPr lang="de-DE" dirty="0" err="1"/>
+              <a:t>void</a:t>
+            </a:r>
+            <a:r>
+              <a:rPr lang="de-DE" dirty="0"/>
+              <a:t>" funktionieren würde.</a:t>
+            </a:r>
+          </a:p>
+          <a:p>
+            <a:r>
+              <a:rPr lang="de-DE" dirty="0"/>
+              <a:t>Mit dem Schlüsselwort "</a:t>
+            </a:r>
+            <a:r>
+              <a:rPr lang="de-DE" dirty="0" err="1"/>
+              <a:t>void</a:t>
+            </a:r>
+            <a:r>
+              <a:rPr lang="de-DE" dirty="0"/>
+              <a:t>" erhält man aber zusätzliche Prüfungen, z.B. ob versucht wird, den nicht vorhandenen Rückgabewert zuzuweisen.</a:t>
+            </a:r>
           </a:p>
         </p:txBody>
       </p:sp>
@@ -4595,7 +4586,7 @@
             <a:fld id="{927DBD90-B360-417B-B4B3-F05A4AFC1996}" type="slidenum">
               <a:rPr lang="de-DE" smtClean="0"/>
               <a:pPr/>
-              <a:t>48</a:t>
+              <a:t>47</a:t>
             </a:fld>
             <a:endParaRPr lang="de-DE"/>
           </a:p>
@@ -4604,7 +4595,7 @@
     </p:spTree>
     <p:extLst>
       <p:ext uri="{BB962C8B-B14F-4D97-AF65-F5344CB8AC3E}">
-        <p14:creationId xmlns:p14="http://schemas.microsoft.com/office/powerpoint/2010/main" val="1117887279"/>
+        <p14:creationId xmlns:p14="http://schemas.microsoft.com/office/powerpoint/2010/main" val="188613444"/>
       </p:ext>
     </p:extLst>
   </p:cSld>
@@ -4665,30 +4656,17 @@
           <a:p>
             <a:r>
               <a:rPr lang="de-DE" dirty="0"/>
-              <a:t>Was gibt es für Datentypen?</a:t>
-            </a:r>
-          </a:p>
-          <a:p>
-            <a:r>
-              <a:rPr lang="de-DE" dirty="0" err="1"/>
-              <a:t>int</a:t>
-            </a:r>
-            <a:r>
-              <a:rPr lang="de-DE" dirty="0"/>
-              <a:t> für Ganzzahlen</a:t>
-            </a:r>
-          </a:p>
-          <a:p>
-            <a:r>
-              <a:rPr lang="de-DE" dirty="0"/>
-              <a:t>double für Kommazahlen</a:t>
-            </a:r>
-          </a:p>
-          <a:p>
-            <a:r>
-              <a:rPr lang="de-DE" dirty="0"/>
-              <a:t>String für Texte</a:t>
-            </a:r>
+              <a:t>In der Programmierumgebung wird kein Fehler angezeigt.</a:t>
+            </a:r>
+          </a:p>
+          <a:p>
+            <a:r>
+              <a:rPr lang="de-DE" dirty="0"/>
+              <a:t>Beim Ausführen tritt aber ein Fehler auf.</a:t>
+            </a:r>
+          </a:p>
+          <a:p>
+            <a:endParaRPr lang="de-DE" dirty="0"/>
           </a:p>
         </p:txBody>
       </p:sp>
@@ -4710,7 +4688,7 @@
             <a:fld id="{927DBD90-B360-417B-B4B3-F05A4AFC1996}" type="slidenum">
               <a:rPr lang="de-DE" smtClean="0"/>
               <a:pPr/>
-              <a:t>49</a:t>
+              <a:t>48</a:t>
             </a:fld>
             <a:endParaRPr lang="de-DE"/>
           </a:p>
@@ -4719,7 +4697,7 @@
     </p:spTree>
     <p:extLst>
       <p:ext uri="{BB962C8B-B14F-4D97-AF65-F5344CB8AC3E}">
-        <p14:creationId xmlns:p14="http://schemas.microsoft.com/office/powerpoint/2010/main" val="1610905615"/>
+        <p14:creationId xmlns:p14="http://schemas.microsoft.com/office/powerpoint/2010/main" val="1117887279"/>
       </p:ext>
     </p:extLst>
   </p:cSld>
@@ -4780,15 +4758,29 @@
           <a:p>
             <a:r>
               <a:rPr lang="de-DE" dirty="0"/>
-              <a:t>Auch Funktionen haben wir schon benutzt, zum Beispiel </a:t>
-            </a:r>
+              <a:t>Was gibt es für Datentypen?</a:t>
+            </a:r>
+          </a:p>
+          <a:p>
             <a:r>
               <a:rPr lang="de-DE" dirty="0" err="1"/>
-              <a:t>math.pow</a:t>
-            </a:r>
-            <a:r>
-              <a:rPr lang="de-DE" dirty="0"/>
-              <a:t>().</a:t>
+              <a:t>int</a:t>
+            </a:r>
+            <a:r>
+              <a:rPr lang="de-DE" dirty="0"/>
+              <a:t> für Ganzzahlen</a:t>
+            </a:r>
+          </a:p>
+          <a:p>
+            <a:r>
+              <a:rPr lang="de-DE" dirty="0"/>
+              <a:t>double für Kommazahlen</a:t>
+            </a:r>
+          </a:p>
+          <a:p>
+            <a:r>
+              <a:rPr lang="de-DE" dirty="0"/>
+              <a:t>String für Texte</a:t>
             </a:r>
           </a:p>
         </p:txBody>
@@ -4811,7 +4803,7 @@
             <a:fld id="{927DBD90-B360-417B-B4B3-F05A4AFC1996}" type="slidenum">
               <a:rPr lang="de-DE" smtClean="0"/>
               <a:pPr/>
-              <a:t>50</a:t>
+              <a:t>49</a:t>
             </a:fld>
             <a:endParaRPr lang="de-DE"/>
           </a:p>
@@ -4820,7 +4812,7 @@
     </p:spTree>
     <p:extLst>
       <p:ext uri="{BB962C8B-B14F-4D97-AF65-F5344CB8AC3E}">
-        <p14:creationId xmlns:p14="http://schemas.microsoft.com/office/powerpoint/2010/main" val="3960663427"/>
+        <p14:creationId xmlns:p14="http://schemas.microsoft.com/office/powerpoint/2010/main" val="1610905615"/>
       </p:ext>
     </p:extLst>
   </p:cSld>
@@ -4879,7 +4871,18 @@
           <a:bodyPr/>
           <a:lstStyle/>
           <a:p>
-            <a:endParaRPr lang="de-DE" dirty="0"/>
+            <a:r>
+              <a:rPr lang="de-DE" dirty="0"/>
+              <a:t>Auch Funktionen haben wir schon benutzt, zum Beispiel </a:t>
+            </a:r>
+            <a:r>
+              <a:rPr lang="de-DE" dirty="0" err="1"/>
+              <a:t>math.pow</a:t>
+            </a:r>
+            <a:r>
+              <a:rPr lang="de-DE" dirty="0"/>
+              <a:t>().</a:t>
+            </a:r>
           </a:p>
         </p:txBody>
       </p:sp>
@@ -4901,7 +4904,7 @@
             <a:fld id="{927DBD90-B360-417B-B4B3-F05A4AFC1996}" type="slidenum">
               <a:rPr lang="de-DE" smtClean="0"/>
               <a:pPr/>
-              <a:t>51</a:t>
+              <a:t>50</a:t>
             </a:fld>
             <a:endParaRPr lang="de-DE"/>
           </a:p>
@@ -4910,7 +4913,7 @@
     </p:spTree>
     <p:extLst>
       <p:ext uri="{BB962C8B-B14F-4D97-AF65-F5344CB8AC3E}">
-        <p14:creationId xmlns:p14="http://schemas.microsoft.com/office/powerpoint/2010/main" val="540679312"/>
+        <p14:creationId xmlns:p14="http://schemas.microsoft.com/office/powerpoint/2010/main" val="3960663427"/>
       </p:ext>
     </p:extLst>
   </p:cSld>
@@ -4969,74 +4972,7 @@
           <a:bodyPr/>
           <a:lstStyle/>
           <a:p>
-            <a:r>
-              <a:rPr lang="de-DE" dirty="0"/>
-              <a:t>Das neutrale Element (https://de.wikipedia.org/wiki/Neutrales_Element) (</a:t>
-            </a:r>
-            <a:r>
-              <a:rPr lang="de-DE" dirty="0" err="1"/>
-              <a:t>engl</a:t>
-            </a:r>
-            <a:r>
-              <a:rPr lang="de-DE" dirty="0"/>
-              <a:t>: </a:t>
-            </a:r>
-            <a:r>
-              <a:rPr lang="de-DE" dirty="0" err="1"/>
-              <a:t>identity</a:t>
-            </a:r>
-            <a:r>
-              <a:rPr lang="de-DE" dirty="0"/>
-              <a:t> </a:t>
-            </a:r>
-            <a:r>
-              <a:rPr lang="de-DE" dirty="0" err="1"/>
-              <a:t>element</a:t>
-            </a:r>
-            <a:r>
-              <a:rPr lang="de-DE" dirty="0"/>
-              <a:t>) für die Minimum-Funktion ist +∞.</a:t>
-            </a:r>
-          </a:p>
-          <a:p>
-            <a:r>
-              <a:rPr lang="de-DE" dirty="0"/>
-              <a:t>+∞ gibt es beim Datentyp </a:t>
-            </a:r>
-            <a:r>
-              <a:rPr lang="de-DE" dirty="0" err="1"/>
-              <a:t>int</a:t>
-            </a:r>
-            <a:r>
-              <a:rPr lang="de-DE" dirty="0"/>
-              <a:t> nicht. Es gibt in Dart wohl auch keine Konstante, die den Maximalwert definiert.</a:t>
-            </a:r>
-          </a:p>
-          <a:p>
-            <a:r>
-              <a:rPr lang="de-DE" dirty="0" err="1"/>
-              <a:t>const</a:t>
-            </a:r>
-            <a:r>
-              <a:rPr lang="de-DE" dirty="0"/>
-              <a:t> </a:t>
-            </a:r>
-            <a:r>
-              <a:rPr lang="de-DE" dirty="0" err="1"/>
-              <a:t>int</a:t>
-            </a:r>
-            <a:r>
-              <a:rPr lang="de-DE" dirty="0"/>
-              <a:t> </a:t>
-            </a:r>
-            <a:r>
-              <a:rPr lang="de-DE" dirty="0" err="1"/>
-              <a:t>intMaxValue</a:t>
-            </a:r>
-            <a:r>
-              <a:rPr lang="de-DE" dirty="0"/>
-              <a:t> = 9007199254740991; https://stackoverflow.com/a/60358200/480982 </a:t>
-            </a:r>
+            <a:endParaRPr lang="de-DE" dirty="0"/>
           </a:p>
         </p:txBody>
       </p:sp>
@@ -5058,7 +4994,7 @@
             <a:fld id="{927DBD90-B360-417B-B4B3-F05A4AFC1996}" type="slidenum">
               <a:rPr lang="de-DE" smtClean="0"/>
               <a:pPr/>
-              <a:t>52</a:t>
+              <a:t>51</a:t>
             </a:fld>
             <a:endParaRPr lang="de-DE"/>
           </a:p>
@@ -5067,7 +5003,7 @@
     </p:spTree>
     <p:extLst>
       <p:ext uri="{BB962C8B-B14F-4D97-AF65-F5344CB8AC3E}">
-        <p14:creationId xmlns:p14="http://schemas.microsoft.com/office/powerpoint/2010/main" val="3080275828"/>
+        <p14:creationId xmlns:p14="http://schemas.microsoft.com/office/powerpoint/2010/main" val="540679312"/>
       </p:ext>
     </p:extLst>
   </p:cSld>
@@ -5262,17 +5198,72 @@
           <a:p>
             <a:r>
               <a:rPr lang="de-DE" dirty="0"/>
-              <a:t>Bisher erfolgte die Zuordnung von Werten zur Methode oder Funktion über deren Reihenfolge beim Aufruf.</a:t>
-            </a:r>
-          </a:p>
-          <a:p>
-            <a:r>
-              <a:rPr lang="de-DE" dirty="0"/>
-              <a:t>In diesem Beispiel kann innerhalb der Methode mit dem Namen x auf den Wert von a zugegriffen werden und mit dem Namen y auf den Wert 2.</a:t>
-            </a:r>
-          </a:p>
-          <a:p>
-            <a:endParaRPr lang="de-DE" dirty="0"/>
+              <a:t>Das neutrale Element (https://de.wikipedia.org/wiki/Neutrales_Element) (</a:t>
+            </a:r>
+            <a:r>
+              <a:rPr lang="de-DE" dirty="0" err="1"/>
+              <a:t>engl</a:t>
+            </a:r>
+            <a:r>
+              <a:rPr lang="de-DE" dirty="0"/>
+              <a:t>: </a:t>
+            </a:r>
+            <a:r>
+              <a:rPr lang="de-DE" dirty="0" err="1"/>
+              <a:t>identity</a:t>
+            </a:r>
+            <a:r>
+              <a:rPr lang="de-DE" dirty="0"/>
+              <a:t> </a:t>
+            </a:r>
+            <a:r>
+              <a:rPr lang="de-DE" dirty="0" err="1"/>
+              <a:t>element</a:t>
+            </a:r>
+            <a:r>
+              <a:rPr lang="de-DE" dirty="0"/>
+              <a:t>) für die Minimum-Funktion ist +∞.</a:t>
+            </a:r>
+          </a:p>
+          <a:p>
+            <a:r>
+              <a:rPr lang="de-DE" dirty="0"/>
+              <a:t>+∞ gibt es beim Datentyp </a:t>
+            </a:r>
+            <a:r>
+              <a:rPr lang="de-DE" dirty="0" err="1"/>
+              <a:t>int</a:t>
+            </a:r>
+            <a:r>
+              <a:rPr lang="de-DE" dirty="0"/>
+              <a:t> nicht. Es gibt in Dart wohl auch keine Konstante, die den Maximalwert definiert.</a:t>
+            </a:r>
+          </a:p>
+          <a:p>
+            <a:r>
+              <a:rPr lang="de-DE" dirty="0" err="1"/>
+              <a:t>const</a:t>
+            </a:r>
+            <a:r>
+              <a:rPr lang="de-DE" dirty="0"/>
+              <a:t> </a:t>
+            </a:r>
+            <a:r>
+              <a:rPr lang="de-DE" dirty="0" err="1"/>
+              <a:t>int</a:t>
+            </a:r>
+            <a:r>
+              <a:rPr lang="de-DE" dirty="0"/>
+              <a:t> </a:t>
+            </a:r>
+            <a:r>
+              <a:rPr lang="de-DE" dirty="0" err="1"/>
+              <a:t>intMaxValue</a:t>
+            </a:r>
+            <a:r>
+              <a:rPr lang="de-DE" dirty="0"/>
+              <a:t> = 9007199254740991; https://stackoverflow.com/a/60358200/480982 </a:t>
+            </a:r>
           </a:p>
         </p:txBody>
       </p:sp>
@@ -5294,7 +5285,7 @@
             <a:fld id="{927DBD90-B360-417B-B4B3-F05A4AFC1996}" type="slidenum">
               <a:rPr lang="de-DE" smtClean="0"/>
               <a:pPr/>
-              <a:t>53</a:t>
+              <a:t>52</a:t>
             </a:fld>
             <a:endParaRPr lang="de-DE"/>
           </a:p>
@@ -5303,7 +5294,7 @@
     </p:spTree>
     <p:extLst>
       <p:ext uri="{BB962C8B-B14F-4D97-AF65-F5344CB8AC3E}">
-        <p14:creationId xmlns:p14="http://schemas.microsoft.com/office/powerpoint/2010/main" val="1286187364"/>
+        <p14:creationId xmlns:p14="http://schemas.microsoft.com/office/powerpoint/2010/main" val="3080275828"/>
       </p:ext>
     </p:extLst>
   </p:cSld>
@@ -5376,27 +5367,6 @@
           <a:p>
             <a:endParaRPr lang="de-DE" dirty="0"/>
           </a:p>
-          <a:p>
-            <a:r>
-              <a:rPr lang="de-DE" dirty="0"/>
-              <a:t>Wenn viele Zahlen übergeben werden, kann man leicht vergessen, welche Zahl wofür steht.</a:t>
-            </a:r>
-          </a:p>
-          <a:p>
-            <a:r>
-              <a:rPr lang="de-DE" dirty="0"/>
-              <a:t>War die 0 für Skonto und die 2 für Mengenrabatt, oder umgekehrt?</a:t>
-            </a:r>
-          </a:p>
-          <a:p>
-            <a:endParaRPr lang="de-DE" dirty="0"/>
-          </a:p>
-          <a:p>
-            <a:r>
-              <a:rPr lang="de-DE" dirty="0"/>
-              <a:t>Ganz zu schweigen davon, dass jemand auf die Idee kommen könnte, in der Preis() Methode die Argumente zu vertauschen.</a:t>
-            </a:r>
-          </a:p>
         </p:txBody>
       </p:sp>
       <p:sp>
@@ -5417,7 +5387,7 @@
             <a:fld id="{927DBD90-B360-417B-B4B3-F05A4AFC1996}" type="slidenum">
               <a:rPr lang="de-DE" smtClean="0"/>
               <a:pPr/>
-              <a:t>54</a:t>
+              <a:t>53</a:t>
             </a:fld>
             <a:endParaRPr lang="de-DE"/>
           </a:p>
@@ -5426,7 +5396,7 @@
     </p:spTree>
     <p:extLst>
       <p:ext uri="{BB962C8B-B14F-4D97-AF65-F5344CB8AC3E}">
-        <p14:creationId xmlns:p14="http://schemas.microsoft.com/office/powerpoint/2010/main" val="4094685873"/>
+        <p14:creationId xmlns:p14="http://schemas.microsoft.com/office/powerpoint/2010/main" val="1286187364"/>
       </p:ext>
     </p:extLst>
   </p:cSld>
@@ -5487,7 +5457,37 @@
           <a:p>
             <a:r>
               <a:rPr lang="de-DE" dirty="0"/>
-              <a:t>Wenn wir die </a:t>
+              <a:t>Bisher erfolgte die Zuordnung von Werten zur Methode oder Funktion über deren Reihenfolge beim Aufruf.</a:t>
+            </a:r>
+          </a:p>
+          <a:p>
+            <a:r>
+              <a:rPr lang="de-DE" dirty="0"/>
+              <a:t>In diesem Beispiel kann innerhalb der Methode mit dem Namen x auf den Wert von a zugegriffen werden und mit dem Namen y auf den Wert 2.</a:t>
+            </a:r>
+          </a:p>
+          <a:p>
+            <a:endParaRPr lang="de-DE" dirty="0"/>
+          </a:p>
+          <a:p>
+            <a:r>
+              <a:rPr lang="de-DE" dirty="0"/>
+              <a:t>Wenn viele Zahlen übergeben werden, kann man leicht vergessen, welche Zahl wofür steht.</a:t>
+            </a:r>
+          </a:p>
+          <a:p>
+            <a:r>
+              <a:rPr lang="de-DE" dirty="0"/>
+              <a:t>War die 0 für Skonto und die 2 für Mengenrabatt, oder umgekehrt?</a:t>
+            </a:r>
+          </a:p>
+          <a:p>
+            <a:endParaRPr lang="de-DE" dirty="0"/>
+          </a:p>
+          <a:p>
+            <a:r>
+              <a:rPr lang="de-DE" dirty="0"/>
+              <a:t>Ganz zu schweigen davon, dass jemand auf die Idee kommen könnte, in der Preis() Methode die Argumente zu vertauschen.</a:t>
             </a:r>
           </a:p>
         </p:txBody>
@@ -5510,7 +5510,7 @@
             <a:fld id="{927DBD90-B360-417B-B4B3-F05A4AFC1996}" type="slidenum">
               <a:rPr lang="de-DE" smtClean="0"/>
               <a:pPr/>
-              <a:t>55</a:t>
+              <a:t>54</a:t>
             </a:fld>
             <a:endParaRPr lang="de-DE"/>
           </a:p>
@@ -5519,7 +5519,7 @@
     </p:spTree>
     <p:extLst>
       <p:ext uri="{BB962C8B-B14F-4D97-AF65-F5344CB8AC3E}">
-        <p14:creationId xmlns:p14="http://schemas.microsoft.com/office/powerpoint/2010/main" val="2553858044"/>
+        <p14:creationId xmlns:p14="http://schemas.microsoft.com/office/powerpoint/2010/main" val="4094685873"/>
       </p:ext>
     </p:extLst>
   </p:cSld>
@@ -5580,15 +5580,7 @@
           <a:p>
             <a:r>
               <a:rPr lang="de-DE" dirty="0"/>
-              <a:t>Engl. </a:t>
-            </a:r>
-            <a:r>
-              <a:rPr lang="de-DE" dirty="0" err="1"/>
-              <a:t>Scope</a:t>
-            </a:r>
-            <a:r>
-              <a:rPr lang="de-DE" dirty="0"/>
-              <a:t> = Umfang, Handlungsspielraum, Reichweite, Gültigkeitsbereich</a:t>
+              <a:t>Wenn wir die </a:t>
             </a:r>
           </a:p>
         </p:txBody>
@@ -5611,7 +5603,7 @@
             <a:fld id="{927DBD90-B360-417B-B4B3-F05A4AFC1996}" type="slidenum">
               <a:rPr lang="de-DE" smtClean="0"/>
               <a:pPr/>
-              <a:t>60</a:t>
+              <a:t>55</a:t>
             </a:fld>
             <a:endParaRPr lang="de-DE"/>
           </a:p>
@@ -5620,7 +5612,7 @@
     </p:spTree>
     <p:extLst>
       <p:ext uri="{BB962C8B-B14F-4D97-AF65-F5344CB8AC3E}">
-        <p14:creationId xmlns:p14="http://schemas.microsoft.com/office/powerpoint/2010/main" val="2573383624"/>
+        <p14:creationId xmlns:p14="http://schemas.microsoft.com/office/powerpoint/2010/main" val="2553858044"/>
       </p:ext>
     </p:extLst>
   </p:cSld>
@@ -5681,13 +5673,15 @@
           <a:p>
             <a:r>
               <a:rPr lang="de-DE" dirty="0"/>
-              <a:t>Wie beim Zoll ("Haben Sie etwas zu deklarieren"): Deklaration = Abgabe einer Erklärung.</a:t>
-            </a:r>
-          </a:p>
-          <a:p>
-            <a:r>
-              <a:rPr lang="de-DE" dirty="0"/>
-              <a:t>Erklärung, dass eine Variable existiert.</a:t>
+              <a:t>Engl. </a:t>
+            </a:r>
+            <a:r>
+              <a:rPr lang="de-DE" dirty="0" err="1"/>
+              <a:t>Scope</a:t>
+            </a:r>
+            <a:r>
+              <a:rPr lang="de-DE" dirty="0"/>
+              <a:t> = Umfang, Handlungsspielraum, Reichweite, Gültigkeitsbereich</a:t>
             </a:r>
           </a:p>
         </p:txBody>
@@ -5710,7 +5704,7 @@
             <a:fld id="{927DBD90-B360-417B-B4B3-F05A4AFC1996}" type="slidenum">
               <a:rPr lang="de-DE" smtClean="0"/>
               <a:pPr/>
-              <a:t>61</a:t>
+              <a:t>60</a:t>
             </a:fld>
             <a:endParaRPr lang="de-DE"/>
           </a:p>
@@ -5719,7 +5713,7 @@
     </p:spTree>
     <p:extLst>
       <p:ext uri="{BB962C8B-B14F-4D97-AF65-F5344CB8AC3E}">
-        <p14:creationId xmlns:p14="http://schemas.microsoft.com/office/powerpoint/2010/main" val="2039610896"/>
+        <p14:creationId xmlns:p14="http://schemas.microsoft.com/office/powerpoint/2010/main" val="2573383624"/>
       </p:ext>
     </p:extLst>
   </p:cSld>
@@ -5778,7 +5772,16 @@
           <a:bodyPr/>
           <a:lstStyle/>
           <a:p>
-            <a:endParaRPr lang="de-DE" dirty="0"/>
+            <a:r>
+              <a:rPr lang="de-DE" dirty="0"/>
+              <a:t>Wie beim Zoll ("Haben Sie etwas zu deklarieren"): Deklaration = Abgabe einer Erklärung.</a:t>
+            </a:r>
+          </a:p>
+          <a:p>
+            <a:r>
+              <a:rPr lang="de-DE" dirty="0"/>
+              <a:t>Erklärung, dass eine Variable existiert.</a:t>
+            </a:r>
           </a:p>
         </p:txBody>
       </p:sp>
@@ -5800,7 +5803,7 @@
             <a:fld id="{927DBD90-B360-417B-B4B3-F05A4AFC1996}" type="slidenum">
               <a:rPr lang="de-DE" smtClean="0"/>
               <a:pPr/>
-              <a:t>62</a:t>
+              <a:t>61</a:t>
             </a:fld>
             <a:endParaRPr lang="de-DE"/>
           </a:p>
@@ -5809,7 +5812,7 @@
     </p:spTree>
     <p:extLst>
       <p:ext uri="{BB962C8B-B14F-4D97-AF65-F5344CB8AC3E}">
-        <p14:creationId xmlns:p14="http://schemas.microsoft.com/office/powerpoint/2010/main" val="540735623"/>
+        <p14:creationId xmlns:p14="http://schemas.microsoft.com/office/powerpoint/2010/main" val="2039610896"/>
       </p:ext>
     </p:extLst>
   </p:cSld>
@@ -5890,7 +5893,7 @@
             <a:fld id="{927DBD90-B360-417B-B4B3-F05A4AFC1996}" type="slidenum">
               <a:rPr lang="de-DE" smtClean="0"/>
               <a:pPr/>
-              <a:t>63</a:t>
+              <a:t>62</a:t>
             </a:fld>
             <a:endParaRPr lang="de-DE"/>
           </a:p>
@@ -5899,7 +5902,7 @@
     </p:spTree>
     <p:extLst>
       <p:ext uri="{BB962C8B-B14F-4D97-AF65-F5344CB8AC3E}">
-        <p14:creationId xmlns:p14="http://schemas.microsoft.com/office/powerpoint/2010/main" val="2411344821"/>
+        <p14:creationId xmlns:p14="http://schemas.microsoft.com/office/powerpoint/2010/main" val="540735623"/>
       </p:ext>
     </p:extLst>
   </p:cSld>
@@ -5958,37 +5961,7 @@
           <a:bodyPr/>
           <a:lstStyle/>
           <a:p>
-            <a:r>
-              <a:rPr lang="de-DE" dirty="0"/>
-              <a:t>Beispiel: diese Windows-Anwendung hat zwei Buttons. Einer druckt etwas aus, der andere versendet es als Email.</a:t>
-            </a:r>
-          </a:p>
-          <a:p>
-            <a:r>
-              <a:rPr lang="de-DE" dirty="0"/>
-              <a:t>Müssen wir jeden Button extra programmieren, weil er etwas anderes macht?</a:t>
-            </a:r>
-          </a:p>
-          <a:p>
-            <a:r>
-              <a:rPr lang="de-DE" dirty="0"/>
-              <a:t>Wollen wir jeden Button extra programmieren, weil er etwas anderes macht? Sicher nicht.</a:t>
-            </a:r>
-          </a:p>
-          <a:p>
             <a:endParaRPr lang="de-DE" dirty="0"/>
-          </a:p>
-          <a:p>
-            <a:r>
-              <a:rPr lang="de-DE" dirty="0"/>
-              <a:t>Jemand anderes kann einen Button programmieren, so dass er unter Windows 95 genau so aussieht wie er dort aussehen soll und unter Windows 10 aussieht, wie es dort üblich ist.</a:t>
-            </a:r>
-          </a:p>
-          <a:p>
-            <a:r>
-              <a:rPr lang="de-DE" dirty="0"/>
-              <a:t>Um das Aussehen des Buttons wollen wir uns nicht kümmern, trotzdem soll der Button das tun, was wir wollen, und nicht das, was der Programmierer des Buttons wollte.</a:t>
-            </a:r>
           </a:p>
         </p:txBody>
       </p:sp>
@@ -6010,7 +5983,7 @@
             <a:fld id="{927DBD90-B360-417B-B4B3-F05A4AFC1996}" type="slidenum">
               <a:rPr lang="de-DE" smtClean="0"/>
               <a:pPr/>
-              <a:t>65</a:t>
+              <a:t>63</a:t>
             </a:fld>
             <a:endParaRPr lang="de-DE"/>
           </a:p>
@@ -6019,7 +5992,7 @@
     </p:spTree>
     <p:extLst>
       <p:ext uri="{BB962C8B-B14F-4D97-AF65-F5344CB8AC3E}">
-        <p14:creationId xmlns:p14="http://schemas.microsoft.com/office/powerpoint/2010/main" val="764757463"/>
+        <p14:creationId xmlns:p14="http://schemas.microsoft.com/office/powerpoint/2010/main" val="2411344821"/>
       </p:ext>
     </p:extLst>
   </p:cSld>
@@ -6080,27 +6053,34 @@
           <a:p>
             <a:r>
               <a:rPr lang="de-DE" dirty="0"/>
-              <a:t>Mit Hilfe von </a:t>
-            </a:r>
-            <a:r>
-              <a:rPr lang="de-DE" dirty="0" err="1"/>
-              <a:t>Callbacks</a:t>
-            </a:r>
-            <a:r>
-              <a:rPr lang="de-DE" dirty="0"/>
-              <a:t> lässt sich das Problem lösen: der Button ist fertig programmiert. </a:t>
-            </a:r>
-          </a:p>
-          <a:p>
-            <a:r>
-              <a:rPr lang="de-DE" dirty="0"/>
-              <a:t>Man kann ihm aber ein Verhalten in Form einer Methode oder Funktion mitgeben, so dass bei jedem Button eine andere Funktion ausgeführt wird.</a:t>
-            </a:r>
-          </a:p>
-          <a:p>
-            <a:r>
-              <a:rPr lang="de-DE" dirty="0"/>
-              <a:t>Das schauen wir uns jetzt mal anhand der Preisberechnung an, ohne dass wir eine Flutter App mit Buttons entwickeln müssen.</a:t>
+              <a:t>Beispiel: diese Windows-Anwendung hat zwei Buttons. Einer druckt etwas aus, der andere versendet es als Email.</a:t>
+            </a:r>
+          </a:p>
+          <a:p>
+            <a:r>
+              <a:rPr lang="de-DE" dirty="0"/>
+              <a:t>Müssen wir jeden Button extra programmieren, weil er etwas anderes macht?</a:t>
+            </a:r>
+          </a:p>
+          <a:p>
+            <a:r>
+              <a:rPr lang="de-DE" dirty="0"/>
+              <a:t>Wollen wir jeden Button extra programmieren, weil er etwas anderes macht? Sicher nicht.</a:t>
+            </a:r>
+          </a:p>
+          <a:p>
+            <a:endParaRPr lang="de-DE" dirty="0"/>
+          </a:p>
+          <a:p>
+            <a:r>
+              <a:rPr lang="de-DE" dirty="0"/>
+              <a:t>Jemand anderes kann einen Button programmieren, so dass er unter Windows 95 genau so aussieht wie er dort aussehen soll und unter Windows 10 aussieht, wie es dort üblich ist.</a:t>
+            </a:r>
+          </a:p>
+          <a:p>
+            <a:r>
+              <a:rPr lang="de-DE" dirty="0"/>
+              <a:t>Um das Aussehen des Buttons wollen wir uns nicht kümmern, trotzdem soll der Button das tun, was wir wollen, und nicht das, was der Programmierer des Buttons wollte.</a:t>
             </a:r>
           </a:p>
         </p:txBody>
@@ -6123,7 +6103,7 @@
             <a:fld id="{927DBD90-B360-417B-B4B3-F05A4AFC1996}" type="slidenum">
               <a:rPr lang="de-DE" smtClean="0"/>
               <a:pPr/>
-              <a:t>66</a:t>
+              <a:t>65</a:t>
             </a:fld>
             <a:endParaRPr lang="de-DE"/>
           </a:p>
@@ -6132,7 +6112,7 @@
     </p:spTree>
     <p:extLst>
       <p:ext uri="{BB962C8B-B14F-4D97-AF65-F5344CB8AC3E}">
-        <p14:creationId xmlns:p14="http://schemas.microsoft.com/office/powerpoint/2010/main" val="1260122381"/>
+        <p14:creationId xmlns:p14="http://schemas.microsoft.com/office/powerpoint/2010/main" val="764757463"/>
       </p:ext>
     </p:extLst>
   </p:cSld>
@@ -6193,100 +6173,27 @@
           <a:p>
             <a:r>
               <a:rPr lang="de-DE" dirty="0"/>
-              <a:t>Im Laufe der Zeit kommen wahrscheinlich neue Ideen für die Preisgestaltung hinzu:</a:t>
-            </a:r>
-          </a:p>
-          <a:p>
-            <a:pPr marL="171450" indent="-171450">
-              <a:buFont typeface="Arial" panose="020B0604020202020204" pitchFamily="34" charset="0"/>
-              <a:buChar char="•"/>
-            </a:pPr>
-            <a:r>
-              <a:rPr lang="de-DE" dirty="0"/>
-              <a:t>zusätzliche Verpackungskosten, z.B. für Geschenkverpackung</a:t>
-            </a:r>
-          </a:p>
-          <a:p>
-            <a:pPr marL="171450" indent="-171450">
-              <a:buFont typeface="Arial" panose="020B0604020202020204" pitchFamily="34" charset="0"/>
-              <a:buChar char="•"/>
-            </a:pPr>
-            <a:r>
-              <a:rPr lang="de-DE" dirty="0"/>
-              <a:t>Rabatte für Großkunden</a:t>
-            </a:r>
-          </a:p>
-          <a:p>
-            <a:pPr marL="171450" indent="-171450">
-              <a:buFont typeface="Arial" panose="020B0604020202020204" pitchFamily="34" charset="0"/>
-              <a:buChar char="•"/>
-            </a:pPr>
-            <a:r>
-              <a:rPr lang="de-DE" dirty="0"/>
-              <a:t>Spezielle </a:t>
+              <a:t>Mit Hilfe von </a:t>
             </a:r>
             <a:r>
               <a:rPr lang="de-DE" dirty="0" err="1"/>
-              <a:t>Promotionangebote</a:t>
-            </a:r>
-            <a:r>
-              <a:rPr lang="de-DE" dirty="0"/>
-              <a:t>, die nur eine bestimmte Zeit lang gültig sind</a:t>
-            </a:r>
-          </a:p>
-          <a:p>
-            <a:pPr marL="171450" indent="-171450">
-              <a:buFont typeface="Arial" panose="020B0604020202020204" pitchFamily="34" charset="0"/>
-              <a:buChar char="•"/>
-            </a:pPr>
-            <a:r>
-              <a:rPr lang="de-DE" dirty="0"/>
-              <a:t>Mindermengenzuschlag für geringe Bestellmengen, weil es zu teuer ist, wegen einer einzelnen Schraube ins Lager zu fahren</a:t>
-            </a:r>
-          </a:p>
-          <a:p>
-            <a:pPr marL="171450" indent="-171450">
-              <a:buFont typeface="Arial" panose="020B0604020202020204" pitchFamily="34" charset="0"/>
-              <a:buChar char="•"/>
-            </a:pPr>
-            <a:r>
-              <a:rPr lang="de-DE" dirty="0"/>
-              <a:t>Sonderkonditionen für einzelne Kunden</a:t>
-            </a:r>
-          </a:p>
-          <a:p>
-            <a:pPr marL="171450" indent="-171450">
-              <a:buFont typeface="Arial" panose="020B0604020202020204" pitchFamily="34" charset="0"/>
-              <a:buChar char="•"/>
-            </a:pPr>
-            <a:r>
-              <a:rPr lang="de-DE" dirty="0"/>
-              <a:t>Aufpreis für umständliche Bezahlsysteme wie z.B. Nachnahme</a:t>
-            </a:r>
-          </a:p>
-          <a:p>
-            <a:pPr marL="171450" indent="-171450">
-              <a:buFont typeface="Arial" panose="020B0604020202020204" pitchFamily="34" charset="0"/>
-              <a:buChar char="•"/>
-            </a:pPr>
-            <a:r>
-              <a:rPr lang="de-DE" dirty="0"/>
-              <a:t>Eventuell gesetzliche Vorgaben wie eine Umweltabgabe</a:t>
-            </a:r>
-          </a:p>
-          <a:p>
-            <a:endParaRPr lang="de-DE" dirty="0"/>
-          </a:p>
-          <a:p>
-            <a:r>
-              <a:rPr lang="de-DE" dirty="0"/>
-              <a:t>Ist es klug, die ganzen Möglichkeiten und Kombinationen davon in einer Methode zu programmieren?</a:t>
-            </a:r>
-          </a:p>
-          <a:p>
-            <a:r>
-              <a:rPr lang="de-DE" dirty="0"/>
-              <a:t>Was soll passieren, wenn gleichzeitig Angaben für Volkswagen und Porsche gemacht werden? Ist Volkswagen nicht immer ein Großkunde?</a:t>
+              <a:t>Callbacks</a:t>
+            </a:r>
+            <a:r>
+              <a:rPr lang="de-DE" dirty="0"/>
+              <a:t> lässt sich das Problem lösen: der Button ist fertig programmiert. </a:t>
+            </a:r>
+          </a:p>
+          <a:p>
+            <a:r>
+              <a:rPr lang="de-DE" dirty="0"/>
+              <a:t>Man kann ihm aber ein Verhalten in Form einer Methode oder Funktion mitgeben, so dass bei jedem Button eine andere Funktion ausgeführt wird.</a:t>
+            </a:r>
+          </a:p>
+          <a:p>
+            <a:r>
+              <a:rPr lang="de-DE" dirty="0"/>
+              <a:t>Das schauen wir uns jetzt mal anhand der Preisberechnung an, ohne dass wir eine Flutter App mit Buttons entwickeln müssen.</a:t>
             </a:r>
           </a:p>
         </p:txBody>
@@ -6309,7 +6216,7 @@
             <a:fld id="{927DBD90-B360-417B-B4B3-F05A4AFC1996}" type="slidenum">
               <a:rPr lang="de-DE" smtClean="0"/>
               <a:pPr/>
-              <a:t>67</a:t>
+              <a:t>66</a:t>
             </a:fld>
             <a:endParaRPr lang="de-DE"/>
           </a:p>
@@ -6318,7 +6225,7 @@
     </p:spTree>
     <p:extLst>
       <p:ext uri="{BB962C8B-B14F-4D97-AF65-F5344CB8AC3E}">
-        <p14:creationId xmlns:p14="http://schemas.microsoft.com/office/powerpoint/2010/main" val="862302093"/>
+        <p14:creationId xmlns:p14="http://schemas.microsoft.com/office/powerpoint/2010/main" val="1260122381"/>
       </p:ext>
     </p:extLst>
   </p:cSld>
@@ -6476,7 +6383,103 @@
           <a:bodyPr/>
           <a:lstStyle/>
           <a:p>
+            <a:r>
+              <a:rPr lang="de-DE" dirty="0"/>
+              <a:t>Im Laufe der Zeit kommen wahrscheinlich neue Ideen für die Preisgestaltung hinzu:</a:t>
+            </a:r>
+          </a:p>
+          <a:p>
+            <a:pPr marL="171450" indent="-171450">
+              <a:buFont typeface="Arial" panose="020B0604020202020204" pitchFamily="34" charset="0"/>
+              <a:buChar char="•"/>
+            </a:pPr>
+            <a:r>
+              <a:rPr lang="de-DE" dirty="0"/>
+              <a:t>zusätzliche Verpackungskosten, z.B. für Geschenkverpackung</a:t>
+            </a:r>
+          </a:p>
+          <a:p>
+            <a:pPr marL="171450" indent="-171450">
+              <a:buFont typeface="Arial" panose="020B0604020202020204" pitchFamily="34" charset="0"/>
+              <a:buChar char="•"/>
+            </a:pPr>
+            <a:r>
+              <a:rPr lang="de-DE" dirty="0"/>
+              <a:t>Rabatte für Großkunden</a:t>
+            </a:r>
+          </a:p>
+          <a:p>
+            <a:pPr marL="171450" indent="-171450">
+              <a:buFont typeface="Arial" panose="020B0604020202020204" pitchFamily="34" charset="0"/>
+              <a:buChar char="•"/>
+            </a:pPr>
+            <a:r>
+              <a:rPr lang="de-DE" dirty="0"/>
+              <a:t>Spezielle </a:t>
+            </a:r>
+            <a:r>
+              <a:rPr lang="de-DE" dirty="0" err="1"/>
+              <a:t>Promotionangebote</a:t>
+            </a:r>
+            <a:r>
+              <a:rPr lang="de-DE" dirty="0"/>
+              <a:t>, die nur eine bestimmte Zeit lang gültig sind</a:t>
+            </a:r>
+          </a:p>
+          <a:p>
+            <a:pPr marL="171450" indent="-171450">
+              <a:buFont typeface="Arial" panose="020B0604020202020204" pitchFamily="34" charset="0"/>
+              <a:buChar char="•"/>
+            </a:pPr>
+            <a:r>
+              <a:rPr lang="de-DE" dirty="0"/>
+              <a:t>Mindermengenzuschlag für geringe Bestellmengen, weil es zu teuer ist, wegen einer einzelnen Schraube ins Lager zu fahren</a:t>
+            </a:r>
+          </a:p>
+          <a:p>
+            <a:pPr marL="171450" indent="-171450">
+              <a:buFont typeface="Arial" panose="020B0604020202020204" pitchFamily="34" charset="0"/>
+              <a:buChar char="•"/>
+            </a:pPr>
+            <a:r>
+              <a:rPr lang="de-DE" dirty="0"/>
+              <a:t>Sonderkonditionen für einzelne Kunden</a:t>
+            </a:r>
+          </a:p>
+          <a:p>
+            <a:pPr marL="171450" indent="-171450">
+              <a:buFont typeface="Arial" panose="020B0604020202020204" pitchFamily="34" charset="0"/>
+              <a:buChar char="•"/>
+            </a:pPr>
+            <a:r>
+              <a:rPr lang="de-DE" dirty="0"/>
+              <a:t>Aufpreis für umständliche Bezahlsysteme wie z.B. Nachnahme</a:t>
+            </a:r>
+          </a:p>
+          <a:p>
+            <a:pPr marL="171450" indent="-171450">
+              <a:buFont typeface="Arial" panose="020B0604020202020204" pitchFamily="34" charset="0"/>
+              <a:buChar char="•"/>
+            </a:pPr>
+            <a:r>
+              <a:rPr lang="de-DE" dirty="0"/>
+              <a:t>Eventuell gesetzliche Vorgaben wie eine Umweltabgabe</a:t>
+            </a:r>
+          </a:p>
+          <a:p>
             <a:endParaRPr lang="de-DE" dirty="0"/>
+          </a:p>
+          <a:p>
+            <a:r>
+              <a:rPr lang="de-DE" dirty="0"/>
+              <a:t>Ist es klug, die ganzen Möglichkeiten und Kombinationen davon in einer Methode zu programmieren?</a:t>
+            </a:r>
+          </a:p>
+          <a:p>
+            <a:r>
+              <a:rPr lang="de-DE" dirty="0"/>
+              <a:t>Was soll passieren, wenn gleichzeitig Angaben für Volkswagen und Porsche gemacht werden? Ist Volkswagen nicht immer ein Großkunde?</a:t>
+            </a:r>
           </a:p>
         </p:txBody>
       </p:sp>
@@ -6498,7 +6501,7 @@
             <a:fld id="{927DBD90-B360-417B-B4B3-F05A4AFC1996}" type="slidenum">
               <a:rPr lang="de-DE" smtClean="0"/>
               <a:pPr/>
-              <a:t>68</a:t>
+              <a:t>67</a:t>
             </a:fld>
             <a:endParaRPr lang="de-DE"/>
           </a:p>
@@ -6507,7 +6510,7 @@
     </p:spTree>
     <p:extLst>
       <p:ext uri="{BB962C8B-B14F-4D97-AF65-F5344CB8AC3E}">
-        <p14:creationId xmlns:p14="http://schemas.microsoft.com/office/powerpoint/2010/main" val="2106690706"/>
+        <p14:creationId xmlns:p14="http://schemas.microsoft.com/office/powerpoint/2010/main" val="862302093"/>
       </p:ext>
     </p:extLst>
   </p:cSld>
@@ -6566,14 +6569,6 @@
           <a:bodyPr/>
           <a:lstStyle/>
           <a:p>
-            <a:r>
-              <a:rPr lang="de-DE" dirty="0"/>
-              <a:t>Lösung:</a:t>
-            </a:r>
-            <a:r>
-              <a:rPr lang="de-DE" baseline="0" dirty="0"/>
-              <a:t> 376.9</a:t>
-            </a:r>
             <a:endParaRPr lang="de-DE" dirty="0"/>
           </a:p>
         </p:txBody>
@@ -6596,7 +6591,7 @@
             <a:fld id="{927DBD90-B360-417B-B4B3-F05A4AFC1996}" type="slidenum">
               <a:rPr lang="de-DE" smtClean="0"/>
               <a:pPr/>
-              <a:t>69</a:t>
+              <a:t>68</a:t>
             </a:fld>
             <a:endParaRPr lang="de-DE"/>
           </a:p>
@@ -6605,7 +6600,7 @@
     </p:spTree>
     <p:extLst>
       <p:ext uri="{BB962C8B-B14F-4D97-AF65-F5344CB8AC3E}">
-        <p14:creationId xmlns:p14="http://schemas.microsoft.com/office/powerpoint/2010/main" val="120431842"/>
+        <p14:creationId xmlns:p14="http://schemas.microsoft.com/office/powerpoint/2010/main" val="2106690706"/>
       </p:ext>
     </p:extLst>
   </p:cSld>
@@ -6666,39 +6661,13 @@
           <a:p>
             <a:r>
               <a:rPr lang="de-DE" dirty="0"/>
-              <a:t>Lösung</a:t>
-            </a:r>
-            <a:endParaRPr lang="de-DE" baseline="0" dirty="0"/>
-          </a:p>
-          <a:p>
+              <a:t>Lösung:</a:t>
+            </a:r>
             <a:r>
               <a:rPr lang="de-DE" baseline="0" dirty="0"/>
-              <a:t>Kein Rabatt -&gt;	376.9</a:t>
-            </a:r>
-          </a:p>
-          <a:p>
-            <a:r>
-              <a:rPr lang="de-DE" baseline="0" dirty="0"/>
-              <a:t>2% Skonto -&gt;	369.75999</a:t>
-            </a:r>
-          </a:p>
-          <a:p>
-            <a:r>
-              <a:rPr lang="de-DE" baseline="0" dirty="0"/>
-              <a:t>VW:</a:t>
-            </a:r>
-          </a:p>
-          <a:p>
-            <a:r>
-              <a:rPr lang="de-DE" baseline="0" dirty="0"/>
-              <a:t> - netto=300 -&gt; 362.61999</a:t>
-            </a:r>
-          </a:p>
-          <a:p>
-            <a:r>
-              <a:rPr lang="de-DE" baseline="0" dirty="0"/>
-              <a:t> - netto=10000 -&gt; 11205.9</a:t>
-            </a:r>
+              <a:t> 376.9</a:t>
+            </a:r>
+            <a:endParaRPr lang="de-DE" dirty="0"/>
           </a:p>
         </p:txBody>
       </p:sp>
@@ -6720,7 +6689,7 @@
             <a:fld id="{927DBD90-B360-417B-B4B3-F05A4AFC1996}" type="slidenum">
               <a:rPr lang="de-DE" smtClean="0"/>
               <a:pPr/>
-              <a:t>70</a:t>
+              <a:t>69</a:t>
             </a:fld>
             <a:endParaRPr lang="de-DE"/>
           </a:p>
@@ -6729,7 +6698,7 @@
     </p:spTree>
     <p:extLst>
       <p:ext uri="{BB962C8B-B14F-4D97-AF65-F5344CB8AC3E}">
-        <p14:creationId xmlns:p14="http://schemas.microsoft.com/office/powerpoint/2010/main" val="2507354862"/>
+        <p14:creationId xmlns:p14="http://schemas.microsoft.com/office/powerpoint/2010/main" val="120431842"/>
       </p:ext>
     </p:extLst>
   </p:cSld>
@@ -6790,7 +6759,38 @@
           <a:p>
             <a:r>
               <a:rPr lang="de-DE" dirty="0"/>
-              <a:t>Frage an die Teilnehmer: was wäre eine Lösung?</a:t>
+              <a:t>Lösung</a:t>
+            </a:r>
+            <a:endParaRPr lang="de-DE" baseline="0" dirty="0"/>
+          </a:p>
+          <a:p>
+            <a:r>
+              <a:rPr lang="de-DE" baseline="0" dirty="0"/>
+              <a:t>Kein Rabatt -&gt;	376.9</a:t>
+            </a:r>
+          </a:p>
+          <a:p>
+            <a:r>
+              <a:rPr lang="de-DE" baseline="0" dirty="0"/>
+              <a:t>2% Skonto -&gt;	369.75999</a:t>
+            </a:r>
+          </a:p>
+          <a:p>
+            <a:r>
+              <a:rPr lang="de-DE" baseline="0" dirty="0"/>
+              <a:t>VW:</a:t>
+            </a:r>
+          </a:p>
+          <a:p>
+            <a:r>
+              <a:rPr lang="de-DE" baseline="0" dirty="0"/>
+              <a:t> - netto=300 -&gt; 362.61999</a:t>
+            </a:r>
+          </a:p>
+          <a:p>
+            <a:r>
+              <a:rPr lang="de-DE" baseline="0" dirty="0"/>
+              <a:t> - netto=10000 -&gt; 11205.9</a:t>
             </a:r>
           </a:p>
         </p:txBody>
@@ -6813,7 +6813,7 @@
             <a:fld id="{927DBD90-B360-417B-B4B3-F05A4AFC1996}" type="slidenum">
               <a:rPr lang="de-DE" smtClean="0"/>
               <a:pPr/>
-              <a:t>71</a:t>
+              <a:t>70</a:t>
             </a:fld>
             <a:endParaRPr lang="de-DE"/>
           </a:p>
@@ -6822,7 +6822,7 @@
     </p:spTree>
     <p:extLst>
       <p:ext uri="{BB962C8B-B14F-4D97-AF65-F5344CB8AC3E}">
-        <p14:creationId xmlns:p14="http://schemas.microsoft.com/office/powerpoint/2010/main" val="1775610637"/>
+        <p14:creationId xmlns:p14="http://schemas.microsoft.com/office/powerpoint/2010/main" val="2507354862"/>
       </p:ext>
     </p:extLst>
   </p:cSld>
@@ -6881,7 +6881,10 @@
           <a:bodyPr/>
           <a:lstStyle/>
           <a:p>
-            <a:endParaRPr lang="de-DE" dirty="0"/>
+            <a:r>
+              <a:rPr lang="de-DE" dirty="0"/>
+              <a:t>Frage an die Teilnehmer: was wäre eine Lösung?</a:t>
+            </a:r>
           </a:p>
         </p:txBody>
       </p:sp>
@@ -6903,7 +6906,7 @@
             <a:fld id="{927DBD90-B360-417B-B4B3-F05A4AFC1996}" type="slidenum">
               <a:rPr lang="de-DE" smtClean="0"/>
               <a:pPr/>
-              <a:t>72</a:t>
+              <a:t>71</a:t>
             </a:fld>
             <a:endParaRPr lang="de-DE"/>
           </a:p>
@@ -6912,7 +6915,7 @@
     </p:spTree>
     <p:extLst>
       <p:ext uri="{BB962C8B-B14F-4D97-AF65-F5344CB8AC3E}">
-        <p14:creationId xmlns:p14="http://schemas.microsoft.com/office/powerpoint/2010/main" val="748185437"/>
+        <p14:creationId xmlns:p14="http://schemas.microsoft.com/office/powerpoint/2010/main" val="1775610637"/>
       </p:ext>
     </p:extLst>
   </p:cSld>
@@ -6993,7 +6996,7 @@
             <a:fld id="{927DBD90-B360-417B-B4B3-F05A4AFC1996}" type="slidenum">
               <a:rPr lang="de-DE" smtClean="0"/>
               <a:pPr/>
-              <a:t>73</a:t>
+              <a:t>72</a:t>
             </a:fld>
             <a:endParaRPr lang="de-DE"/>
           </a:p>
@@ -7002,7 +7005,7 @@
     </p:spTree>
     <p:extLst>
       <p:ext uri="{BB962C8B-B14F-4D97-AF65-F5344CB8AC3E}">
-        <p14:creationId xmlns:p14="http://schemas.microsoft.com/office/powerpoint/2010/main" val="1244336510"/>
+        <p14:creationId xmlns:p14="http://schemas.microsoft.com/office/powerpoint/2010/main" val="748185437"/>
       </p:ext>
     </p:extLst>
   </p:cSld>
@@ -7061,53 +7064,7 @@
           <a:bodyPr/>
           <a:lstStyle/>
           <a:p>
-            <a:r>
-              <a:rPr lang="de-DE" dirty="0"/>
-              <a:t>Bei der Funktion müssen wir den Rückgabewert angeben (hier: </a:t>
-            </a:r>
-            <a:r>
-              <a:rPr lang="de-DE" dirty="0" err="1"/>
-              <a:t>int</a:t>
-            </a:r>
-            <a:r>
-              <a:rPr lang="de-DE" dirty="0"/>
-              <a:t>), beim Lambda nicht (</a:t>
-            </a:r>
-            <a:r>
-              <a:rPr lang="de-DE" dirty="0" err="1"/>
-              <a:t>var</a:t>
-            </a:r>
-            <a:r>
-              <a:rPr lang="de-DE" dirty="0"/>
-              <a:t> ist der Typ der Variable, nicht der Rückgabetyp der Funktion).</a:t>
-            </a:r>
-          </a:p>
-          <a:p>
-            <a:r>
-              <a:rPr lang="de-DE" dirty="0"/>
-              <a:t>Beim Lambda brauchen wir einen Stichpunkt (grün), um die Zuweisung (auch grün) abzuschließen. Bei der Funktion brauchen wir keinen Strichpunkt am Ende. Das Ende der Funktion ist die geschweifte Klammer.</a:t>
-            </a:r>
-          </a:p>
-          <a:p>
-            <a:r>
-              <a:rPr lang="de-DE" dirty="0"/>
-              <a:t>Beim Verwenden des Lambdas setzen wir Klammern wie bei einem Funktionsaufruf (lila).</a:t>
-            </a:r>
-          </a:p>
-          <a:p>
             <a:endParaRPr lang="de-DE" dirty="0"/>
-          </a:p>
-          <a:p>
-            <a:r>
-              <a:rPr lang="de-DE" dirty="0"/>
-              <a:t>Bis jetzt haben wir noch nichts gewonnen. Das Lambda verhält sich genau wie eine Funktion.</a:t>
-            </a:r>
-          </a:p>
-          <a:p>
-            <a:r>
-              <a:rPr lang="de-DE" dirty="0"/>
-              <a:t>Wir wollten ja ein Problem lösen, nämlich den Zugriff auf lokale Variablen.</a:t>
-            </a:r>
           </a:p>
         </p:txBody>
       </p:sp>
@@ -7129,7 +7086,7 @@
             <a:fld id="{927DBD90-B360-417B-B4B3-F05A4AFC1996}" type="slidenum">
               <a:rPr lang="de-DE" smtClean="0"/>
               <a:pPr/>
-              <a:t>74</a:t>
+              <a:t>73</a:t>
             </a:fld>
             <a:endParaRPr lang="de-DE"/>
           </a:p>
@@ -7138,7 +7095,7 @@
     </p:spTree>
     <p:extLst>
       <p:ext uri="{BB962C8B-B14F-4D97-AF65-F5344CB8AC3E}">
-        <p14:creationId xmlns:p14="http://schemas.microsoft.com/office/powerpoint/2010/main" val="487843608"/>
+        <p14:creationId xmlns:p14="http://schemas.microsoft.com/office/powerpoint/2010/main" val="1244336510"/>
       </p:ext>
     </p:extLst>
   </p:cSld>
@@ -7199,7 +7156,50 @@
           <a:p>
             <a:r>
               <a:rPr lang="de-DE" dirty="0"/>
-              <a:t>Das schöne ist nun, dass wir innerhalb des Lambdas auf lokale Variablen zugreifen können, die außerhalb der Funktion definiert sind.</a:t>
+              <a:t>Bei der Funktion müssen wir den Rückgabewert angeben (hier: </a:t>
+            </a:r>
+            <a:r>
+              <a:rPr lang="de-DE" dirty="0" err="1"/>
+              <a:t>int</a:t>
+            </a:r>
+            <a:r>
+              <a:rPr lang="de-DE" dirty="0"/>
+              <a:t>), beim Lambda nicht (</a:t>
+            </a:r>
+            <a:r>
+              <a:rPr lang="de-DE" dirty="0" err="1"/>
+              <a:t>var</a:t>
+            </a:r>
+            <a:r>
+              <a:rPr lang="de-DE" dirty="0"/>
+              <a:t> ist der Typ der Variable, nicht der Rückgabetyp der Funktion).</a:t>
+            </a:r>
+          </a:p>
+          <a:p>
+            <a:r>
+              <a:rPr lang="de-DE" dirty="0"/>
+              <a:t>Beim Lambda brauchen wir einen Stichpunkt (grün), um die Zuweisung (auch grün) abzuschließen. Bei der Funktion brauchen wir keinen Strichpunkt am Ende. Das Ende der Funktion ist die geschweifte Klammer.</a:t>
+            </a:r>
+          </a:p>
+          <a:p>
+            <a:r>
+              <a:rPr lang="de-DE" dirty="0"/>
+              <a:t>Beim Verwenden des Lambdas setzen wir Klammern wie bei einem Funktionsaufruf (lila).</a:t>
+            </a:r>
+          </a:p>
+          <a:p>
+            <a:endParaRPr lang="de-DE" dirty="0"/>
+          </a:p>
+          <a:p>
+            <a:r>
+              <a:rPr lang="de-DE" dirty="0"/>
+              <a:t>Bis jetzt haben wir noch nichts gewonnen. Das Lambda verhält sich genau wie eine Funktion.</a:t>
+            </a:r>
+          </a:p>
+          <a:p>
+            <a:r>
+              <a:rPr lang="de-DE" dirty="0"/>
+              <a:t>Wir wollten ja ein Problem lösen, nämlich den Zugriff auf lokale Variablen.</a:t>
             </a:r>
           </a:p>
         </p:txBody>
@@ -7222,7 +7222,7 @@
             <a:fld id="{927DBD90-B360-417B-B4B3-F05A4AFC1996}" type="slidenum">
               <a:rPr lang="de-DE" smtClean="0"/>
               <a:pPr/>
-              <a:t>75</a:t>
+              <a:t>74</a:t>
             </a:fld>
             <a:endParaRPr lang="de-DE"/>
           </a:p>
@@ -7231,7 +7231,7 @@
     </p:spTree>
     <p:extLst>
       <p:ext uri="{BB962C8B-B14F-4D97-AF65-F5344CB8AC3E}">
-        <p14:creationId xmlns:p14="http://schemas.microsoft.com/office/powerpoint/2010/main" val="4179338695"/>
+        <p14:creationId xmlns:p14="http://schemas.microsoft.com/office/powerpoint/2010/main" val="487843608"/>
       </p:ext>
     </p:extLst>
   </p:cSld>
@@ -7292,40 +7292,7 @@
           <a:p>
             <a:r>
               <a:rPr lang="de-DE" dirty="0"/>
-              <a:t>Wir werden beim Programmieren unserer Flutter App über ein weiteres Konzept stolpern, um das wir nicht herumkommen.</a:t>
-            </a:r>
-          </a:p>
-          <a:p>
-            <a:r>
-              <a:rPr lang="de-DE" dirty="0"/>
-              <a:t>Es handelt sich hierbei um ein sehr fortgeschrittenes Konzept, das einiges an Überlegung erfordert.</a:t>
-            </a:r>
-          </a:p>
-          <a:p>
-            <a:r>
-              <a:rPr lang="de-DE" dirty="0"/>
-              <a:t>Wir werden es nicht ausführlich behandeln und die stattdessen die Wartezeiten in Kauf nehmen.</a:t>
-            </a:r>
-          </a:p>
-          <a:p>
-            <a:endParaRPr lang="de-DE" dirty="0"/>
-          </a:p>
-          <a:p>
-            <a:r>
-              <a:rPr lang="de-DE" dirty="0"/>
-              <a:t>Aufgaben, bei denen es eine längere Wartezeit gibt, können im Hintergrund ausgeführt werden. </a:t>
-            </a:r>
-          </a:p>
-          <a:p>
-            <a:r>
-              <a:rPr lang="de-DE" dirty="0"/>
-              <a:t>Das hat den Vorteil, dass während der Wartezeit noch etwas anderes berechnet werden kann.</a:t>
-            </a:r>
-          </a:p>
-          <a:p>
-            <a:r>
-              <a:rPr lang="de-DE" dirty="0"/>
-              <a:t>Insgesamt kann das die Ausführungszeit deutlich beschleunigen, wie im Bild zu sehen.</a:t>
+              <a:t>Das schöne ist nun, dass wir innerhalb des Lambdas auf lokale Variablen zugreifen können, die außerhalb der Funktion definiert sind.</a:t>
             </a:r>
           </a:p>
         </p:txBody>
@@ -7348,7 +7315,7 @@
             <a:fld id="{927DBD90-B360-417B-B4B3-F05A4AFC1996}" type="slidenum">
               <a:rPr lang="de-DE" smtClean="0"/>
               <a:pPr/>
-              <a:t>77</a:t>
+              <a:t>75</a:t>
             </a:fld>
             <a:endParaRPr lang="de-DE"/>
           </a:p>
@@ -7357,7 +7324,7 @@
     </p:spTree>
     <p:extLst>
       <p:ext uri="{BB962C8B-B14F-4D97-AF65-F5344CB8AC3E}">
-        <p14:creationId xmlns:p14="http://schemas.microsoft.com/office/powerpoint/2010/main" val="1689404465"/>
+        <p14:creationId xmlns:p14="http://schemas.microsoft.com/office/powerpoint/2010/main" val="4179338695"/>
       </p:ext>
     </p:extLst>
   </p:cSld>
@@ -7416,7 +7383,43 @@
           <a:bodyPr/>
           <a:lstStyle/>
           <a:p>
+            <a:r>
+              <a:rPr lang="de-DE" dirty="0"/>
+              <a:t>Wir werden beim Programmieren unserer Flutter App über ein weiteres Konzept stolpern, um das wir nicht herumkommen.</a:t>
+            </a:r>
+          </a:p>
+          <a:p>
+            <a:r>
+              <a:rPr lang="de-DE" dirty="0"/>
+              <a:t>Es handelt sich hierbei um ein sehr fortgeschrittenes Konzept, das einiges an Überlegung erfordert.</a:t>
+            </a:r>
+          </a:p>
+          <a:p>
+            <a:r>
+              <a:rPr lang="de-DE" dirty="0"/>
+              <a:t>Wir werden es nicht ausführlich behandeln und die stattdessen die Wartezeiten in Kauf nehmen.</a:t>
+            </a:r>
+          </a:p>
+          <a:p>
             <a:endParaRPr lang="de-DE" dirty="0"/>
+          </a:p>
+          <a:p>
+            <a:r>
+              <a:rPr lang="de-DE" dirty="0"/>
+              <a:t>Aufgaben, bei denen es eine längere Wartezeit gibt, können im Hintergrund ausgeführt werden. </a:t>
+            </a:r>
+          </a:p>
+          <a:p>
+            <a:r>
+              <a:rPr lang="de-DE" dirty="0"/>
+              <a:t>Das hat den Vorteil, dass während der Wartezeit noch etwas anderes berechnet werden kann.</a:t>
+            </a:r>
+          </a:p>
+          <a:p>
+            <a:r>
+              <a:rPr lang="de-DE" dirty="0"/>
+              <a:t>Insgesamt kann das die Ausführungszeit deutlich beschleunigen, wie im Bild zu sehen.</a:t>
+            </a:r>
           </a:p>
         </p:txBody>
       </p:sp>
@@ -7438,7 +7441,7 @@
             <a:fld id="{927DBD90-B360-417B-B4B3-F05A4AFC1996}" type="slidenum">
               <a:rPr lang="de-DE" smtClean="0"/>
               <a:pPr/>
-              <a:t>78</a:t>
+              <a:t>77</a:t>
             </a:fld>
             <a:endParaRPr lang="de-DE"/>
           </a:p>
@@ -7447,7 +7450,7 @@
     </p:spTree>
     <p:extLst>
       <p:ext uri="{BB962C8B-B14F-4D97-AF65-F5344CB8AC3E}">
-        <p14:creationId xmlns:p14="http://schemas.microsoft.com/office/powerpoint/2010/main" val="3329960688"/>
+        <p14:creationId xmlns:p14="http://schemas.microsoft.com/office/powerpoint/2010/main" val="1689404465"/>
       </p:ext>
     </p:extLst>
   </p:cSld>
@@ -7629,26 +7632,7 @@
           <a:bodyPr/>
           <a:lstStyle/>
           <a:p>
-            <a:r>
-              <a:rPr lang="de-DE" dirty="0"/>
-              <a:t>Fazit: Wundert Euch nicht, wenn ab und zu </a:t>
-            </a:r>
-            <a:r>
-              <a:rPr lang="de-DE" dirty="0" err="1"/>
-              <a:t>async</a:t>
-            </a:r>
-            <a:r>
-              <a:rPr lang="de-DE" dirty="0"/>
-              <a:t> oder </a:t>
-            </a:r>
-            <a:r>
-              <a:rPr lang="de-DE" dirty="0" err="1"/>
-              <a:t>await</a:t>
-            </a:r>
-            <a:r>
-              <a:rPr lang="de-DE" dirty="0"/>
-              <a:t> steht oder es benötigt wird. Es hat mit Optimierungen zu tun, die uns im BOGY noch nicht interessieren. Das ist definitiv etwas, was man im Studium lernen kann.</a:t>
-            </a:r>
+            <a:endParaRPr lang="de-DE" dirty="0"/>
           </a:p>
         </p:txBody>
       </p:sp>
@@ -7670,7 +7654,7 @@
             <a:fld id="{927DBD90-B360-417B-B4B3-F05A4AFC1996}" type="slidenum">
               <a:rPr lang="de-DE" smtClean="0"/>
               <a:pPr/>
-              <a:t>79</a:t>
+              <a:t>78</a:t>
             </a:fld>
             <a:endParaRPr lang="de-DE"/>
           </a:p>
@@ -7679,7 +7663,7 @@
     </p:spTree>
     <p:extLst>
       <p:ext uri="{BB962C8B-B14F-4D97-AF65-F5344CB8AC3E}">
-        <p14:creationId xmlns:p14="http://schemas.microsoft.com/office/powerpoint/2010/main" val="2655934023"/>
+        <p14:creationId xmlns:p14="http://schemas.microsoft.com/office/powerpoint/2010/main" val="3329960688"/>
       </p:ext>
     </p:extLst>
   </p:cSld>
@@ -7740,49 +7724,24 @@
           <a:p>
             <a:r>
               <a:rPr lang="de-DE" dirty="0"/>
-              <a:t>Wenn wir das Konzept eines Objekts auf den Computer übertragen möchten, müssen wir nur ein paar Begriffe austauschen.</a:t>
-            </a:r>
-          </a:p>
-          <a:p>
-            <a:r>
-              <a:rPr lang="de-DE" dirty="0"/>
-              <a:t>Anstelle von Atomen bestehen Objekte im Computer aus Ladungen, also aus Elektronen, die irgendwo</a:t>
-            </a:r>
-            <a:r>
-              <a:rPr lang="de-DE" baseline="0" dirty="0"/>
-              <a:t> hingeschoben wurden.</a:t>
-            </a:r>
-          </a:p>
-          <a:p>
-            <a:r>
-              <a:rPr lang="de-DE" baseline="0" dirty="0"/>
-              <a:t>Die Position im Computer nennt sich Speicheradresse und der Speicherort ist nicht der 3D Raum, sondern der Arbeitsspeicher (RAM, </a:t>
-            </a:r>
-            <a:r>
-              <a:rPr lang="de-DE" baseline="0" dirty="0" err="1"/>
-              <a:t>random</a:t>
-            </a:r>
-            <a:r>
-              <a:rPr lang="de-DE" baseline="0" dirty="0"/>
-              <a:t> </a:t>
-            </a:r>
-            <a:r>
-              <a:rPr lang="de-DE" baseline="0" dirty="0" err="1"/>
-              <a:t>access</a:t>
-            </a:r>
-            <a:r>
-              <a:rPr lang="de-DE" baseline="0" dirty="0"/>
-              <a:t> </a:t>
-            </a:r>
-            <a:r>
-              <a:rPr lang="de-DE" baseline="0" dirty="0" err="1"/>
-              <a:t>memory</a:t>
-            </a:r>
-            <a:r>
-              <a:rPr lang="de-DE" baseline="0" dirty="0"/>
-              <a:t>).</a:t>
-            </a:r>
-            <a:endParaRPr lang="de-DE" dirty="0"/>
+              <a:t>Fazit: Wundert Euch nicht, wenn ab und zu </a:t>
+            </a:r>
+            <a:r>
+              <a:rPr lang="de-DE" dirty="0" err="1"/>
+              <a:t>async</a:t>
+            </a:r>
+            <a:r>
+              <a:rPr lang="de-DE" dirty="0"/>
+              <a:t> oder </a:t>
+            </a:r>
+            <a:r>
+              <a:rPr lang="de-DE" dirty="0" err="1"/>
+              <a:t>await</a:t>
+            </a:r>
+            <a:r>
+              <a:rPr lang="de-DE" dirty="0"/>
+              <a:t> steht oder es benötigt wird. Es hat mit Optimierungen zu tun, die uns im BOGY noch nicht interessieren. Das ist definitiv etwas, was man im Studium lernen kann.</a:t>
+            </a:r>
           </a:p>
         </p:txBody>
       </p:sp>
@@ -7793,7 +7752,7 @@
             <a:spLocks noGrp="1"/>
           </p:cNvSpPr>
           <p:nvPr>
-            <p:ph type="sldNum" sz="quarter" idx="10"/>
+            <p:ph type="sldNum" sz="quarter" idx="5"/>
           </p:nvPr>
         </p:nvSpPr>
         <p:spPr/>
@@ -7804,7 +7763,7 @@
             <a:fld id="{927DBD90-B360-417B-B4B3-F05A4AFC1996}" type="slidenum">
               <a:rPr lang="de-DE" smtClean="0"/>
               <a:pPr/>
-              <a:t>82</a:t>
+              <a:t>79</a:t>
             </a:fld>
             <a:endParaRPr lang="de-DE"/>
           </a:p>
@@ -7813,7 +7772,7 @@
     </p:spTree>
     <p:extLst>
       <p:ext uri="{BB962C8B-B14F-4D97-AF65-F5344CB8AC3E}">
-        <p14:creationId xmlns:p14="http://schemas.microsoft.com/office/powerpoint/2010/main" val="400525986"/>
+        <p14:creationId xmlns:p14="http://schemas.microsoft.com/office/powerpoint/2010/main" val="2655934023"/>
       </p:ext>
     </p:extLst>
   </p:cSld>
@@ -7874,17 +7833,47 @@
           <a:p>
             <a:r>
               <a:rPr lang="de-DE" dirty="0"/>
-              <a:t>Die Unterscheidung zwischen demselben</a:t>
+              <a:t>Wenn wir das Konzept eines Objekts auf den Computer übertragen möchten, müssen wir nur ein paar Begriffe austauschen.</a:t>
+            </a:r>
+          </a:p>
+          <a:p>
+            <a:r>
+              <a:rPr lang="de-DE" dirty="0"/>
+              <a:t>Anstelle von Atomen bestehen Objekte im Computer aus Ladungen, also aus Elektronen, die irgendwo</a:t>
             </a:r>
             <a:r>
               <a:rPr lang="de-DE" baseline="0" dirty="0"/>
-              <a:t> Baum und einem gleichen Baum ist deshalb so wichtig, weil sich Änderungen ggf. nur auf einen Beobachter auswirken.</a:t>
+              <a:t> hingeschoben wurden.</a:t>
             </a:r>
           </a:p>
           <a:p>
             <a:r>
               <a:rPr lang="de-DE" baseline="0" dirty="0"/>
-              <a:t>Falls man das Original noch benötigt und eine Kopie verändern möchte, muss sich der Programmierer darum kümmern, dass die Kopie erstellt wird.</a:t>
+              <a:t>Die Position im Computer nennt sich Speicheradresse und der Speicherort ist nicht der 3D Raum, sondern der Arbeitsspeicher (RAM, </a:t>
+            </a:r>
+            <a:r>
+              <a:rPr lang="de-DE" baseline="0" dirty="0" err="1"/>
+              <a:t>random</a:t>
+            </a:r>
+            <a:r>
+              <a:rPr lang="de-DE" baseline="0" dirty="0"/>
+              <a:t> </a:t>
+            </a:r>
+            <a:r>
+              <a:rPr lang="de-DE" baseline="0" dirty="0" err="1"/>
+              <a:t>access</a:t>
+            </a:r>
+            <a:r>
+              <a:rPr lang="de-DE" baseline="0" dirty="0"/>
+              <a:t> </a:t>
+            </a:r>
+            <a:r>
+              <a:rPr lang="de-DE" baseline="0" dirty="0" err="1"/>
+              <a:t>memory</a:t>
+            </a:r>
+            <a:r>
+              <a:rPr lang="de-DE" baseline="0" dirty="0"/>
+              <a:t>).</a:t>
             </a:r>
             <a:endParaRPr lang="de-DE" dirty="0"/>
           </a:p>
@@ -7908,7 +7897,7 @@
             <a:fld id="{927DBD90-B360-417B-B4B3-F05A4AFC1996}" type="slidenum">
               <a:rPr lang="de-DE" smtClean="0"/>
               <a:pPr/>
-              <a:t>87</a:t>
+              <a:t>82</a:t>
             </a:fld>
             <a:endParaRPr lang="de-DE"/>
           </a:p>
@@ -7917,7 +7906,7 @@
     </p:spTree>
     <p:extLst>
       <p:ext uri="{BB962C8B-B14F-4D97-AF65-F5344CB8AC3E}">
-        <p14:creationId xmlns:p14="http://schemas.microsoft.com/office/powerpoint/2010/main" val="2307363932"/>
+        <p14:creationId xmlns:p14="http://schemas.microsoft.com/office/powerpoint/2010/main" val="400525986"/>
       </p:ext>
     </p:extLst>
   </p:cSld>
@@ -7978,122 +7967,17 @@
           <a:p>
             <a:r>
               <a:rPr lang="de-DE" dirty="0"/>
-              <a:t>Das Beispiel</a:t>
+              <a:t>Die Unterscheidung zwischen demselben</a:t>
             </a:r>
             <a:r>
               <a:rPr lang="de-DE" baseline="0" dirty="0"/>
-              <a:t> des Objekts „Holztisch“ haben wir zuvor schon kennengelernt.</a:t>
+              <a:t> Baum und einem gleichen Baum ist deshalb so wichtig, weil sich Änderungen ggf. nur auf einen Beobachter auswirken.</a:t>
             </a:r>
           </a:p>
           <a:p>
             <a:r>
               <a:rPr lang="de-DE" baseline="0" dirty="0"/>
-              <a:t>Die Klasse „Tisch“ liefert die Definition aller möglichen Tische. Sie beschreibt in allgemeiner Form, wie ein Tisch aussieht, ohne konkrete Angaben zu einem bestimmten Tisch zu machen.</a:t>
-            </a:r>
-          </a:p>
-          <a:p>
-            <a:endParaRPr lang="de-DE" baseline="0" dirty="0"/>
-          </a:p>
-          <a:p>
-            <a:r>
-              <a:rPr lang="de-DE" baseline="0" dirty="0"/>
-              <a:t>Ein anderes Beispiel:</a:t>
-            </a:r>
-          </a:p>
-          <a:p>
-            <a:r>
-              <a:rPr lang="de-DE" baseline="0" dirty="0"/>
-              <a:t>Klasse „Hund“:</a:t>
-            </a:r>
-          </a:p>
-          <a:p>
-            <a:pPr marL="171450" indent="-171450">
-              <a:buFontTx/>
-              <a:buChar char="-"/>
-            </a:pPr>
-            <a:r>
-              <a:rPr lang="de-DE" baseline="0" dirty="0"/>
-              <a:t>Name des Hundes</a:t>
-            </a:r>
-          </a:p>
-          <a:p>
-            <a:pPr marL="171450" indent="-171450">
-              <a:buFontTx/>
-              <a:buChar char="-"/>
-            </a:pPr>
-            <a:r>
-              <a:rPr lang="de-DE" baseline="0" dirty="0"/>
-              <a:t>Geburtsdatum</a:t>
-            </a:r>
-          </a:p>
-          <a:p>
-            <a:pPr marL="171450" indent="-171450">
-              <a:buFontTx/>
-              <a:buChar char="-"/>
-            </a:pPr>
-            <a:r>
-              <a:rPr lang="de-DE" baseline="0" dirty="0"/>
-              <a:t>Fellfarbe</a:t>
-            </a:r>
-          </a:p>
-          <a:p>
-            <a:pPr marL="171450" indent="-171450">
-              <a:buFontTx/>
-              <a:buChar char="-"/>
-            </a:pPr>
-            <a:r>
-              <a:rPr lang="de-DE" baseline="0" dirty="0"/>
-              <a:t>Eigentümer</a:t>
-            </a:r>
-          </a:p>
-          <a:p>
-            <a:pPr marL="0" indent="0">
-              <a:buFontTx/>
-              <a:buNone/>
-            </a:pPr>
-            <a:r>
-              <a:rPr lang="de-DE" baseline="0" dirty="0"/>
-              <a:t>Objekt „Hund meiner Nachbarin“:</a:t>
-            </a:r>
-          </a:p>
-          <a:p>
-            <a:pPr marL="171450" indent="-171450">
-              <a:buFontTx/>
-              <a:buChar char="-"/>
-            </a:pPr>
-            <a:r>
-              <a:rPr lang="de-DE" baseline="0" dirty="0"/>
-              <a:t>Name des Hundes: Jenny</a:t>
-            </a:r>
-          </a:p>
-          <a:p>
-            <a:pPr marL="171450" indent="-171450">
-              <a:buFontTx/>
-              <a:buChar char="-"/>
-            </a:pPr>
-            <a:r>
-              <a:rPr lang="de-DE" baseline="0" dirty="0"/>
-              <a:t>Geburtsdatum: 3.6.2017</a:t>
-            </a:r>
-          </a:p>
-          <a:p>
-            <a:pPr marL="171450" indent="-171450">
-              <a:buFontTx/>
-              <a:buChar char="-"/>
-            </a:pPr>
-            <a:r>
-              <a:rPr lang="de-DE" baseline="0" dirty="0"/>
-              <a:t>Fellfarbe: schwarz</a:t>
-            </a:r>
-          </a:p>
-          <a:p>
-            <a:pPr marL="171450" indent="-171450">
-              <a:buFontTx/>
-              <a:buChar char="-"/>
-            </a:pPr>
-            <a:r>
-              <a:rPr lang="de-DE" baseline="0" dirty="0"/>
-              <a:t>Eigentümer: Andrea G.</a:t>
+              <a:t>Falls man das Original noch benötigt und eine Kopie verändern möchte, muss sich der Programmierer darum kümmern, dass die Kopie erstellt wird.</a:t>
             </a:r>
             <a:endParaRPr lang="de-DE" dirty="0"/>
           </a:p>
@@ -8117,7 +8001,7 @@
             <a:fld id="{927DBD90-B360-417B-B4B3-F05A4AFC1996}" type="slidenum">
               <a:rPr lang="de-DE" smtClean="0"/>
               <a:pPr/>
-              <a:t>88</a:t>
+              <a:t>87</a:t>
             </a:fld>
             <a:endParaRPr lang="de-DE"/>
           </a:p>
@@ -8126,7 +8010,7 @@
     </p:spTree>
     <p:extLst>
       <p:ext uri="{BB962C8B-B14F-4D97-AF65-F5344CB8AC3E}">
-        <p14:creationId xmlns:p14="http://schemas.microsoft.com/office/powerpoint/2010/main" val="4106862448"/>
+        <p14:creationId xmlns:p14="http://schemas.microsoft.com/office/powerpoint/2010/main" val="2307363932"/>
       </p:ext>
     </p:extLst>
   </p:cSld>
@@ -8185,17 +8069,74 @@
           <a:bodyPr/>
           <a:lstStyle/>
           <a:p>
+            <a:r>
+              <a:rPr lang="de-DE" dirty="0"/>
+              <a:t>Das Beispiel</a:t>
+            </a:r>
+            <a:r>
+              <a:rPr lang="de-DE" baseline="0" dirty="0"/>
+              <a:t> des Objekts „Holztisch“ haben wir zuvor schon kennengelernt.</a:t>
+            </a:r>
+          </a:p>
+          <a:p>
+            <a:r>
+              <a:rPr lang="de-DE" baseline="0" dirty="0"/>
+              <a:t>Die Klasse „Tisch“ liefert die Definition aller möglichen Tische. Sie beschreibt in allgemeiner Form, wie ein Tisch aussieht, ohne konkrete Angaben zu einem bestimmten Tisch zu machen.</a:t>
+            </a:r>
+          </a:p>
+          <a:p>
+            <a:endParaRPr lang="de-DE" baseline="0" dirty="0"/>
+          </a:p>
+          <a:p>
+            <a:r>
+              <a:rPr lang="de-DE" baseline="0" dirty="0"/>
+              <a:t>Ein anderes Beispiel:</a:t>
+            </a:r>
+          </a:p>
+          <a:p>
+            <a:r>
+              <a:rPr lang="de-DE" baseline="0" dirty="0"/>
+              <a:t>Klasse „Hund“:</a:t>
+            </a:r>
+          </a:p>
+          <a:p>
             <a:pPr marL="171450" indent="-171450">
               <a:buFontTx/>
               <a:buChar char="-"/>
             </a:pPr>
             <a:r>
-              <a:rPr lang="de-DE" dirty="0"/>
-              <a:t>Objekte („der Hund meiner Nachbarin“) werden klein</a:t>
-            </a:r>
-            <a:r>
               <a:rPr lang="de-DE" baseline="0" dirty="0"/>
-              <a:t> geschrieben, obwohl es sich um Substantive handelt.</a:t>
+              <a:t>Name des Hundes</a:t>
+            </a:r>
+          </a:p>
+          <a:p>
+            <a:pPr marL="171450" indent="-171450">
+              <a:buFontTx/>
+              <a:buChar char="-"/>
+            </a:pPr>
+            <a:r>
+              <a:rPr lang="de-DE" baseline="0" dirty="0"/>
+              <a:t>Geburtsdatum</a:t>
+            </a:r>
+          </a:p>
+          <a:p>
+            <a:pPr marL="171450" indent="-171450">
+              <a:buFontTx/>
+              <a:buChar char="-"/>
+            </a:pPr>
+            <a:r>
+              <a:rPr lang="de-DE" baseline="0" dirty="0"/>
+              <a:t>Fellfarbe</a:t>
+            </a:r>
+          </a:p>
+          <a:p>
+            <a:pPr marL="171450" indent="-171450">
+              <a:buFontTx/>
+              <a:buChar char="-"/>
+            </a:pPr>
+            <a:r>
+              <a:rPr lang="de-DE" baseline="0" dirty="0"/>
+              <a:t>Eigentümer</a:t>
             </a:r>
           </a:p>
           <a:p>
@@ -8205,42 +8146,47 @@
             </a:pPr>
             <a:r>
               <a:rPr lang="de-DE" baseline="0" dirty="0"/>
-              <a:t>Beispiel: </a:t>
-            </a:r>
-            <a:r>
-              <a:rPr lang="de-DE" baseline="0" dirty="0" err="1"/>
-              <a:t>jenny</a:t>
-            </a:r>
+              <a:t>Objekt „Hund meiner Nachbarin“:</a:t>
+            </a:r>
+          </a:p>
+          <a:p>
+            <a:pPr marL="171450" indent="-171450">
+              <a:buFontTx/>
+              <a:buChar char="-"/>
+            </a:pPr>
             <a:r>
               <a:rPr lang="de-DE" baseline="0" dirty="0"/>
-              <a:t> = Hund(„Jenny“, „3.6.2017“, „schwarz“, „Andrea G.“)</a:t>
-            </a:r>
-          </a:p>
-          <a:p>
-            <a:pPr marL="0" indent="0">
+              <a:t>Name des Hundes: Jenny</a:t>
+            </a:r>
+          </a:p>
+          <a:p>
+            <a:pPr marL="171450" indent="-171450">
               <a:buFontTx/>
-              <a:buNone/>
+              <a:buChar char="-"/>
             </a:pPr>
-            <a:endParaRPr lang="de-DE" baseline="0" dirty="0"/>
-          </a:p>
-          <a:p>
             <a:r>
               <a:rPr lang="de-DE" baseline="0" dirty="0"/>
-              <a:t>Ebenso Eigenschaften („Farbe des Hundes“), obwohl es sich auch um Substantive handelt.</a:t>
-            </a:r>
-          </a:p>
-          <a:p>
+              <a:t>Geburtsdatum: 3.6.2017</a:t>
+            </a:r>
+          </a:p>
+          <a:p>
+            <a:pPr marL="171450" indent="-171450">
+              <a:buFontTx/>
+              <a:buChar char="-"/>
+            </a:pPr>
             <a:r>
               <a:rPr lang="de-DE" baseline="0" dirty="0"/>
-              <a:t>Beispiel: </a:t>
-            </a:r>
-            <a:r>
-              <a:rPr lang="de-DE" baseline="0" dirty="0" err="1"/>
-              <a:t>jenny.farbe</a:t>
-            </a:r>
+              <a:t>Fellfarbe: schwarz</a:t>
+            </a:r>
+          </a:p>
+          <a:p>
+            <a:pPr marL="171450" indent="-171450">
+              <a:buFontTx/>
+              <a:buChar char="-"/>
+            </a:pPr>
             <a:r>
               <a:rPr lang="de-DE" baseline="0" dirty="0"/>
-              <a:t>=„schwarz“</a:t>
+              <a:t>Eigentümer: Andrea G.</a:t>
             </a:r>
             <a:endParaRPr lang="de-DE" dirty="0"/>
           </a:p>
@@ -8264,7 +8210,7 @@
             <a:fld id="{927DBD90-B360-417B-B4B3-F05A4AFC1996}" type="slidenum">
               <a:rPr lang="de-DE" smtClean="0"/>
               <a:pPr/>
-              <a:t>91</a:t>
+              <a:t>88</a:t>
             </a:fld>
             <a:endParaRPr lang="de-DE"/>
           </a:p>
@@ -8273,7 +8219,7 @@
     </p:spTree>
     <p:extLst>
       <p:ext uri="{BB962C8B-B14F-4D97-AF65-F5344CB8AC3E}">
-        <p14:creationId xmlns:p14="http://schemas.microsoft.com/office/powerpoint/2010/main" val="2522700346"/>
+        <p14:creationId xmlns:p14="http://schemas.microsoft.com/office/powerpoint/2010/main" val="4106862448"/>
       </p:ext>
     </p:extLst>
   </p:cSld>
@@ -8332,21 +8278,62 @@
           <a:bodyPr/>
           <a:lstStyle/>
           <a:p>
-            <a:r>
-              <a:rPr lang="de-DE" dirty="0"/>
-              <a:t>Operationen (auch: Funktionen, Methoden),</a:t>
+            <a:pPr marL="171450" indent="-171450">
+              <a:buFontTx/>
+              <a:buChar char="-"/>
+            </a:pPr>
+            <a:r>
+              <a:rPr lang="de-DE" dirty="0"/>
+              <a:t>Objekte („der Hund meiner Nachbarin“) werden klein</a:t>
             </a:r>
             <a:r>
               <a:rPr lang="de-DE" baseline="0" dirty="0"/>
-              <a:t> die spezifisch für eine Klasse oder ein Objekt sind, </a:t>
-            </a:r>
-            <a:r>
-              <a:rPr lang="de-DE" dirty="0"/>
-              <a:t>werden der Klasse untergeordnet,</a:t>
-            </a:r>
+              <a:t> geschrieben, obwohl es sich um Substantive handelt.</a:t>
+            </a:r>
+          </a:p>
+          <a:p>
+            <a:pPr marL="0" indent="0">
+              <a:buFontTx/>
+              <a:buNone/>
+            </a:pPr>
             <a:r>
               <a:rPr lang="de-DE" baseline="0" dirty="0"/>
-              <a:t> d.h. eingerückt.</a:t>
+              <a:t>Beispiel: </a:t>
+            </a:r>
+            <a:r>
+              <a:rPr lang="de-DE" baseline="0" dirty="0" err="1"/>
+              <a:t>jenny</a:t>
+            </a:r>
+            <a:r>
+              <a:rPr lang="de-DE" baseline="0" dirty="0"/>
+              <a:t> = Hund(„Jenny“, „3.6.2017“, „schwarz“, „Andrea G.“)</a:t>
+            </a:r>
+          </a:p>
+          <a:p>
+            <a:pPr marL="0" indent="0">
+              <a:buFontTx/>
+              <a:buNone/>
+            </a:pPr>
+            <a:endParaRPr lang="de-DE" baseline="0" dirty="0"/>
+          </a:p>
+          <a:p>
+            <a:r>
+              <a:rPr lang="de-DE" baseline="0" dirty="0"/>
+              <a:t>Ebenso Eigenschaften („Farbe des Hundes“), obwohl es sich auch um Substantive handelt.</a:t>
+            </a:r>
+          </a:p>
+          <a:p>
+            <a:r>
+              <a:rPr lang="de-DE" baseline="0" dirty="0"/>
+              <a:t>Beispiel: </a:t>
+            </a:r>
+            <a:r>
+              <a:rPr lang="de-DE" baseline="0" dirty="0" err="1"/>
+              <a:t>jenny.farbe</a:t>
+            </a:r>
+            <a:r>
+              <a:rPr lang="de-DE" baseline="0" dirty="0"/>
+              <a:t>=„schwarz“</a:t>
             </a:r>
             <a:endParaRPr lang="de-DE" dirty="0"/>
           </a:p>
@@ -8370,7 +8357,7 @@
             <a:fld id="{927DBD90-B360-417B-B4B3-F05A4AFC1996}" type="slidenum">
               <a:rPr lang="de-DE" smtClean="0"/>
               <a:pPr/>
-              <a:t>92</a:t>
+              <a:t>91</a:t>
             </a:fld>
             <a:endParaRPr lang="de-DE"/>
           </a:p>
@@ -8379,7 +8366,7 @@
     </p:spTree>
     <p:extLst>
       <p:ext uri="{BB962C8B-B14F-4D97-AF65-F5344CB8AC3E}">
-        <p14:creationId xmlns:p14="http://schemas.microsoft.com/office/powerpoint/2010/main" val="1989582938"/>
+        <p14:creationId xmlns:p14="http://schemas.microsoft.com/office/powerpoint/2010/main" val="2522700346"/>
       </p:ext>
     </p:extLst>
   </p:cSld>
@@ -8438,6 +8425,22 @@
           <a:bodyPr/>
           <a:lstStyle/>
           <a:p>
+            <a:r>
+              <a:rPr lang="de-DE" dirty="0"/>
+              <a:t>Operationen (auch: Funktionen, Methoden),</a:t>
+            </a:r>
+            <a:r>
+              <a:rPr lang="de-DE" baseline="0" dirty="0"/>
+              <a:t> die spezifisch für eine Klasse oder ein Objekt sind, </a:t>
+            </a:r>
+            <a:r>
+              <a:rPr lang="de-DE" dirty="0"/>
+              <a:t>werden der Klasse untergeordnet,</a:t>
+            </a:r>
+            <a:r>
+              <a:rPr lang="de-DE" baseline="0" dirty="0"/>
+              <a:t> d.h. eingerückt.</a:t>
+            </a:r>
             <a:endParaRPr lang="de-DE" dirty="0"/>
           </a:p>
         </p:txBody>
@@ -8460,7 +8463,7 @@
             <a:fld id="{927DBD90-B360-417B-B4B3-F05A4AFC1996}" type="slidenum">
               <a:rPr lang="de-DE" smtClean="0"/>
               <a:pPr/>
-              <a:t>93</a:t>
+              <a:t>92</a:t>
             </a:fld>
             <a:endParaRPr lang="de-DE"/>
           </a:p>
@@ -8469,7 +8472,7 @@
     </p:spTree>
     <p:extLst>
       <p:ext uri="{BB962C8B-B14F-4D97-AF65-F5344CB8AC3E}">
-        <p14:creationId xmlns:p14="http://schemas.microsoft.com/office/powerpoint/2010/main" val="139000639"/>
+        <p14:creationId xmlns:p14="http://schemas.microsoft.com/office/powerpoint/2010/main" val="1989582938"/>
       </p:ext>
     </p:extLst>
   </p:cSld>
@@ -8528,18 +8531,7 @@
           <a:bodyPr/>
           <a:lstStyle/>
           <a:p>
-            <a:r>
-              <a:rPr lang="de-DE" dirty="0"/>
-              <a:t>Objekte müssen nicht extra gelöscht werden wie in anderen Programmiersprachen. Es basiert auf </a:t>
-            </a:r>
-            <a:r>
-              <a:rPr lang="de-DE" dirty="0" err="1"/>
-              <a:t>Garbage</a:t>
-            </a:r>
-            <a:r>
-              <a:rPr lang="de-DE" dirty="0"/>
-              <a:t> Collection.</a:t>
-            </a:r>
+            <a:endParaRPr lang="de-DE" dirty="0"/>
           </a:p>
         </p:txBody>
       </p:sp>
@@ -8550,7 +8542,7 @@
             <a:spLocks noGrp="1"/>
           </p:cNvSpPr>
           <p:nvPr>
-            <p:ph type="sldNum" sz="quarter" idx="5"/>
+            <p:ph type="sldNum" sz="quarter" idx="10"/>
           </p:nvPr>
         </p:nvSpPr>
         <p:spPr/>
@@ -8561,7 +8553,7 @@
             <a:fld id="{927DBD90-B360-417B-B4B3-F05A4AFC1996}" type="slidenum">
               <a:rPr lang="de-DE" smtClean="0"/>
               <a:pPr/>
-              <a:t>94</a:t>
+              <a:t>93</a:t>
             </a:fld>
             <a:endParaRPr lang="de-DE"/>
           </a:p>
@@ -8570,7 +8562,7 @@
     </p:spTree>
     <p:extLst>
       <p:ext uri="{BB962C8B-B14F-4D97-AF65-F5344CB8AC3E}">
-        <p14:creationId xmlns:p14="http://schemas.microsoft.com/office/powerpoint/2010/main" val="643004067"/>
+        <p14:creationId xmlns:p14="http://schemas.microsoft.com/office/powerpoint/2010/main" val="139000639"/>
       </p:ext>
     </p:extLst>
   </p:cSld>
@@ -8629,7 +8621,18 @@
           <a:bodyPr/>
           <a:lstStyle/>
           <a:p>
-            <a:endParaRPr lang="de-DE" dirty="0"/>
+            <a:r>
+              <a:rPr lang="de-DE" dirty="0"/>
+              <a:t>Objekte müssen nicht extra gelöscht werden wie in anderen Programmiersprachen. Es basiert auf </a:t>
+            </a:r>
+            <a:r>
+              <a:rPr lang="de-DE" dirty="0" err="1"/>
+              <a:t>Garbage</a:t>
+            </a:r>
+            <a:r>
+              <a:rPr lang="de-DE" dirty="0"/>
+              <a:t> Collection.</a:t>
+            </a:r>
           </a:p>
         </p:txBody>
       </p:sp>
@@ -8640,7 +8643,7 @@
             <a:spLocks noGrp="1"/>
           </p:cNvSpPr>
           <p:nvPr>
-            <p:ph type="sldNum" sz="quarter" idx="10"/>
+            <p:ph type="sldNum" sz="quarter" idx="5"/>
           </p:nvPr>
         </p:nvSpPr>
         <p:spPr/>
@@ -8651,7 +8654,7 @@
             <a:fld id="{927DBD90-B360-417B-B4B3-F05A4AFC1996}" type="slidenum">
               <a:rPr lang="de-DE" smtClean="0"/>
               <a:pPr/>
-              <a:t>95</a:t>
+              <a:t>94</a:t>
             </a:fld>
             <a:endParaRPr lang="de-DE"/>
           </a:p>
@@ -8660,7 +8663,7 @@
     </p:spTree>
     <p:extLst>
       <p:ext uri="{BB962C8B-B14F-4D97-AF65-F5344CB8AC3E}">
-        <p14:creationId xmlns:p14="http://schemas.microsoft.com/office/powerpoint/2010/main" val="1955609559"/>
+        <p14:creationId xmlns:p14="http://schemas.microsoft.com/office/powerpoint/2010/main" val="643004067"/>
       </p:ext>
     </p:extLst>
   </p:cSld>
@@ -8741,7 +8744,7 @@
             <a:fld id="{927DBD90-B360-417B-B4B3-F05A4AFC1996}" type="slidenum">
               <a:rPr lang="de-DE" smtClean="0"/>
               <a:pPr/>
-              <a:t>96</a:t>
+              <a:t>95</a:t>
             </a:fld>
             <a:endParaRPr lang="de-DE"/>
           </a:p>
@@ -8750,7 +8753,7 @@
     </p:spTree>
     <p:extLst>
       <p:ext uri="{BB962C8B-B14F-4D97-AF65-F5344CB8AC3E}">
-        <p14:creationId xmlns:p14="http://schemas.microsoft.com/office/powerpoint/2010/main" val="3896392318"/>
+        <p14:creationId xmlns:p14="http://schemas.microsoft.com/office/powerpoint/2010/main" val="1955609559"/>
       </p:ext>
     </p:extLst>
   </p:cSld>
@@ -8881,6 +8884,96 @@
 </file>
 
 <file path=ppt/notesSlides/notesSlide70.xml><?xml version="1.0" encoding="utf-8"?>
+<p:notes xmlns:a="http://schemas.openxmlformats.org/drawingml/2006/main" xmlns:r="http://schemas.openxmlformats.org/officeDocument/2006/relationships" xmlns:p="http://schemas.openxmlformats.org/presentationml/2006/main">
+  <p:cSld>
+    <p:spTree>
+      <p:nvGrpSpPr>
+        <p:cNvPr id="1" name=""/>
+        <p:cNvGrpSpPr/>
+        <p:nvPr/>
+      </p:nvGrpSpPr>
+      <p:grpSpPr>
+        <a:xfrm>
+          <a:off x="0" y="0"/>
+          <a:ext cx="0" cy="0"/>
+          <a:chOff x="0" y="0"/>
+          <a:chExt cx="0" cy="0"/>
+        </a:xfrm>
+      </p:grpSpPr>
+      <p:sp>
+        <p:nvSpPr>
+          <p:cNvPr id="2" name="Folienbildplatzhalter 1"/>
+          <p:cNvSpPr>
+            <a:spLocks noGrp="1" noRot="1" noChangeAspect="1"/>
+          </p:cNvSpPr>
+          <p:nvPr>
+            <p:ph type="sldImg"/>
+          </p:nvPr>
+        </p:nvSpPr>
+        <p:spPr>
+          <a:xfrm>
+            <a:off x="685800" y="1143000"/>
+            <a:ext cx="4270375" cy="2401888"/>
+          </a:xfrm>
+        </p:spPr>
+      </p:sp>
+      <p:sp>
+        <p:nvSpPr>
+          <p:cNvPr id="3" name="Notizenplatzhalter 2"/>
+          <p:cNvSpPr>
+            <a:spLocks noGrp="1"/>
+          </p:cNvSpPr>
+          <p:nvPr>
+            <p:ph type="body" idx="1"/>
+          </p:nvPr>
+        </p:nvSpPr>
+        <p:spPr/>
+        <p:txBody>
+          <a:bodyPr/>
+          <a:lstStyle/>
+          <a:p>
+            <a:endParaRPr lang="de-DE" dirty="0"/>
+          </a:p>
+        </p:txBody>
+      </p:sp>
+      <p:sp>
+        <p:nvSpPr>
+          <p:cNvPr id="4" name="Foliennummernplatzhalter 3"/>
+          <p:cNvSpPr>
+            <a:spLocks noGrp="1"/>
+          </p:cNvSpPr>
+          <p:nvPr>
+            <p:ph type="sldNum" sz="quarter" idx="10"/>
+          </p:nvPr>
+        </p:nvSpPr>
+        <p:spPr/>
+        <p:txBody>
+          <a:bodyPr/>
+          <a:lstStyle/>
+          <a:p>
+            <a:fld id="{927DBD90-B360-417B-B4B3-F05A4AFC1996}" type="slidenum">
+              <a:rPr lang="de-DE" smtClean="0"/>
+              <a:pPr/>
+              <a:t>96</a:t>
+            </a:fld>
+            <a:endParaRPr lang="de-DE"/>
+          </a:p>
+        </p:txBody>
+      </p:sp>
+    </p:spTree>
+    <p:extLst>
+      <p:ext uri="{BB962C8B-B14F-4D97-AF65-F5344CB8AC3E}">
+        <p14:creationId xmlns:p14="http://schemas.microsoft.com/office/powerpoint/2010/main" val="3896392318"/>
+      </p:ext>
+    </p:extLst>
+  </p:cSld>
+  <p:clrMapOvr>
+    <a:masterClrMapping/>
+  </p:clrMapOvr>
+</p:notes>
+</file>
+
+<file path=ppt/notesSlides/notesSlide71.xml><?xml version="1.0" encoding="utf-8"?>
 <p:notes xmlns:a="http://schemas.openxmlformats.org/drawingml/2006/main" xmlns:r="http://schemas.openxmlformats.org/officeDocument/2006/relationships" xmlns:p="http://schemas.openxmlformats.org/presentationml/2006/main">
   <p:cSld>
     <p:spTree>
@@ -9357,7 +9450,7 @@
           <a:p>
             <a:fld id="{4E6DF7AA-8899-480A-AE8B-97B651237939}" type="datetime1">
               <a:rPr lang="de-DE" smtClean="0"/>
-              <a:t>01.03.2023</a:t>
+              <a:t>15.03.2023</a:t>
             </a:fld>
             <a:endParaRPr lang="de-DE"/>
           </a:p>
@@ -9562,7 +9655,7 @@
           <a:p>
             <a:fld id="{A1082C62-1968-4D03-BE49-CB116A4D6814}" type="datetime1">
               <a:rPr lang="de-DE" smtClean="0"/>
-              <a:t>01.03.2023</a:t>
+              <a:t>15.03.2023</a:t>
             </a:fld>
             <a:endParaRPr lang="de-DE"/>
           </a:p>
@@ -9716,7 +9809,7 @@
           <a:p>
             <a:fld id="{C0E04462-FF80-4281-98D0-2AB88E65DA84}" type="datetime1">
               <a:rPr lang="de-DE" smtClean="0"/>
-              <a:t>01.03.2023</a:t>
+              <a:t>15.03.2023</a:t>
             </a:fld>
             <a:endParaRPr lang="de-DE"/>
           </a:p>
@@ -9953,7 +10046,7 @@
           <a:p>
             <a:fld id="{1FAA5A7F-2A4E-40D6-9FFE-960B13817A2C}" type="datetime1">
               <a:rPr lang="de-DE" smtClean="0"/>
-              <a:t>01.03.2023</a:t>
+              <a:t>15.03.2023</a:t>
             </a:fld>
             <a:endParaRPr lang="de-DE"/>
           </a:p>
@@ -10129,7 +10222,7 @@
           <a:p>
             <a:fld id="{382DDC3E-10C9-4B92-B2FB-A8167FB6AB1D}" type="datetime1">
               <a:rPr lang="de-DE" smtClean="0"/>
-              <a:t>01.03.2023</a:t>
+              <a:t>15.03.2023</a:t>
             </a:fld>
             <a:endParaRPr lang="de-DE"/>
           </a:p>
@@ -10305,7 +10398,7 @@
           <a:p>
             <a:fld id="{8159FE7A-07D2-4D3F-9855-29B7F3DF1D43}" type="datetime1">
               <a:rPr lang="de-DE" smtClean="0"/>
-              <a:t>01.03.2023</a:t>
+              <a:t>15.03.2023</a:t>
             </a:fld>
             <a:endParaRPr lang="de-DE"/>
           </a:p>
@@ -10455,7 +10548,7 @@
           <a:p>
             <a:fld id="{7CF1A54B-9CB9-49D3-BA48-5A7ECDBA0943}" type="datetime1">
               <a:rPr lang="de-DE" smtClean="0"/>
-              <a:t>01.03.2023</a:t>
+              <a:t>15.03.2023</a:t>
             </a:fld>
             <a:endParaRPr lang="de-DE"/>
           </a:p>
@@ -10553,7 +10646,7 @@
           <a:p>
             <a:fld id="{5621DBFA-780B-465A-97B9-CC4792E01430}" type="datetime1">
               <a:rPr lang="de-DE" smtClean="0"/>
-              <a:t>01.03.2023</a:t>
+              <a:t>15.03.2023</a:t>
             </a:fld>
             <a:endParaRPr lang="de-DE"/>
           </a:p>
@@ -10677,7 +10770,7 @@
           <a:p>
             <a:fld id="{13ADA68E-BD65-4999-8C0B-CC0F110C2BD3}" type="datetime1">
               <a:rPr lang="de-DE" smtClean="0"/>
-              <a:t>01.03.2023</a:t>
+              <a:t>15.03.2023</a:t>
             </a:fld>
             <a:endParaRPr lang="de-DE"/>
           </a:p>
@@ -10861,7 +10954,7 @@
           <a:p>
             <a:fld id="{93B55C80-8AAA-4242-8442-4A53184707C3}" type="datetime1">
               <a:rPr lang="de-DE" smtClean="0"/>
-              <a:t>01.03.2023</a:t>
+              <a:t>15.03.2023</a:t>
             </a:fld>
             <a:endParaRPr lang="de-DE"/>
           </a:p>
@@ -11066,7 +11159,7 @@
           <a:p>
             <a:fld id="{4485BB24-7FA9-422A-BF70-F9FA49C1D9F8}" type="datetime1">
               <a:rPr lang="de-DE" smtClean="0"/>
-              <a:t>01.03.2023</a:t>
+              <a:t>15.03.2023</a:t>
             </a:fld>
             <a:endParaRPr lang="de-DE"/>
           </a:p>
@@ -11424,7 +11517,7 @@
           <a:p>
             <a:fld id="{3CD93E9C-CF59-4162-A977-F7642EDBB23A}" type="datetime1">
               <a:rPr lang="de-DE" smtClean="0"/>
-              <a:t>01.03.2023</a:t>
+              <a:t>15.03.2023</a:t>
             </a:fld>
             <a:endParaRPr lang="de-DE" dirty="0"/>
           </a:p>
@@ -12065,7 +12158,7 @@
           <a:p>
             <a:fld id="{6FE8A2CE-6D32-4716-A090-EDD7EE0B4140}" type="datetime1">
               <a:rPr lang="de-DE" smtClean="0"/>
-              <a:t>01.03.2023</a:t>
+              <a:t>15.03.2023</a:t>
             </a:fld>
             <a:endParaRPr lang="de-DE" dirty="0"/>
           </a:p>
@@ -12737,7 +12830,7 @@
           <a:p>
             <a:fld id="{603113A9-B1ED-4EC0-A094-9858FCF2D0C8}" type="datetime1">
               <a:rPr lang="de-DE" smtClean="0"/>
-              <a:t>01.03.2023</a:t>
+              <a:t>15.03.2023</a:t>
             </a:fld>
             <a:endParaRPr lang="de-DE"/>
           </a:p>
@@ -12899,7 +12992,7 @@
           <a:p>
             <a:fld id="{D4664C08-255D-43EF-A97B-FABF96999946}" type="datetime1">
               <a:rPr lang="de-DE" smtClean="0"/>
-              <a:t>01.03.2023</a:t>
+              <a:t>15.03.2023</a:t>
             </a:fld>
             <a:endParaRPr lang="de-DE"/>
           </a:p>
@@ -13206,7 +13299,7 @@
           <a:p>
             <a:fld id="{3F431DAA-9B38-40B6-A989-743F7941179E}" type="datetime1">
               <a:rPr lang="de-DE" smtClean="0"/>
-              <a:t>01.03.2023</a:t>
+              <a:t>15.03.2023</a:t>
             </a:fld>
             <a:endParaRPr lang="de-DE"/>
           </a:p>
@@ -13405,7 +13498,7 @@
           <a:p>
             <a:fld id="{90FC750D-92E1-43D8-A4A2-8761C4AC9C9C}" type="datetime1">
               <a:rPr lang="de-DE" smtClean="0"/>
-              <a:t>01.03.2023</a:t>
+              <a:t>15.03.2023</a:t>
             </a:fld>
             <a:endParaRPr lang="de-DE"/>
           </a:p>
@@ -13636,7 +13729,7 @@
           <a:p>
             <a:fld id="{67B86D56-690E-44D4-B025-B41069787D15}" type="datetime1">
               <a:rPr lang="de-DE" smtClean="0"/>
-              <a:t>01.03.2023</a:t>
+              <a:t>15.03.2023</a:t>
             </a:fld>
             <a:endParaRPr lang="de-DE"/>
           </a:p>
@@ -13890,7 +13983,7 @@
           <a:p>
             <a:fld id="{252C698B-F0B1-44D7-8F7D-9D6299D534F0}" type="datetime1">
               <a:rPr lang="de-DE" smtClean="0"/>
-              <a:t>01.03.2023</a:t>
+              <a:t>15.03.2023</a:t>
             </a:fld>
             <a:endParaRPr lang="de-DE"/>
           </a:p>
@@ -14393,7 +14486,7 @@
           <a:p>
             <a:fld id="{A952138C-0142-4C6B-A620-863AA96BBBE1}" type="datetime1">
               <a:rPr lang="de-DE" smtClean="0"/>
-              <a:t>01.03.2023</a:t>
+              <a:t>15.03.2023</a:t>
             </a:fld>
             <a:endParaRPr lang="de-DE"/>
           </a:p>
@@ -14629,7 +14722,7 @@
           <a:p>
             <a:fld id="{7127E464-1A99-4532-A297-E1D7378D9E61}" type="datetime1">
               <a:rPr lang="de-DE" smtClean="0"/>
-              <a:t>01.03.2023</a:t>
+              <a:t>15.03.2023</a:t>
             </a:fld>
             <a:endParaRPr lang="de-DE"/>
           </a:p>
@@ -15010,7 +15103,7 @@
           <a:p>
             <a:fld id="{77B5C711-A7A8-40A0-AEA6-3F77D4628817}" type="datetime1">
               <a:rPr lang="de-DE" smtClean="0"/>
-              <a:t>01.03.2023</a:t>
+              <a:t>15.03.2023</a:t>
             </a:fld>
             <a:endParaRPr lang="de-DE"/>
           </a:p>
@@ -15389,7 +15482,7 @@
           <a:p>
             <a:fld id="{27A2010A-1149-4F23-80A2-1B4570F18F3A}" type="datetime1">
               <a:rPr lang="de-DE" smtClean="0"/>
-              <a:t>01.03.2023</a:t>
+              <a:t>15.03.2023</a:t>
             </a:fld>
             <a:endParaRPr lang="de-DE"/>
           </a:p>
@@ -15646,7 +15739,7 @@
           <a:p>
             <a:fld id="{B70EBCA3-FB0B-48D9-A2E5-56DBD5624AFE}" type="datetime1">
               <a:rPr lang="de-DE" smtClean="0"/>
-              <a:t>01.03.2023</a:t>
+              <a:t>15.03.2023</a:t>
             </a:fld>
             <a:endParaRPr lang="de-DE"/>
           </a:p>
@@ -15960,7 +16053,7 @@
           <a:p>
             <a:fld id="{AAEBEB04-CBF0-4835-872C-2565D4E2EBF1}" type="datetime1">
               <a:rPr lang="de-DE" smtClean="0"/>
-              <a:t>01.03.2023</a:t>
+              <a:t>15.03.2023</a:t>
             </a:fld>
             <a:endParaRPr lang="de-DE"/>
           </a:p>
@@ -16263,7 +16356,7 @@
           <a:p>
             <a:fld id="{92A047F3-1820-4570-AC17-C8DA167C5F14}" type="datetime1">
               <a:rPr lang="de-DE" smtClean="0"/>
-              <a:t>01.03.2023</a:t>
+              <a:t>15.03.2023</a:t>
             </a:fld>
             <a:endParaRPr lang="de-DE"/>
           </a:p>
@@ -16732,7 +16825,7 @@
           <a:p>
             <a:fld id="{8F663D0B-A90A-4472-ADF1-2D4D5E0E002A}" type="datetime1">
               <a:rPr lang="de-DE" smtClean="0"/>
-              <a:t>01.03.2023</a:t>
+              <a:t>15.03.2023</a:t>
             </a:fld>
             <a:endParaRPr lang="de-DE"/>
           </a:p>
@@ -16922,7 +17015,7 @@
           <a:p>
             <a:fld id="{59577B53-2C7E-4EC5-B9C8-6C04D3456AA1}" type="datetime1">
               <a:rPr lang="de-DE" smtClean="0"/>
-              <a:t>01.03.2023</a:t>
+              <a:t>15.03.2023</a:t>
             </a:fld>
             <a:endParaRPr lang="de-DE"/>
           </a:p>
@@ -17484,7 +17577,7 @@
           <a:p>
             <a:fld id="{C3460205-A5AE-420E-9AB9-04AA7C4205FA}" type="datetime1">
               <a:rPr lang="de-DE" smtClean="0"/>
-              <a:t>01.03.2023</a:t>
+              <a:t>15.03.2023</a:t>
             </a:fld>
             <a:endParaRPr lang="de-DE"/>
           </a:p>
@@ -17981,7 +18074,7 @@
           <a:p>
             <a:fld id="{C81998FD-B568-4E47-AA9F-CE36B3FEB5BA}" type="datetime1">
               <a:rPr lang="de-DE" smtClean="0"/>
-              <a:t>01.03.2023</a:t>
+              <a:t>15.03.2023</a:t>
             </a:fld>
             <a:endParaRPr lang="de-DE"/>
           </a:p>
@@ -18337,7 +18430,7 @@
           <a:p>
             <a:fld id="{0A4F56F1-7827-4042-A276-DAF40AC0B000}" type="datetime1">
               <a:rPr lang="de-DE" smtClean="0"/>
-              <a:t>01.03.2023</a:t>
+              <a:t>15.03.2023</a:t>
             </a:fld>
             <a:endParaRPr lang="de-DE"/>
           </a:p>
@@ -18635,7 +18728,7 @@
           <a:p>
             <a:fld id="{DAB02174-66FA-41E9-A997-DF7D3619438B}" type="datetime1">
               <a:rPr lang="de-DE" smtClean="0"/>
-              <a:t>01.03.2023</a:t>
+              <a:t>15.03.2023</a:t>
             </a:fld>
             <a:endParaRPr lang="de-DE"/>
           </a:p>
@@ -19016,7 +19109,7 @@
           <a:p>
             <a:fld id="{BDFFDF87-2C7B-4FBB-B7F3-0EB8FC88FA6F}" type="datetime1">
               <a:rPr lang="de-DE" smtClean="0"/>
-              <a:t>01.03.2023</a:t>
+              <a:t>15.03.2023</a:t>
             </a:fld>
             <a:endParaRPr lang="de-DE"/>
           </a:p>
@@ -19349,7 +19442,7 @@
           <a:p>
             <a:fld id="{4AEAFF43-79D1-488F-88E5-AECF0C52E4F6}" type="datetime1">
               <a:rPr lang="de-DE" smtClean="0"/>
-              <a:t>01.03.2023</a:t>
+              <a:t>15.03.2023</a:t>
             </a:fld>
             <a:endParaRPr lang="de-DE"/>
           </a:p>
@@ -19627,7 +19720,7 @@
           <a:p>
             <a:fld id="{F3624D99-4580-4939-A184-6854C4D65CB3}" type="datetime1">
               <a:rPr lang="de-DE" smtClean="0"/>
-              <a:t>01.03.2023</a:t>
+              <a:t>15.03.2023</a:t>
             </a:fld>
             <a:endParaRPr lang="de-DE"/>
           </a:p>
@@ -19823,7 +19916,7 @@
           <a:p>
             <a:fld id="{642CBE49-AABD-4678-8D76-A8610D6E4D30}" type="datetime1">
               <a:rPr lang="de-DE" smtClean="0"/>
-              <a:t>01.03.2023</a:t>
+              <a:t>15.03.2023</a:t>
             </a:fld>
             <a:endParaRPr lang="de-DE"/>
           </a:p>
@@ -20090,7 +20183,7 @@
           <a:p>
             <a:fld id="{2E581C20-4FEA-4BDB-99ED-7F7C03D2ECE0}" type="datetime1">
               <a:rPr lang="de-DE" smtClean="0"/>
-              <a:t>01.03.2023</a:t>
+              <a:t>15.03.2023</a:t>
             </a:fld>
             <a:endParaRPr lang="de-DE"/>
           </a:p>
@@ -20524,7 +20617,7 @@
           <a:p>
             <a:fld id="{9C5032AF-412C-4954-8799-22E9C987B64F}" type="datetime1">
               <a:rPr lang="de-DE" smtClean="0"/>
-              <a:t>01.03.2023</a:t>
+              <a:t>15.03.2023</a:t>
             </a:fld>
             <a:endParaRPr lang="de-DE"/>
           </a:p>
@@ -21102,7 +21195,7 @@
           <a:p>
             <a:fld id="{F2FEDD9D-5594-473A-899D-C0AD9514F726}" type="datetime1">
               <a:rPr lang="de-DE" smtClean="0"/>
-              <a:t>01.03.2023</a:t>
+              <a:t>15.03.2023</a:t>
             </a:fld>
             <a:endParaRPr lang="de-DE"/>
           </a:p>
@@ -21364,7 +21457,7 @@
           <a:p>
             <a:fld id="{95C3B550-B314-4EBE-B643-25AC9427FA8B}" type="datetime1">
               <a:rPr lang="de-DE" smtClean="0"/>
-              <a:t>01.03.2023</a:t>
+              <a:t>15.03.2023</a:t>
             </a:fld>
             <a:endParaRPr lang="de-DE"/>
           </a:p>
@@ -21710,7 +21803,7 @@
           <a:p>
             <a:fld id="{767B626B-00B4-4CEC-8206-7F4851B03FEF}" type="datetime1">
               <a:rPr lang="de-DE" smtClean="0"/>
-              <a:t>01.03.2023</a:t>
+              <a:t>15.03.2023</a:t>
             </a:fld>
             <a:endParaRPr lang="de-DE"/>
           </a:p>
@@ -22022,7 +22115,7 @@
           <a:p>
             <a:fld id="{102EEC64-5E38-4CDE-986C-4F454B58738A}" type="datetime1">
               <a:rPr lang="de-DE" smtClean="0"/>
-              <a:t>01.03.2023</a:t>
+              <a:t>15.03.2023</a:t>
             </a:fld>
             <a:endParaRPr lang="de-DE"/>
           </a:p>
@@ -22255,7 +22348,7 @@
           <a:p>
             <a:fld id="{8B9E1184-3E8E-4927-B70E-FCD133F545CF}" type="datetime1">
               <a:rPr lang="de-DE" smtClean="0"/>
-              <a:t>01.03.2023</a:t>
+              <a:t>15.03.2023</a:t>
             </a:fld>
             <a:endParaRPr lang="de-DE"/>
           </a:p>
@@ -22683,7 +22776,7 @@
           <a:p>
             <a:fld id="{372285A9-CAD1-4F8C-A320-59D4C92876C5}" type="datetime1">
               <a:rPr lang="de-DE" smtClean="0"/>
-              <a:t>01.03.2023</a:t>
+              <a:t>15.03.2023</a:t>
             </a:fld>
             <a:endParaRPr lang="de-DE"/>
           </a:p>
@@ -22896,7 +22989,7 @@
           <a:p>
             <a:fld id="{2F8DC1E6-2D30-4DE7-9C9D-5217FE18022E}" type="datetime1">
               <a:rPr lang="de-DE" smtClean="0"/>
-              <a:t>01.03.2023</a:t>
+              <a:t>15.03.2023</a:t>
             </a:fld>
             <a:endParaRPr lang="de-DE"/>
           </a:p>
@@ -23040,7 +23133,7 @@
           <a:p>
             <a:fld id="{893F816E-7DC2-4064-87AA-D097DF435DB9}" type="datetime1">
               <a:rPr lang="de-DE" smtClean="0"/>
-              <a:t>01.03.2023</a:t>
+              <a:t>15.03.2023</a:t>
             </a:fld>
             <a:endParaRPr lang="de-DE"/>
           </a:p>
@@ -23277,7 +23370,7 @@
           <a:p>
             <a:fld id="{637BE197-E414-48F3-B656-784E07538695}" type="datetime1">
               <a:rPr lang="de-DE" smtClean="0"/>
-              <a:t>01.03.2023</a:t>
+              <a:t>15.03.2023</a:t>
             </a:fld>
             <a:endParaRPr lang="de-DE"/>
           </a:p>
@@ -23573,7 +23666,7 @@
           <a:p>
             <a:fld id="{AC9925A1-4637-41D7-AEAC-8AA9FDFB7140}" type="datetime1">
               <a:rPr lang="de-DE" smtClean="0"/>
-              <a:t>01.03.2023</a:t>
+              <a:t>15.03.2023</a:t>
             </a:fld>
             <a:endParaRPr lang="de-DE"/>
           </a:p>
@@ -24156,7 +24249,7 @@
           <a:p>
             <a:fld id="{BC048919-3C08-48F6-A0CD-915EC777362A}" type="datetime1">
               <a:rPr lang="de-DE" smtClean="0"/>
-              <a:t>01.03.2023</a:t>
+              <a:t>15.03.2023</a:t>
             </a:fld>
             <a:endParaRPr lang="de-DE"/>
           </a:p>
@@ -24409,7 +24502,7 @@
           <a:p>
             <a:fld id="{94C91350-6869-4C72-8675-ECEAAAF05F8D}" type="datetime1">
               <a:rPr lang="de-DE" smtClean="0"/>
-              <a:t>01.03.2023</a:t>
+              <a:t>15.03.2023</a:t>
             </a:fld>
             <a:endParaRPr lang="de-DE"/>
           </a:p>
@@ -24751,7 +24844,7 @@
           <a:p>
             <a:fld id="{ACA1733B-6687-4EEA-9A6B-2EF228C82457}" type="datetime1">
               <a:rPr lang="de-DE" smtClean="0"/>
-              <a:t>01.03.2023</a:t>
+              <a:t>15.03.2023</a:t>
             </a:fld>
             <a:endParaRPr lang="de-DE"/>
           </a:p>
@@ -25084,7 +25177,7 @@
           <a:p>
             <a:fld id="{2BBD85E3-27A5-4125-9DB2-C537C85BBE8A}" type="datetime1">
               <a:rPr lang="de-DE" smtClean="0"/>
-              <a:t>01.03.2023</a:t>
+              <a:t>15.03.2023</a:t>
             </a:fld>
             <a:endParaRPr lang="de-DE"/>
           </a:p>
@@ -25259,7 +25352,7 @@
           <a:p>
             <a:fld id="{115AC75E-72B2-486D-BEF5-A13F9B218F2F}" type="datetime1">
               <a:rPr lang="de-DE" smtClean="0"/>
-              <a:t>01.03.2023</a:t>
+              <a:t>15.03.2023</a:t>
             </a:fld>
             <a:endParaRPr lang="de-DE"/>
           </a:p>
@@ -25659,7 +25752,7 @@
           <a:p>
             <a:fld id="{B8ECF4B1-F230-4767-9D40-08A350DFB7D7}" type="datetime1">
               <a:rPr lang="de-DE" smtClean="0"/>
-              <a:t>01.03.2023</a:t>
+              <a:t>15.03.2023</a:t>
             </a:fld>
             <a:endParaRPr lang="de-DE"/>
           </a:p>
@@ -25995,7 +26088,7 @@
           <a:p>
             <a:fld id="{DFEB386C-A89C-4E71-8C7A-EB57A1CCB74F}" type="datetime1">
               <a:rPr lang="de-DE" smtClean="0"/>
-              <a:t>01.03.2023</a:t>
+              <a:t>15.03.2023</a:t>
             </a:fld>
             <a:endParaRPr lang="de-DE"/>
           </a:p>
@@ -26340,7 +26433,7 @@
           <a:p>
             <a:fld id="{E3A6C6BD-3868-452A-A2BD-92328FD8B4E8}" type="datetime1">
               <a:rPr lang="de-DE" smtClean="0"/>
-              <a:t>01.03.2023</a:t>
+              <a:t>15.03.2023</a:t>
             </a:fld>
             <a:endParaRPr lang="de-DE"/>
           </a:p>
@@ -26559,7 +26652,7 @@
           <a:p>
             <a:fld id="{B60FD287-29C3-4567-A3C8-1214880B52D5}" type="datetime1">
               <a:rPr lang="de-DE" smtClean="0"/>
-              <a:t>01.03.2023</a:t>
+              <a:t>15.03.2023</a:t>
             </a:fld>
             <a:endParaRPr lang="de-DE"/>
           </a:p>
@@ -26954,7 +27047,7 @@
           <a:p>
             <a:fld id="{172E1AE1-643D-418C-ACE4-F2637FAE5286}" type="datetime1">
               <a:rPr lang="de-DE" smtClean="0"/>
-              <a:t>01.03.2023</a:t>
+              <a:t>15.03.2023</a:t>
             </a:fld>
             <a:endParaRPr lang="de-DE"/>
           </a:p>
@@ -27267,7 +27360,7 @@
           <a:p>
             <a:fld id="{C74E5831-6EC7-46CD-950B-539BB31CC002}" type="datetime1">
               <a:rPr lang="de-DE" smtClean="0"/>
-              <a:t>01.03.2023</a:t>
+              <a:t>15.03.2023</a:t>
             </a:fld>
             <a:endParaRPr lang="de-DE"/>
           </a:p>
@@ -27896,7 +27989,7 @@
           <a:p>
             <a:fld id="{0C2E1D0D-BBB0-4269-8DC7-C28B8DA8D26F}" type="datetime1">
               <a:rPr lang="de-DE" smtClean="0"/>
-              <a:t>01.03.2023</a:t>
+              <a:t>15.03.2023</a:t>
             </a:fld>
             <a:endParaRPr lang="de-DE"/>
           </a:p>
@@ -28204,7 +28297,7 @@
           <a:p>
             <a:fld id="{509B9FD4-6125-48DF-AAFB-8A90591F704C}" type="datetime1">
               <a:rPr lang="de-DE" smtClean="0"/>
-              <a:t>01.03.2023</a:t>
+              <a:t>15.03.2023</a:t>
             </a:fld>
             <a:endParaRPr lang="de-DE"/>
           </a:p>
@@ -28480,7 +28573,7 @@
           <a:p>
             <a:fld id="{5E005D36-C238-4437-9368-75EE1209248D}" type="datetime1">
               <a:rPr lang="de-DE" smtClean="0"/>
-              <a:t>01.03.2023</a:t>
+              <a:t>15.03.2023</a:t>
             </a:fld>
             <a:endParaRPr lang="de-DE"/>
           </a:p>
@@ -28660,7 +28753,7 @@
           <a:p>
             <a:fld id="{21A4D148-919D-4643-B21F-50F1B7EF8BA2}" type="datetime1">
               <a:rPr lang="de-DE" smtClean="0"/>
-              <a:t>01.03.2023</a:t>
+              <a:t>15.03.2023</a:t>
             </a:fld>
             <a:endParaRPr lang="de-DE"/>
           </a:p>
@@ -29065,7 +29158,7 @@
           <a:p>
             <a:fld id="{A3D84A41-9102-4FAF-BB9B-7AD126A78344}" type="datetime1">
               <a:rPr lang="de-DE" smtClean="0"/>
-              <a:t>01.03.2023</a:t>
+              <a:t>15.03.2023</a:t>
             </a:fld>
             <a:endParaRPr lang="de-DE"/>
           </a:p>
@@ -29675,7 +29768,7 @@
           <a:p>
             <a:fld id="{81CA66B2-419B-4A00-B550-DA1493185108}" type="datetime1">
               <a:rPr lang="de-DE" smtClean="0"/>
-              <a:t>01.03.2023</a:t>
+              <a:t>15.03.2023</a:t>
             </a:fld>
             <a:endParaRPr lang="de-DE"/>
           </a:p>
@@ -30504,7 +30597,7 @@
           <a:p>
             <a:fld id="{374AF400-B2B3-4498-869C-65158B84F62E}" type="datetime1">
               <a:rPr lang="de-DE" smtClean="0"/>
-              <a:t>01.03.2023</a:t>
+              <a:t>15.03.2023</a:t>
             </a:fld>
             <a:endParaRPr lang="de-DE"/>
           </a:p>
@@ -30714,7 +30807,7 @@
           <a:p>
             <a:fld id="{EECFBCB7-6E51-47D1-88C0-70C111ACD504}" type="datetime1">
               <a:rPr lang="de-DE" smtClean="0"/>
-              <a:t>01.03.2023</a:t>
+              <a:t>15.03.2023</a:t>
             </a:fld>
             <a:endParaRPr lang="de-DE"/>
           </a:p>
@@ -31152,7 +31245,7 @@
           <a:p>
             <a:fld id="{284F0D45-833B-4CA2-95DA-AFDB6EDAE49B}" type="datetime1">
               <a:rPr lang="de-DE" smtClean="0"/>
-              <a:t>01.03.2023</a:t>
+              <a:t>15.03.2023</a:t>
             </a:fld>
             <a:endParaRPr lang="de-DE"/>
           </a:p>
@@ -31452,7 +31545,7 @@
           <a:p>
             <a:fld id="{F8D4647A-5A37-41ED-945E-4016D17F713F}" type="datetime1">
               <a:rPr lang="de-DE" smtClean="0"/>
-              <a:t>01.03.2023</a:t>
+              <a:t>15.03.2023</a:t>
             </a:fld>
             <a:endParaRPr lang="de-DE"/>
           </a:p>
@@ -31694,7 +31787,7 @@
           <a:p>
             <a:fld id="{040A1E27-A9C0-4EC9-BE62-C00CB62B7D24}" type="datetime1">
               <a:rPr lang="de-DE" smtClean="0"/>
-              <a:t>01.03.2023</a:t>
+              <a:t>15.03.2023</a:t>
             </a:fld>
             <a:endParaRPr lang="de-DE"/>
           </a:p>
@@ -31905,7 +31998,7 @@
           <a:p>
             <a:fld id="{8159FE7A-07D2-4D3F-9855-29B7F3DF1D43}" type="datetime1">
               <a:rPr lang="de-DE" smtClean="0"/>
-              <a:t>01.03.2023</a:t>
+              <a:t>15.03.2023</a:t>
             </a:fld>
             <a:endParaRPr lang="de-DE"/>
           </a:p>
@@ -32871,7 +32964,7 @@
           <a:p>
             <a:fld id="{8159FE7A-07D2-4D3F-9855-29B7F3DF1D43}" type="datetime1">
               <a:rPr lang="de-DE" smtClean="0"/>
-              <a:t>01.03.2023</a:t>
+              <a:t>15.03.2023</a:t>
             </a:fld>
             <a:endParaRPr lang="de-DE"/>
           </a:p>
@@ -33650,7 +33743,7 @@
           <a:p>
             <a:fld id="{8159FE7A-07D2-4D3F-9855-29B7F3DF1D43}" type="datetime1">
               <a:rPr lang="de-DE" smtClean="0"/>
-              <a:t>01.03.2023</a:t>
+              <a:t>15.03.2023</a:t>
             </a:fld>
             <a:endParaRPr lang="de-DE"/>
           </a:p>
@@ -34400,7 +34493,7 @@
           <a:p>
             <a:fld id="{8159FE7A-07D2-4D3F-9855-29B7F3DF1D43}" type="datetime1">
               <a:rPr lang="de-DE" smtClean="0"/>
-              <a:t>01.03.2023</a:t>
+              <a:t>15.03.2023</a:t>
             </a:fld>
             <a:endParaRPr lang="de-DE"/>
           </a:p>
@@ -34661,7 +34754,7 @@
           <a:p>
             <a:fld id="{BC1A8AC8-5070-4C02-8E82-DE4FD3F8497A}" type="datetime1">
               <a:rPr lang="de-DE" smtClean="0"/>
-              <a:t>01.03.2023</a:t>
+              <a:t>15.03.2023</a:t>
             </a:fld>
             <a:endParaRPr lang="de-DE"/>
           </a:p>
@@ -34974,7 +35067,7 @@
           <a:p>
             <a:fld id="{AF1CB7BF-E60D-47C9-99CD-43B03711F834}" type="datetime1">
               <a:rPr lang="de-DE" smtClean="0"/>
-              <a:t>01.03.2023</a:t>
+              <a:t>15.03.2023</a:t>
             </a:fld>
             <a:endParaRPr lang="de-DE"/>
           </a:p>
@@ -35183,7 +35276,7 @@
           <a:p>
             <a:fld id="{B9053FEB-F038-4EB7-B9DC-77977117EA33}" type="datetime1">
               <a:rPr lang="de-DE" smtClean="0"/>
-              <a:t>01.03.2023</a:t>
+              <a:t>15.03.2023</a:t>
             </a:fld>
             <a:endParaRPr lang="de-DE"/>
           </a:p>
@@ -35743,7 +35836,7 @@
           <a:p>
             <a:fld id="{0B399FA5-2F01-416C-865E-705C1E0C03C8}" type="datetime1">
               <a:rPr lang="de-DE" smtClean="0"/>
-              <a:t>01.03.2023</a:t>
+              <a:t>15.03.2023</a:t>
             </a:fld>
             <a:endParaRPr lang="de-DE"/>
           </a:p>
@@ -36226,7 +36319,7 @@
           <a:p>
             <a:fld id="{D7CFAA5B-8ED2-4D87-B5CD-876772B506EB}" type="datetime1">
               <a:rPr lang="de-DE" smtClean="0"/>
-              <a:t>01.03.2023</a:t>
+              <a:t>15.03.2023</a:t>
             </a:fld>
             <a:endParaRPr lang="de-DE"/>
           </a:p>
@@ -36700,7 +36793,7 @@
           <a:p>
             <a:fld id="{706CFF74-9D82-4823-AFE2-CBE8D2D808FC}" type="datetime1">
               <a:rPr lang="de-DE" smtClean="0"/>
-              <a:t>01.03.2023</a:t>
+              <a:t>15.03.2023</a:t>
             </a:fld>
             <a:endParaRPr lang="de-DE"/>
           </a:p>
@@ -36971,7 +37064,7 @@
           <a:p>
             <a:fld id="{5C03BAA7-20D5-4E1B-8CB5-A2ED8F9EFD7F}" type="datetime1">
               <a:rPr lang="de-DE" smtClean="0"/>
-              <a:t>01.03.2023</a:t>
+              <a:t>15.03.2023</a:t>
             </a:fld>
             <a:endParaRPr lang="de-DE"/>
           </a:p>
@@ -37170,7 +37263,7 @@
           <a:p>
             <a:fld id="{DF7C2B1F-6E2C-496E-BFF9-7CD4B274FE9C}" type="datetime1">
               <a:rPr lang="de-DE" smtClean="0"/>
-              <a:t>01.03.2023</a:t>
+              <a:t>15.03.2023</a:t>
             </a:fld>
             <a:endParaRPr lang="de-DE"/>
           </a:p>
@@ -37410,7 +37503,7 @@
           <a:p>
             <a:fld id="{8159FE7A-07D2-4D3F-9855-29B7F3DF1D43}" type="datetime1">
               <a:rPr lang="de-DE" smtClean="0"/>
-              <a:t>01.03.2023</a:t>
+              <a:t>15.03.2023</a:t>
             </a:fld>
             <a:endParaRPr lang="de-DE"/>
           </a:p>
@@ -37904,7 +37997,7 @@
           <a:p>
             <a:fld id="{8159FE7A-07D2-4D3F-9855-29B7F3DF1D43}" type="datetime1">
               <a:rPr lang="de-DE" smtClean="0"/>
-              <a:t>01.03.2023</a:t>
+              <a:t>15.03.2023</a:t>
             </a:fld>
             <a:endParaRPr lang="de-DE"/>
           </a:p>
@@ -38295,7 +38388,7 @@
           <a:p>
             <a:fld id="{8159FE7A-07D2-4D3F-9855-29B7F3DF1D43}" type="datetime1">
               <a:rPr lang="de-DE" smtClean="0"/>
-              <a:t>01.03.2023</a:t>
+              <a:t>15.03.2023</a:t>
             </a:fld>
             <a:endParaRPr lang="de-DE"/>
           </a:p>
@@ -38713,7 +38806,7 @@
           <a:p>
             <a:fld id="{8159FE7A-07D2-4D3F-9855-29B7F3DF1D43}" type="datetime1">
               <a:rPr lang="de-DE" smtClean="0"/>
-              <a:t>01.03.2023</a:t>
+              <a:t>15.03.2023</a:t>
             </a:fld>
             <a:endParaRPr lang="de-DE"/>
           </a:p>
@@ -39672,7 +39765,7 @@
           <a:p>
             <a:fld id="{8159FE7A-07D2-4D3F-9855-29B7F3DF1D43}" type="datetime1">
               <a:rPr lang="de-DE" smtClean="0"/>
-              <a:t>01.03.2023</a:t>
+              <a:t>15.03.2023</a:t>
             </a:fld>
             <a:endParaRPr lang="de-DE"/>
           </a:p>
@@ -39986,7 +40079,7 @@
           <a:p>
             <a:fld id="{8159FE7A-07D2-4D3F-9855-29B7F3DF1D43}" type="datetime1">
               <a:rPr lang="de-DE" smtClean="0"/>
-              <a:t>01.03.2023</a:t>
+              <a:t>15.03.2023</a:t>
             </a:fld>
             <a:endParaRPr lang="de-DE"/>
           </a:p>
@@ -40305,7 +40398,7 @@
           <a:p>
             <a:fld id="{B1DC90A9-3629-4532-90FF-C4E33F6085C7}" type="datetime1">
               <a:rPr lang="de-DE" smtClean="0"/>
-              <a:t>01.03.2023</a:t>
+              <a:t>15.03.2023</a:t>
             </a:fld>
             <a:endParaRPr lang="de-DE"/>
           </a:p>
@@ -40905,7 +40998,7 @@
           <a:p>
             <a:fld id="{23613DF9-A7E5-45FC-950B-BCC0B949EAE8}" type="datetime1">
               <a:rPr lang="de-DE" smtClean="0"/>
-              <a:t>01.03.2023</a:t>
+              <a:t>15.03.2023</a:t>
             </a:fld>
             <a:endParaRPr lang="de-DE"/>
           </a:p>
@@ -41088,7 +41181,7 @@
           <a:p>
             <a:fld id="{52EDD6C4-E3A8-4042-BB5D-CDA1A571A185}" type="datetime1">
               <a:rPr lang="de-DE" smtClean="0"/>
-              <a:t>01.03.2023</a:t>
+              <a:t>15.03.2023</a:t>
             </a:fld>
             <a:endParaRPr lang="de-DE"/>
           </a:p>
@@ -41629,7 +41722,7 @@
           <a:p>
             <a:fld id="{DDF7F67B-F411-40A4-BFC4-67CF6BB150A8}" type="datetime1">
               <a:rPr lang="de-DE" smtClean="0"/>
-              <a:t>01.03.2023</a:t>
+              <a:t>15.03.2023</a:t>
             </a:fld>
             <a:endParaRPr lang="de-DE"/>
           </a:p>
@@ -41973,7 +42066,7 @@
           <a:p>
             <a:fld id="{0A4B30BD-3EA6-4E11-8FCF-965C309E549A}" type="datetime1">
               <a:rPr lang="de-DE" smtClean="0"/>
-              <a:t>01.03.2023</a:t>
+              <a:t>15.03.2023</a:t>
             </a:fld>
             <a:endParaRPr lang="de-DE"/>
           </a:p>
@@ -42178,7 +42271,7 @@
           <a:p>
             <a:fld id="{DC040C72-25B9-466A-8F50-EBEC34934428}" type="datetime1">
               <a:rPr lang="de-DE" smtClean="0"/>
-              <a:t>01.03.2023</a:t>
+              <a:t>15.03.2023</a:t>
             </a:fld>
             <a:endParaRPr lang="de-DE"/>
           </a:p>
@@ -42659,7 +42752,7 @@
           <a:p>
             <a:fld id="{D285A436-1444-4657-AC1F-E488FE3B222B}" type="datetime1">
               <a:rPr lang="de-DE" smtClean="0"/>
-              <a:t>01.03.2023</a:t>
+              <a:t>15.03.2023</a:t>
             </a:fld>
             <a:endParaRPr lang="de-DE"/>
           </a:p>
@@ -42958,7 +43051,7 @@
           <a:p>
             <a:fld id="{93D272A3-5ACD-4745-88C6-1454260DA419}" type="datetime1">
               <a:rPr lang="de-DE" smtClean="0"/>
-              <a:t>01.03.2023</a:t>
+              <a:t>15.03.2023</a:t>
             </a:fld>
             <a:endParaRPr lang="de-DE"/>
           </a:p>
@@ -44107,7 +44200,7 @@
           <a:p>
             <a:fld id="{40518CB0-8C60-4E9D-9D73-72C22CA560A6}" type="datetime1">
               <a:rPr lang="de-DE" smtClean="0"/>
-              <a:t>01.03.2023</a:t>
+              <a:t>15.03.2023</a:t>
             </a:fld>
             <a:endParaRPr lang="de-DE"/>
           </a:p>
@@ -44430,7 +44523,7 @@
           <a:p>
             <a:fld id="{CC68D73E-E1AC-4A78-BFE5-D11401939CB4}" type="datetime1">
               <a:rPr lang="de-DE" smtClean="0"/>
-              <a:t>01.03.2023</a:t>
+              <a:t>15.03.2023</a:t>
             </a:fld>
             <a:endParaRPr lang="de-DE"/>
           </a:p>
@@ -45512,7 +45605,7 @@
           <a:p>
             <a:fld id="{6F2D9553-3793-4073-884D-343164046EA8}" type="datetime1">
               <a:rPr lang="de-DE" smtClean="0"/>
-              <a:t>01.03.2023</a:t>
+              <a:t>15.03.2023</a:t>
             </a:fld>
             <a:endParaRPr lang="de-DE"/>
           </a:p>
@@ -45987,7 +46080,7 @@
           <a:p>
             <a:fld id="{B5791953-A376-4A7E-8677-AAB812D71689}" type="datetime1">
               <a:rPr lang="de-DE" smtClean="0"/>
-              <a:t>01.03.2023</a:t>
+              <a:t>15.03.2023</a:t>
             </a:fld>
             <a:endParaRPr lang="de-DE"/>
           </a:p>
@@ -46194,7 +46287,7 @@
           <a:p>
             <a:fld id="{5B795128-38A1-4494-B687-FA4BAF969426}" type="datetime1">
               <a:rPr lang="de-DE" smtClean="0"/>
-              <a:t>01.03.2023</a:t>
+              <a:t>15.03.2023</a:t>
             </a:fld>
             <a:endParaRPr lang="de-DE"/>
           </a:p>
@@ -46388,7 +46481,7 @@
           <a:p>
             <a:fld id="{5F4637E3-489C-402C-9745-FC1C6A002798}" type="datetime1">
               <a:rPr lang="de-DE" smtClean="0"/>
-              <a:t>01.03.2023</a:t>
+              <a:t>15.03.2023</a:t>
             </a:fld>
             <a:endParaRPr lang="de-DE"/>
           </a:p>
@@ -46627,7 +46720,7 @@
           <a:p>
             <a:fld id="{96C0D114-F0DB-443F-9337-40D84E177FDC}" type="datetime1">
               <a:rPr lang="de-DE" smtClean="0"/>
-              <a:t>01.03.2023</a:t>
+              <a:t>15.03.2023</a:t>
             </a:fld>
             <a:endParaRPr lang="de-DE"/>
           </a:p>
@@ -46825,7 +46918,7 @@
           <a:p>
             <a:fld id="{DC9D7DCD-D634-4B62-9FA2-4E9A76968B39}" type="datetime1">
               <a:rPr lang="de-DE" smtClean="0"/>
-              <a:t>01.03.2023</a:t>
+              <a:t>15.03.2023</a:t>
             </a:fld>
             <a:endParaRPr lang="de-DE"/>
           </a:p>
@@ -47330,7 +47423,7 @@
           <a:p>
             <a:fld id="{3665ADD3-A45B-4AFB-ADB5-8849ACC19EEF}" type="datetime1">
               <a:rPr lang="de-DE" smtClean="0"/>
-              <a:t>01.03.2023</a:t>
+              <a:t>15.03.2023</a:t>
             </a:fld>
             <a:endParaRPr lang="de-DE"/>
           </a:p>
@@ -47678,7 +47771,7 @@
           <a:p>
             <a:fld id="{DD8B8171-21DA-4907-A9C5-6774B32408EF}" type="datetime1">
               <a:rPr lang="de-DE" smtClean="0"/>
-              <a:t>01.03.2023</a:t>
+              <a:t>15.03.2023</a:t>
             </a:fld>
             <a:endParaRPr lang="de-DE"/>
           </a:p>
@@ -47726,6 +47819,208 @@
               <a:t>92</a:t>
             </a:fld>
             <a:endParaRPr lang="de-DE"/>
+          </a:p>
+        </p:txBody>
+      </p:sp>
+      <p:sp>
+        <p:nvSpPr>
+          <p:cNvPr id="5" name="TextBox 4">
+            <a:extLst>
+              <a:ext uri="{FF2B5EF4-FFF2-40B4-BE49-F238E27FC236}">
+                <a16:creationId xmlns:a16="http://schemas.microsoft.com/office/drawing/2014/main" id="{847DD8F3-33FA-B04E-943D-A126B0723C80}"/>
+              </a:ext>
+            </a:extLst>
+          </p:cNvPr>
+          <p:cNvSpPr txBox="1"/>
+          <p:nvPr/>
+        </p:nvSpPr>
+        <p:spPr>
+          <a:xfrm>
+            <a:off x="6095206" y="2282716"/>
+            <a:ext cx="6476997" cy="2677656"/>
+          </a:xfrm>
+          <a:prstGeom prst="rect">
+            <a:avLst/>
+          </a:prstGeom>
+          <a:noFill/>
+        </p:spPr>
+        <p:txBody>
+          <a:bodyPr wrap="square" rtlCol="0">
+            <a:spAutoFit/>
+          </a:bodyPr>
+          <a:lstStyle/>
+          <a:p>
+            <a:r>
+              <a:rPr lang="de-DE" sz="2800" b="1" dirty="0">
+                <a:solidFill>
+                  <a:schemeClr val="accent1">
+                    <a:lumMod val="75000"/>
+                  </a:schemeClr>
+                </a:solidFill>
+              </a:rPr>
+              <a:t>class</a:t>
+            </a:r>
+            <a:r>
+              <a:rPr lang="de-DE" sz="2800" dirty="0">
+                <a:solidFill>
+                  <a:srgbClr val="F37637"/>
+                </a:solidFill>
+              </a:rPr>
+              <a:t> </a:t>
+            </a:r>
+            <a:r>
+              <a:rPr lang="de-DE" sz="2800" b="1" i="1" dirty="0">
+                <a:solidFill>
+                  <a:schemeClr val="tx2"/>
+                </a:solidFill>
+              </a:rPr>
+              <a:t>Typname </a:t>
+            </a:r>
+            <a:r>
+              <a:rPr lang="de-DE" sz="2800" b="1" dirty="0">
+                <a:solidFill>
+                  <a:schemeClr val="accent1">
+                    <a:lumMod val="75000"/>
+                  </a:schemeClr>
+                </a:solidFill>
+              </a:rPr>
+              <a:t>{</a:t>
+            </a:r>
+            <a:r>
+              <a:rPr lang="de-DE" sz="2800" i="1" dirty="0"/>
+              <a:t>	</a:t>
+            </a:r>
+            <a:br>
+              <a:rPr lang="de-DE" sz="2800" i="1" dirty="0"/>
+            </a:br>
+            <a:r>
+              <a:rPr lang="de-DE" sz="2800" i="1" dirty="0"/>
+              <a:t>    </a:t>
+            </a:r>
+            <a:r>
+              <a:rPr lang="de-DE" sz="2800" b="1" i="1" dirty="0">
+                <a:solidFill>
+                  <a:schemeClr val="tx2"/>
+                </a:solidFill>
+              </a:rPr>
+              <a:t>ErgebnisTyp</a:t>
+            </a:r>
+            <a:r>
+              <a:rPr lang="de-DE" sz="2800" i="1" dirty="0"/>
+              <a:t> </a:t>
+            </a:r>
+            <a:r>
+              <a:rPr lang="de-DE" sz="2800" b="1" i="1" dirty="0">
+                <a:solidFill>
+                  <a:schemeClr val="tx2"/>
+                </a:solidFill>
+              </a:rPr>
+              <a:t>funktion</a:t>
+            </a:r>
+            <a:r>
+              <a:rPr lang="de-DE" sz="2800" b="1" dirty="0">
+                <a:solidFill>
+                  <a:schemeClr val="accent1">
+                    <a:lumMod val="75000"/>
+                  </a:schemeClr>
+                </a:solidFill>
+              </a:rPr>
+              <a:t>() {</a:t>
+            </a:r>
+            <a:br>
+              <a:rPr lang="de-DE" sz="2800" i="1" dirty="0"/>
+            </a:br>
+            <a:r>
+              <a:rPr lang="de-DE" sz="2800" i="1" dirty="0"/>
+              <a:t>        </a:t>
+            </a:r>
+            <a:r>
+              <a:rPr lang="de-DE" sz="2800" b="1" dirty="0">
+                <a:solidFill>
+                  <a:schemeClr val="bg1">
+                    <a:lumMod val="50000"/>
+                  </a:schemeClr>
+                </a:solidFill>
+              </a:rPr>
+              <a:t>// hier irgendwas ausrechnen</a:t>
+            </a:r>
+          </a:p>
+          <a:p>
+            <a:r>
+              <a:rPr lang="de-DE" sz="2800" b="1" i="1" dirty="0">
+                <a:solidFill>
+                  <a:schemeClr val="bg1">
+                    <a:lumMod val="50000"/>
+                  </a:schemeClr>
+                </a:solidFill>
+              </a:rPr>
+              <a:t>        </a:t>
+            </a:r>
+            <a:r>
+              <a:rPr lang="de-DE" sz="2800" b="1" i="1" dirty="0">
+                <a:solidFill>
+                  <a:schemeClr val="accent1">
+                    <a:lumMod val="75000"/>
+                  </a:schemeClr>
+                </a:solidFill>
+              </a:rPr>
+              <a:t>return</a:t>
+            </a:r>
+            <a:r>
+              <a:rPr lang="de-DE" sz="2800" b="1" i="1" dirty="0">
+                <a:solidFill>
+                  <a:schemeClr val="bg1">
+                    <a:lumMod val="50000"/>
+                  </a:schemeClr>
+                </a:solidFill>
+              </a:rPr>
+              <a:t> </a:t>
+            </a:r>
+            <a:r>
+              <a:rPr lang="de-DE" sz="2800" b="1" i="1" dirty="0">
+                <a:solidFill>
+                  <a:schemeClr val="tx2"/>
+                </a:solidFill>
+              </a:rPr>
+              <a:t>ergebnis</a:t>
+            </a:r>
+            <a:r>
+              <a:rPr lang="de-DE" sz="2800" b="1" i="1" dirty="0">
+                <a:solidFill>
+                  <a:schemeClr val="accent1">
+                    <a:lumMod val="75000"/>
+                  </a:schemeClr>
+                </a:solidFill>
+              </a:rPr>
+              <a:t>;</a:t>
+            </a:r>
+            <a:br>
+              <a:rPr lang="de-DE" sz="2800" i="1" dirty="0"/>
+            </a:br>
+            <a:r>
+              <a:rPr lang="de-DE" sz="2800" b="1" dirty="0">
+                <a:solidFill>
+                  <a:schemeClr val="accent1">
+                    <a:lumMod val="75000"/>
+                  </a:schemeClr>
+                </a:solidFill>
+              </a:rPr>
+              <a:t>    }</a:t>
+            </a:r>
+            <a:br>
+              <a:rPr lang="de-DE" sz="2800" i="1" dirty="0"/>
+            </a:br>
+            <a:r>
+              <a:rPr lang="de-DE" sz="2800" b="1" dirty="0">
+                <a:solidFill>
+                  <a:schemeClr val="accent1">
+                    <a:lumMod val="75000"/>
+                  </a:schemeClr>
+                </a:solidFill>
+              </a:rPr>
+              <a:t>}</a:t>
+            </a:r>
+            <a:endParaRPr lang="de-DE" sz="2800" dirty="0"/>
           </a:p>
         </p:txBody>
       </p:sp>
@@ -48171,7 +48466,7 @@
           <a:p>
             <a:fld id="{1B9B7D4F-084D-4938-987D-2F1AC790542C}" type="datetime1">
               <a:rPr lang="de-DE" smtClean="0"/>
-              <a:t>01.03.2023</a:t>
+              <a:t>15.03.2023</a:t>
             </a:fld>
             <a:endParaRPr lang="de-DE"/>
           </a:p>
@@ -48552,7 +48847,7 @@
           <a:p>
             <a:fld id="{9B861850-1CC1-4EA2-B13E-5F4984DD6765}" type="datetime1">
               <a:rPr lang="de-DE" smtClean="0"/>
-              <a:t>01.03.2023</a:t>
+              <a:t>15.03.2023</a:t>
             </a:fld>
             <a:endParaRPr lang="de-DE"/>
           </a:p>
@@ -48778,7 +49073,7 @@
           <a:p>
             <a:fld id="{889CA5D6-219F-4100-8B22-6093808BA88C}" type="datetime1">
               <a:rPr lang="de-DE" smtClean="0"/>
-              <a:t>01.03.2023</a:t>
+              <a:t>15.03.2023</a:t>
             </a:fld>
             <a:endParaRPr lang="de-DE"/>
           </a:p>
@@ -48974,7 +49269,7 @@
           <a:p>
             <a:fld id="{E3EA1E44-3556-4DD6-B627-361E1D69BC25}" type="datetime1">
               <a:rPr lang="de-DE" smtClean="0"/>
-              <a:t>01.03.2023</a:t>
+              <a:t>15.03.2023</a:t>
             </a:fld>
             <a:endParaRPr lang="de-DE"/>
           </a:p>
@@ -49137,7 +49432,7 @@
           <a:p>
             <a:fld id="{1540C555-F8A4-4422-9B93-FA0C3929592C}" type="datetime1">
               <a:rPr lang="de-DE" smtClean="0"/>
-              <a:t>01.03.2023</a:t>
+              <a:t>15.03.2023</a:t>
             </a:fld>
             <a:endParaRPr lang="de-DE"/>
           </a:p>
@@ -49973,7 +50268,7 @@
           <a:p>
             <a:fld id="{5B67CC1C-91AE-4741-BE88-3E8933D29597}" type="datetime1">
               <a:rPr lang="de-DE" smtClean="0"/>
-              <a:t>01.03.2023</a:t>
+              <a:t>15.03.2023</a:t>
             </a:fld>
             <a:endParaRPr lang="de-DE"/>
           </a:p>
@@ -50606,7 +50901,7 @@
           <a:p>
             <a:fld id="{3466B08E-FC5F-4F44-9AE8-540AFED46B32}" type="datetime1">
               <a:rPr lang="de-DE" smtClean="0"/>
-              <a:t>01.03.2023</a:t>
+              <a:t>15.03.2023</a:t>
             </a:fld>
             <a:endParaRPr lang="de-DE"/>
           </a:p>
